--- a/4-JavaScript API/JavaScript APIs.pptx
+++ b/4-JavaScript API/JavaScript APIs.pptx
@@ -8,7 +8,7 @@
     <p:sldMasterId id="2147483702" r:id="rId4"/>
   </p:sldMasterIdLst>
   <p:notesMasterIdLst>
-    <p:notesMasterId r:id="rId37"/>
+    <p:notesMasterId r:id="rId39"/>
   </p:notesMasterIdLst>
   <p:sldIdLst>
     <p:sldId id="256" r:id="rId5"/>
@@ -36,13 +36,15 @@
     <p:sldId id="299" r:id="rId27"/>
     <p:sldId id="268" r:id="rId28"/>
     <p:sldId id="286" r:id="rId29"/>
-    <p:sldId id="281" r:id="rId30"/>
-    <p:sldId id="285" r:id="rId31"/>
-    <p:sldId id="269" r:id="rId32"/>
-    <p:sldId id="275" r:id="rId33"/>
-    <p:sldId id="280" r:id="rId34"/>
-    <p:sldId id="263" r:id="rId35"/>
-    <p:sldId id="264" r:id="rId36"/>
+    <p:sldId id="305" r:id="rId30"/>
+    <p:sldId id="306" r:id="rId31"/>
+    <p:sldId id="281" r:id="rId32"/>
+    <p:sldId id="285" r:id="rId33"/>
+    <p:sldId id="269" r:id="rId34"/>
+    <p:sldId id="275" r:id="rId35"/>
+    <p:sldId id="280" r:id="rId36"/>
+    <p:sldId id="263" r:id="rId37"/>
+    <p:sldId id="264" r:id="rId38"/>
   </p:sldIdLst>
   <p:sldSz cx="9144000" cy="6858000" type="screen4x3"/>
   <p:notesSz cx="6858000" cy="9144000"/>
@@ -226,7 +228,7 @@
           <a:p>
             <a:fld id="{D1EA0DBE-4458-7349-8DB4-B45B1B6487F3}" type="datetimeFigureOut">
               <a:rPr lang="en-US" smtClean="0"/>
-              <a:t>1/3/12</a:t>
+              <a:t>1/9/2012</a:t>
             </a:fld>
             <a:endParaRPr lang="en-US"/>
           </a:p>
@@ -942,11 +944,7 @@
             </a:r>
             <a:r>
               <a:rPr lang="en-US" baseline="0" dirty="0" smtClean="0"/>
-              <a:t> by adding the capability of saving user preferences locally in the browser, and then loading those. [Be ready to speak to security of these items (sandboxed to site, etc.)</a:t>
-            </a:r>
-            <a:r>
-              <a:rPr lang="en-US" baseline="0" dirty="0" smtClean="0"/>
-              <a:t>]. No need to demo </a:t>
+              <a:t> by adding the capability of saving user preferences locally in the browser, and then loading those. [Be ready to speak to security of these items (sandboxed to site, etc.)]. No need to demo </a:t>
             </a:r>
             <a:r>
               <a:rPr lang="en-US" baseline="0" dirty="0" err="1" smtClean="0"/>
@@ -956,7 +954,6 @@
               <a:rPr lang="en-US" baseline="0" dirty="0" smtClean="0"/>
               <a:t> here</a:t>
             </a:r>
-            <a:endParaRPr lang="en-US" baseline="0" dirty="0" smtClean="0"/>
           </a:p>
         </p:txBody>
       </p:sp>
@@ -1041,60 +1038,6 @@
           <a:bodyPr/>
           <a:lstStyle/>
           <a:p>
-            <a:r>
-              <a:rPr lang="en-US" dirty="0" smtClean="0"/>
-              <a:t>Custom data attributes are intended</a:t>
-            </a:r>
-            <a:r>
-              <a:rPr lang="en-US" baseline="0" dirty="0" smtClean="0"/>
-              <a:t> to store custom data private to the page or application, for which there are no more appropriate attributes or elements. Intended to be used by scripts in the site.</a:t>
-            </a:r>
-          </a:p>
-          <a:p>
-            <a:endParaRPr lang="en-US" baseline="0" dirty="0" smtClean="0"/>
-          </a:p>
-          <a:p>
-            <a:r>
-              <a:rPr lang="en-US" baseline="0" dirty="0" smtClean="0"/>
-              <a:t>Common uses include:</a:t>
-            </a:r>
-          </a:p>
-          <a:p>
-            <a:endParaRPr lang="en-US" baseline="0" dirty="0" smtClean="0"/>
-          </a:p>
-          <a:p>
-            <a:pPr marL="171450" indent="-171450">
-              <a:buFontTx/>
-              <a:buChar char="-"/>
-            </a:pPr>
-            <a:r>
-              <a:rPr lang="en-US" baseline="0" dirty="0" smtClean="0"/>
-              <a:t>Unobtrusive Validation in ASP.NET MVC</a:t>
-            </a:r>
-          </a:p>
-          <a:p>
-            <a:pPr marL="171450" indent="-171450">
-              <a:buFontTx/>
-              <a:buChar char="-"/>
-            </a:pPr>
-            <a:r>
-              <a:rPr lang="en-US" baseline="0" dirty="0" err="1" smtClean="0"/>
-              <a:t>jQuery</a:t>
-            </a:r>
-            <a:r>
-              <a:rPr lang="en-US" baseline="0" dirty="0" smtClean="0"/>
-              <a:t> Mobile</a:t>
-            </a:r>
-          </a:p>
-          <a:p>
-            <a:pPr marL="171450" indent="-171450">
-              <a:buFontTx/>
-              <a:buChar char="-"/>
-            </a:pPr>
-            <a:r>
-              <a:rPr lang="en-US" baseline="0" dirty="0" smtClean="0"/>
-              <a:t>Knockout JS</a:t>
-            </a:r>
             <a:endParaRPr lang="en-US" dirty="0"/>
           </a:p>
         </p:txBody>
@@ -1179,127 +1122,6 @@
           <a:bodyPr/>
           <a:lstStyle/>
           <a:p>
-            <a:pPr marL="228600" indent="-228600">
-              <a:buAutoNum type="arabicParenR"/>
-            </a:pPr>
-            <a:r>
-              <a:rPr lang="en-US" dirty="0" smtClean="0"/>
-              <a:t>Go to http://</a:t>
-            </a:r>
-            <a:r>
-              <a:rPr lang="en-US" dirty="0" err="1" smtClean="0"/>
-              <a:t>validator.nu</a:t>
-            </a:r>
-            <a:r>
-              <a:rPr lang="en-US" dirty="0" smtClean="0"/>
-              <a:t>/ and create a arbitrary</a:t>
-            </a:r>
-            <a:r>
-              <a:rPr lang="en-US" baseline="0" dirty="0" smtClean="0"/>
-              <a:t> attribute and try to validate the page</a:t>
-            </a:r>
-          </a:p>
-          <a:p>
-            <a:pPr marL="228600" indent="-228600">
-              <a:buAutoNum type="arabicParenR"/>
-            </a:pPr>
-            <a:r>
-              <a:rPr lang="en-US" baseline="0" dirty="0" smtClean="0"/>
-              <a:t>Append data- and attempt to validate again, it will work this time. </a:t>
-            </a:r>
-          </a:p>
-          <a:p>
-            <a:pPr marL="228600" indent="-228600">
-              <a:buAutoNum type="arabicParenR"/>
-            </a:pPr>
-            <a:endParaRPr lang="en-US" baseline="0" dirty="0" smtClean="0"/>
-          </a:p>
-          <a:p>
-            <a:pPr marL="228600" indent="-228600">
-              <a:buAutoNum type="arabicParenR"/>
-            </a:pPr>
-            <a:r>
-              <a:rPr lang="en-US" baseline="0" dirty="0" smtClean="0"/>
-              <a:t>Now let’s look at real-world uses of data-. </a:t>
-            </a:r>
-            <a:r>
-              <a:rPr lang="en-US" baseline="0" dirty="0" err="1" smtClean="0"/>
-              <a:t>jQuery</a:t>
-            </a:r>
-            <a:r>
-              <a:rPr lang="en-US" baseline="0" dirty="0" smtClean="0"/>
-              <a:t> mobile makes heavy use of Data- attributes, and we can take a look and how we can query these</a:t>
-            </a:r>
-          </a:p>
-          <a:p>
-            <a:pPr marL="228600" indent="-228600">
-              <a:buAutoNum type="arabicParenR"/>
-            </a:pPr>
-            <a:r>
-              <a:rPr lang="en-US" baseline="0" dirty="0" smtClean="0"/>
-              <a:t>Go to </a:t>
-            </a:r>
-            <a:r>
-              <a:rPr lang="en-US" baseline="0" dirty="0" err="1" smtClean="0"/>
-              <a:t>jQueryMobile.com</a:t>
-            </a:r>
-            <a:r>
-              <a:rPr lang="en-US" baseline="0" dirty="0" smtClean="0"/>
-              <a:t> and show the gallery</a:t>
-            </a:r>
-          </a:p>
-          <a:p>
-            <a:pPr marL="228600" indent="-228600">
-              <a:buAutoNum type="arabicParenR"/>
-            </a:pPr>
-            <a:r>
-              <a:rPr lang="en-US" baseline="0" dirty="0" smtClean="0"/>
-              <a:t>Go to http://</a:t>
-            </a:r>
-            <a:r>
-              <a:rPr lang="en-US" baseline="0" dirty="0" err="1" smtClean="0"/>
-              <a:t>www.slideshare.net</a:t>
-            </a:r>
-            <a:r>
-              <a:rPr lang="en-US" baseline="0" dirty="0" smtClean="0"/>
-              <a:t>/mobile or </a:t>
-            </a:r>
-            <a:r>
-              <a:rPr lang="en-US" baseline="0" dirty="0" err="1" smtClean="0"/>
-              <a:t>m.opentable.com</a:t>
-            </a:r>
-            <a:r>
-              <a:rPr lang="en-US" baseline="0" dirty="0" smtClean="0"/>
-              <a:t> and open the Chrome </a:t>
-            </a:r>
-            <a:r>
-              <a:rPr lang="en-US" baseline="0" dirty="0" err="1" smtClean="0"/>
-              <a:t>Dev</a:t>
-            </a:r>
-            <a:r>
-              <a:rPr lang="en-US" baseline="0" dirty="0" smtClean="0"/>
-              <a:t> tools</a:t>
-            </a:r>
-          </a:p>
-          <a:p>
-            <a:pPr marL="228600" indent="-228600">
-              <a:buAutoNum type="arabicParenR"/>
-            </a:pPr>
-            <a:r>
-              <a:rPr lang="en-US" baseline="0" dirty="0" smtClean="0"/>
-              <a:t>Open the console and select an element by ID to show working with Data-* attributes</a:t>
-            </a:r>
-          </a:p>
-          <a:p>
-            <a:pPr marL="228600" indent="-228600">
-              <a:buAutoNum type="arabicParenR"/>
-            </a:pPr>
-            <a:endParaRPr lang="en-US" baseline="0" smtClean="0"/>
-          </a:p>
-          <a:p>
-            <a:pPr marL="228600" indent="-228600">
-              <a:buAutoNum type="arabicParenR"/>
-            </a:pPr>
             <a:endParaRPr lang="en-US" dirty="0"/>
           </a:p>
         </p:txBody>
@@ -1319,19 +1141,18 @@
           <a:bodyPr/>
           <a:lstStyle/>
           <a:p>
-            <a:fld id="{8B263312-38AA-4E1E-B2B5-0F8F122B24FE}" type="slidenum">
+            <a:fld id="{3CF65C51-ACD0-EB42-9E75-DB57B27F6178}" type="slidenum">
               <a:rPr lang="en-US" smtClean="0"/>
-              <a:pPr/>
-              <a:t>27</a:t>
+              <a:t>26</a:t>
             </a:fld>
-            <a:endParaRPr lang="en-US" dirty="0"/>
+            <a:endParaRPr lang="en-US"/>
           </a:p>
         </p:txBody>
       </p:sp>
     </p:spTree>
     <p:extLst>
       <p:ext uri="{BB962C8B-B14F-4D97-AF65-F5344CB8AC3E}">
-        <p14:creationId xmlns:p14="http://schemas.microsoft.com/office/powerpoint/2010/main" val="2785940683"/>
+        <p14:creationId xmlns:p14="http://schemas.microsoft.com/office/powerpoint/2010/main" val="1703694169"/>
       </p:ext>
     </p:extLst>
   </p:cSld>
@@ -1385,6 +1206,196 @@
           <a:bodyPr/>
           <a:lstStyle/>
           <a:p>
+            <a:endParaRPr lang="en-US" dirty="0"/>
+          </a:p>
+        </p:txBody>
+      </p:sp>
+      <p:sp>
+        <p:nvSpPr>
+          <p:cNvPr id="4" name="Slide Number Placeholder 3"/>
+          <p:cNvSpPr>
+            <a:spLocks noGrp="1"/>
+          </p:cNvSpPr>
+          <p:nvPr>
+            <p:ph type="sldNum" sz="quarter" idx="10"/>
+          </p:nvPr>
+        </p:nvSpPr>
+        <p:spPr/>
+        <p:txBody>
+          <a:bodyPr/>
+          <a:lstStyle/>
+          <a:p>
+            <a:fld id="{3CF65C51-ACD0-EB42-9E75-DB57B27F6178}" type="slidenum">
+              <a:rPr lang="en-US" smtClean="0"/>
+              <a:t>27</a:t>
+            </a:fld>
+            <a:endParaRPr lang="en-US"/>
+          </a:p>
+        </p:txBody>
+      </p:sp>
+    </p:spTree>
+    <p:extLst>
+      <p:ext uri="{BB962C8B-B14F-4D97-AF65-F5344CB8AC3E}">
+        <p14:creationId xmlns:p14="http://schemas.microsoft.com/office/powerpoint/2010/main" val="1703694169"/>
+      </p:ext>
+    </p:extLst>
+  </p:cSld>
+  <p:clrMapOvr>
+    <a:masterClrMapping/>
+  </p:clrMapOvr>
+</p:notes>
+</file>
+
+<file path=ppt/notesSlides/notesSlide17.xml><?xml version="1.0" encoding="utf-8"?>
+<p:notes xmlns:a="http://schemas.openxmlformats.org/drawingml/2006/main" xmlns:r="http://schemas.openxmlformats.org/officeDocument/2006/relationships" xmlns:p="http://schemas.openxmlformats.org/presentationml/2006/main">
+  <p:cSld>
+    <p:spTree>
+      <p:nvGrpSpPr>
+        <p:cNvPr id="1" name=""/>
+        <p:cNvGrpSpPr/>
+        <p:nvPr/>
+      </p:nvGrpSpPr>
+      <p:grpSpPr>
+        <a:xfrm>
+          <a:off x="0" y="0"/>
+          <a:ext cx="0" cy="0"/>
+          <a:chOff x="0" y="0"/>
+          <a:chExt cx="0" cy="0"/>
+        </a:xfrm>
+      </p:grpSpPr>
+      <p:sp>
+        <p:nvSpPr>
+          <p:cNvPr id="2" name="Slide Image Placeholder 1"/>
+          <p:cNvSpPr>
+            <a:spLocks noGrp="1" noRot="1" noChangeAspect="1"/>
+          </p:cNvSpPr>
+          <p:nvPr>
+            <p:ph type="sldImg"/>
+          </p:nvPr>
+        </p:nvSpPr>
+        <p:spPr/>
+      </p:sp>
+      <p:sp>
+        <p:nvSpPr>
+          <p:cNvPr id="3" name="Notes Placeholder 2"/>
+          <p:cNvSpPr>
+            <a:spLocks noGrp="1"/>
+          </p:cNvSpPr>
+          <p:nvPr>
+            <p:ph type="body" idx="1"/>
+          </p:nvPr>
+        </p:nvSpPr>
+        <p:spPr/>
+        <p:txBody>
+          <a:bodyPr/>
+          <a:lstStyle/>
+          <a:p>
+            <a:pPr marL="0" indent="0">
+              <a:buNone/>
+            </a:pPr>
+            <a:endParaRPr lang="en-US" baseline="0" dirty="0" smtClean="0"/>
+          </a:p>
+          <a:p>
+            <a:pPr marL="0" indent="0">
+              <a:buNone/>
+            </a:pPr>
+            <a:r>
+              <a:rPr lang="en-US" dirty="0" smtClean="0">
+                <a:hlinkClick r:id="rId3"/>
+              </a:rPr>
+              <a:t>http://ie.microsoft.com/testdrive/HTML5/CORSUpload/</a:t>
+            </a:r>
+            <a:endParaRPr lang="en-US" dirty="0" smtClean="0"/>
+          </a:p>
+          <a:p>
+            <a:pPr marL="228600" indent="-228600">
+              <a:buAutoNum type="arabicParenR"/>
+            </a:pPr>
+            <a:endParaRPr lang="en-US" dirty="0"/>
+          </a:p>
+        </p:txBody>
+      </p:sp>
+      <p:sp>
+        <p:nvSpPr>
+          <p:cNvPr id="4" name="Slide Number Placeholder 3"/>
+          <p:cNvSpPr>
+            <a:spLocks noGrp="1"/>
+          </p:cNvSpPr>
+          <p:nvPr>
+            <p:ph type="sldNum" sz="quarter" idx="10"/>
+          </p:nvPr>
+        </p:nvSpPr>
+        <p:spPr/>
+        <p:txBody>
+          <a:bodyPr/>
+          <a:lstStyle/>
+          <a:p>
+            <a:fld id="{8B263312-38AA-4E1E-B2B5-0F8F122B24FE}" type="slidenum">
+              <a:rPr lang="en-US" smtClean="0"/>
+              <a:pPr/>
+              <a:t>29</a:t>
+            </a:fld>
+            <a:endParaRPr lang="en-US" dirty="0"/>
+          </a:p>
+        </p:txBody>
+      </p:sp>
+    </p:spTree>
+    <p:extLst>
+      <p:ext uri="{BB962C8B-B14F-4D97-AF65-F5344CB8AC3E}">
+        <p14:creationId xmlns:p14="http://schemas.microsoft.com/office/powerpoint/2010/main" val="2785940683"/>
+      </p:ext>
+    </p:extLst>
+  </p:cSld>
+  <p:clrMapOvr>
+    <a:masterClrMapping/>
+  </p:clrMapOvr>
+</p:notes>
+</file>
+
+<file path=ppt/notesSlides/notesSlide18.xml><?xml version="1.0" encoding="utf-8"?>
+<p:notes xmlns:a="http://schemas.openxmlformats.org/drawingml/2006/main" xmlns:r="http://schemas.openxmlformats.org/officeDocument/2006/relationships" xmlns:p="http://schemas.openxmlformats.org/presentationml/2006/main">
+  <p:cSld>
+    <p:spTree>
+      <p:nvGrpSpPr>
+        <p:cNvPr id="1" name=""/>
+        <p:cNvGrpSpPr/>
+        <p:nvPr/>
+      </p:nvGrpSpPr>
+      <p:grpSpPr>
+        <a:xfrm>
+          <a:off x="0" y="0"/>
+          <a:ext cx="0" cy="0"/>
+          <a:chOff x="0" y="0"/>
+          <a:chExt cx="0" cy="0"/>
+        </a:xfrm>
+      </p:grpSpPr>
+      <p:sp>
+        <p:nvSpPr>
+          <p:cNvPr id="2" name="Slide Image Placeholder 1"/>
+          <p:cNvSpPr>
+            <a:spLocks noGrp="1" noRot="1" noChangeAspect="1"/>
+          </p:cNvSpPr>
+          <p:nvPr>
+            <p:ph type="sldImg"/>
+          </p:nvPr>
+        </p:nvSpPr>
+        <p:spPr/>
+      </p:sp>
+      <p:sp>
+        <p:nvSpPr>
+          <p:cNvPr id="3" name="Notes Placeholder 2"/>
+          <p:cNvSpPr>
+            <a:spLocks noGrp="1"/>
+          </p:cNvSpPr>
+          <p:nvPr>
+            <p:ph type="body" idx="1"/>
+          </p:nvPr>
+        </p:nvSpPr>
+        <p:spPr/>
+        <p:txBody>
+          <a:bodyPr/>
+          <a:lstStyle/>
+          <a:p>
             <a:pPr marL="0" marR="0" indent="0" algn="l" defTabSz="457200" rtl="0" eaLnBrk="1" fontAlgn="auto" latinLnBrk="0" hangingPunct="1">
               <a:lnSpc>
                 <a:spcPct val="100000"/>
@@ -1424,11 +1435,7 @@
             </a:r>
             <a:r>
               <a:rPr lang="en-US" baseline="0" dirty="0" smtClean="0"/>
-              <a:t>() methods, which allow you to add and modify history entries. The code above will actually change the address bar to “/contact”, but it won’t cause the browser to load the “contact” route, or even check that it exists. In essence, the History API means that the back button is no longer broken </a:t>
-            </a:r>
-            <a:r>
-              <a:rPr lang="en-US" baseline="0" smtClean="0"/>
-              <a:t>when using AJAX!</a:t>
+              <a:t>() methods, which allow you to add and modify history entries. The code above will actually change the address bar to “/contact”, but it won’t cause the browser to load the “contact” route, or even check that it exists. In essence, the History API means that the back button is no longer broken when using AJAX!</a:t>
             </a:r>
             <a:endParaRPr lang="en-US" dirty="0"/>
           </a:p>
@@ -1452,7 +1459,7 @@
             <a:fld id="{8B263312-38AA-4E1E-B2B5-0F8F122B24FE}" type="slidenum">
               <a:rPr lang="en-US" smtClean="0"/>
               <a:pPr/>
-              <a:t>29</a:t>
+              <a:t>31</a:t>
             </a:fld>
             <a:endParaRPr lang="en-US" dirty="0"/>
           </a:p>
@@ -2513,13 +2520,13 @@
   <p:clrMapOvr>
     <a:masterClrMapping/>
   </p:clrMapOvr>
-  <p:transition xmlns:p14="http://schemas.microsoft.com/office/powerpoint/2010/main">
+  <p:transition>
     <p:fade/>
   </p:transition>
   <p:timing>
     <p:tnLst>
       <p:par>
-        <p:cTn xmlns:p14="http://schemas.microsoft.com/office/powerpoint/2010/main" id="1" dur="indefinite" restart="never" nodeType="tmRoot"/>
+        <p:cTn id="1" dur="indefinite" restart="never" nodeType="tmRoot"/>
       </p:par>
     </p:tnLst>
   </p:timing>
@@ -2688,7 +2695,7 @@
   <p:clrMapOvr>
     <a:masterClrMapping/>
   </p:clrMapOvr>
-  <p:transition xmlns:p14="http://schemas.microsoft.com/office/powerpoint/2010/main">
+  <p:transition>
     <p:fade/>
   </p:transition>
 </p:sldLayout>
@@ -2988,13 +2995,13 @@
   <p:clrMapOvr>
     <a:masterClrMapping/>
   </p:clrMapOvr>
-  <p:transition xmlns:p14="http://schemas.microsoft.com/office/powerpoint/2010/main">
+  <p:transition>
     <p:fade/>
   </p:transition>
   <p:timing>
     <p:tnLst>
       <p:par>
-        <p:cTn xmlns:p14="http://schemas.microsoft.com/office/powerpoint/2010/main" id="1" dur="indefinite" restart="never" nodeType="tmRoot"/>
+        <p:cTn id="1" dur="indefinite" restart="never" nodeType="tmRoot"/>
       </p:par>
     </p:tnLst>
   </p:timing>
@@ -3407,7 +3414,7 @@
   <p:clrMapOvr>
     <a:masterClrMapping/>
   </p:clrMapOvr>
-  <p:transition xmlns:p14="http://schemas.microsoft.com/office/powerpoint/2010/main">
+  <p:transition>
     <p:fade/>
   </p:transition>
 </p:sldLayout>
@@ -3467,13 +3474,13 @@
   <p:clrMapOvr>
     <a:masterClrMapping/>
   </p:clrMapOvr>
-  <p:transition xmlns:p14="http://schemas.microsoft.com/office/powerpoint/2010/main">
+  <p:transition>
     <p:fade/>
   </p:transition>
   <p:timing>
     <p:tnLst>
       <p:par>
-        <p:cTn xmlns:p14="http://schemas.microsoft.com/office/powerpoint/2010/main" id="1" dur="indefinite" restart="never" nodeType="tmRoot"/>
+        <p:cTn id="1" dur="indefinite" restart="never" nodeType="tmRoot"/>
       </p:par>
     </p:tnLst>
   </p:timing>
@@ -3507,7 +3514,7 @@
   <p:clrMapOvr>
     <a:masterClrMapping/>
   </p:clrMapOvr>
-  <p:transition xmlns:p14="http://schemas.microsoft.com/office/powerpoint/2010/main">
+  <p:transition>
     <p:fade/>
   </p:transition>
 </p:sldLayout>
@@ -3554,13 +3561,13 @@
   <p:clrMapOvr>
     <a:masterClrMapping/>
   </p:clrMapOvr>
-  <p:transition xmlns:p14="http://schemas.microsoft.com/office/powerpoint/2010/main">
+  <p:transition>
     <p:fade/>
   </p:transition>
   <p:timing>
     <p:tnLst>
       <p:par>
-        <p:cTn xmlns:p14="http://schemas.microsoft.com/office/powerpoint/2010/main" id="1" dur="indefinite" restart="never" nodeType="tmRoot"/>
+        <p:cTn id="1" dur="indefinite" restart="never" nodeType="tmRoot"/>
       </p:par>
     </p:tnLst>
   </p:timing>
@@ -3613,13 +3620,13 @@
   <p:clrMapOvr>
     <a:masterClrMapping/>
   </p:clrMapOvr>
-  <p:transition xmlns:p14="http://schemas.microsoft.com/office/powerpoint/2010/main">
+  <p:transition>
     <p:fade/>
   </p:transition>
   <p:timing>
     <p:tnLst>
       <p:par>
-        <p:cTn xmlns:p14="http://schemas.microsoft.com/office/powerpoint/2010/main" id="1" dur="indefinite" restart="never" nodeType="tmRoot"/>
+        <p:cTn id="1" dur="indefinite" restart="never" nodeType="tmRoot"/>
       </p:par>
     </p:tnLst>
   </p:timing>
@@ -3864,7 +3871,7 @@
   <p:clrMapOvr>
     <a:masterClrMapping/>
   </p:clrMapOvr>
-  <p:transition xmlns:p14="http://schemas.microsoft.com/office/powerpoint/2010/main">
+  <p:transition>
     <p:fade/>
   </p:transition>
 </p:sldLayout>
@@ -4160,7 +4167,7 @@
   <p:clrMapOvr>
     <a:masterClrMapping/>
   </p:clrMapOvr>
-  <p:transition xmlns:p14="http://schemas.microsoft.com/office/powerpoint/2010/main">
+  <p:transition>
     <p:fade/>
   </p:transition>
 </p:sldLayout>
@@ -4328,13 +4335,13 @@
   <p:clrMapOvr>
     <a:masterClrMapping/>
   </p:clrMapOvr>
-  <p:transition xmlns:p14="http://schemas.microsoft.com/office/powerpoint/2010/main">
+  <p:transition>
     <p:fade/>
   </p:transition>
   <p:timing>
     <p:tnLst>
       <p:par>
-        <p:cTn xmlns:p14="http://schemas.microsoft.com/office/powerpoint/2010/main" id="1" dur="indefinite" restart="never" nodeType="tmRoot"/>
+        <p:cTn id="1" dur="indefinite" restart="never" nodeType="tmRoot"/>
       </p:par>
     </p:tnLst>
   </p:timing>
@@ -4610,7 +4617,7 @@
   <p:clrMapOvr>
     <a:masterClrMapping/>
   </p:clrMapOvr>
-  <p:transition xmlns:p14="http://schemas.microsoft.com/office/powerpoint/2010/main">
+  <p:transition>
     <p:fade/>
   </p:transition>
 </p:sldLayout>
@@ -4783,13 +4790,13 @@
   <p:clrMapOvr>
     <a:masterClrMapping/>
   </p:clrMapOvr>
-  <p:transition xmlns:p14="http://schemas.microsoft.com/office/powerpoint/2010/main">
+  <p:transition>
     <p:fade/>
   </p:transition>
   <p:timing>
     <p:tnLst>
       <p:par>
-        <p:cTn xmlns:p14="http://schemas.microsoft.com/office/powerpoint/2010/main" id="1" dur="indefinite" restart="never" nodeType="tmRoot"/>
+        <p:cTn id="1" dur="indefinite" restart="never" nodeType="tmRoot"/>
       </p:par>
     </p:tnLst>
   </p:timing>
@@ -5007,13 +5014,13 @@
   <p:clrMapOvr>
     <a:masterClrMapping/>
   </p:clrMapOvr>
-  <p:transition xmlns:p14="http://schemas.microsoft.com/office/powerpoint/2010/main">
+  <p:transition>
     <p:fade/>
   </p:transition>
   <p:timing>
     <p:tnLst>
       <p:par>
-        <p:cTn xmlns:p14="http://schemas.microsoft.com/office/powerpoint/2010/main" id="1" dur="indefinite" restart="never" nodeType="tmRoot"/>
+        <p:cTn id="1" dur="indefinite" restart="never" nodeType="tmRoot"/>
       </p:par>
     </p:tnLst>
   </p:timing>
@@ -5231,13 +5238,13 @@
   <p:clrMapOvr>
     <a:masterClrMapping/>
   </p:clrMapOvr>
-  <p:transition xmlns:p14="http://schemas.microsoft.com/office/powerpoint/2010/main">
+  <p:transition>
     <p:fade/>
   </p:transition>
   <p:timing>
     <p:tnLst>
       <p:par>
-        <p:cTn xmlns:p14="http://schemas.microsoft.com/office/powerpoint/2010/main" id="1" dur="indefinite" restart="never" nodeType="tmRoot"/>
+        <p:cTn id="1" dur="indefinite" restart="never" nodeType="tmRoot"/>
       </p:par>
     </p:tnLst>
   </p:timing>
@@ -5513,7 +5520,7 @@
   <p:clrMapOvr>
     <a:masterClrMapping/>
   </p:clrMapOvr>
-  <p:transition xmlns:p14="http://schemas.microsoft.com/office/powerpoint/2010/main">
+  <p:transition>
     <p:fade/>
   </p:transition>
 </p:sldLayout>
@@ -5788,7 +5795,7 @@
   <p:clrMapOvr>
     <a:masterClrMapping/>
   </p:clrMapOvr>
-  <p:transition xmlns:p14="http://schemas.microsoft.com/office/powerpoint/2010/main">
+  <p:transition>
     <p:fade/>
   </p:transition>
 </p:sldLayout>
@@ -6063,7 +6070,7 @@
   <p:clrMapOvr>
     <a:masterClrMapping/>
   </p:clrMapOvr>
-  <p:transition xmlns:p14="http://schemas.microsoft.com/office/powerpoint/2010/main">
+  <p:transition>
     <p:fade/>
   </p:transition>
 </p:sldLayout>
@@ -6338,7 +6345,7 @@
   <p:clrMapOvr>
     <a:masterClrMapping/>
   </p:clrMapOvr>
-  <p:transition xmlns:p14="http://schemas.microsoft.com/office/powerpoint/2010/main">
+  <p:transition>
     <p:fade/>
   </p:transition>
 </p:sldLayout>
@@ -6613,7 +6620,7 @@
   <p:clrMapOvr>
     <a:masterClrMapping/>
   </p:clrMapOvr>
-  <p:transition xmlns:p14="http://schemas.microsoft.com/office/powerpoint/2010/main">
+  <p:transition>
     <p:fade/>
   </p:transition>
 </p:sldLayout>
@@ -6888,7 +6895,7 @@
   <p:clrMapOvr>
     <a:masterClrMapping/>
   </p:clrMapOvr>
-  <p:transition xmlns:p14="http://schemas.microsoft.com/office/powerpoint/2010/main">
+  <p:transition>
     <p:fade/>
   </p:transition>
 </p:sldLayout>
@@ -7010,7 +7017,7 @@
   <p:clrMapOvr>
     <a:masterClrMapping/>
   </p:clrMapOvr>
-  <p:transition xmlns:p14="http://schemas.microsoft.com/office/powerpoint/2010/main">
+  <p:transition>
     <p:fade/>
   </p:transition>
 </p:sldLayout>
@@ -7285,7 +7292,7 @@
   <p:clrMapOvr>
     <a:masterClrMapping/>
   </p:clrMapOvr>
-  <p:transition xmlns:p14="http://schemas.microsoft.com/office/powerpoint/2010/main">
+  <p:transition>
     <p:fade/>
   </p:transition>
 </p:sldLayout>
@@ -7462,7 +7469,7 @@
   <p:clrMapOvr>
     <a:masterClrMapping/>
   </p:clrMapOvr>
-  <p:transition xmlns:p14="http://schemas.microsoft.com/office/powerpoint/2010/main">
+  <p:transition>
     <p:fade/>
   </p:transition>
 </p:sldLayout>
@@ -7630,7 +7637,7 @@
   <p:clrMapOvr>
     <a:masterClrMapping/>
   </p:clrMapOvr>
-  <p:transition xmlns:p14="http://schemas.microsoft.com/office/powerpoint/2010/main">
+  <p:transition>
     <p:fade/>
   </p:transition>
 </p:sldLayout>
@@ -7930,13 +7937,13 @@
   <p:clrMapOvr>
     <a:masterClrMapping/>
   </p:clrMapOvr>
-  <p:transition xmlns:p14="http://schemas.microsoft.com/office/powerpoint/2010/main">
+  <p:transition>
     <p:fade/>
   </p:transition>
   <p:timing>
     <p:tnLst>
       <p:par>
-        <p:cTn xmlns:p14="http://schemas.microsoft.com/office/powerpoint/2010/main" id="1" dur="indefinite" restart="never" nodeType="tmRoot"/>
+        <p:cTn id="1" dur="indefinite" restart="never" nodeType="tmRoot"/>
       </p:par>
     </p:tnLst>
   </p:timing>
@@ -8349,7 +8356,7 @@
   <p:clrMapOvr>
     <a:masterClrMapping/>
   </p:clrMapOvr>
-  <p:transition xmlns:p14="http://schemas.microsoft.com/office/powerpoint/2010/main">
+  <p:transition>
     <p:fade/>
   </p:transition>
 </p:sldLayout>
@@ -8409,13 +8416,13 @@
   <p:clrMapOvr>
     <a:masterClrMapping/>
   </p:clrMapOvr>
-  <p:transition xmlns:p14="http://schemas.microsoft.com/office/powerpoint/2010/main">
+  <p:transition>
     <p:fade/>
   </p:transition>
   <p:timing>
     <p:tnLst>
       <p:par>
-        <p:cTn xmlns:p14="http://schemas.microsoft.com/office/powerpoint/2010/main" id="1" dur="indefinite" restart="never" nodeType="tmRoot"/>
+        <p:cTn id="1" dur="indefinite" restart="never" nodeType="tmRoot"/>
       </p:par>
     </p:tnLst>
   </p:timing>
@@ -8449,7 +8456,7 @@
   <p:clrMapOvr>
     <a:masterClrMapping/>
   </p:clrMapOvr>
-  <p:transition xmlns:p14="http://schemas.microsoft.com/office/powerpoint/2010/main">
+  <p:transition>
     <p:fade/>
   </p:transition>
 </p:sldLayout>
@@ -8496,13 +8503,13 @@
   <p:clrMapOvr>
     <a:masterClrMapping/>
   </p:clrMapOvr>
-  <p:transition xmlns:p14="http://schemas.microsoft.com/office/powerpoint/2010/main">
+  <p:transition>
     <p:fade/>
   </p:transition>
   <p:timing>
     <p:tnLst>
       <p:par>
-        <p:cTn xmlns:p14="http://schemas.microsoft.com/office/powerpoint/2010/main" id="1" dur="indefinite" restart="never" nodeType="tmRoot"/>
+        <p:cTn id="1" dur="indefinite" restart="never" nodeType="tmRoot"/>
       </p:par>
     </p:tnLst>
   </p:timing>
@@ -8555,13 +8562,13 @@
   <p:clrMapOvr>
     <a:masterClrMapping/>
   </p:clrMapOvr>
-  <p:transition xmlns:p14="http://schemas.microsoft.com/office/powerpoint/2010/main">
+  <p:transition>
     <p:fade/>
   </p:transition>
   <p:timing>
     <p:tnLst>
       <p:par>
-        <p:cTn xmlns:p14="http://schemas.microsoft.com/office/powerpoint/2010/main" id="1" dur="indefinite" restart="never" nodeType="tmRoot"/>
+        <p:cTn id="1" dur="indefinite" restart="never" nodeType="tmRoot"/>
       </p:par>
     </p:tnLst>
   </p:timing>
@@ -8806,7 +8813,7 @@
   <p:clrMapOvr>
     <a:masterClrMapping/>
   </p:clrMapOvr>
-  <p:transition xmlns:p14="http://schemas.microsoft.com/office/powerpoint/2010/main">
+  <p:transition>
     <p:fade/>
   </p:transition>
 </p:sldLayout>
@@ -9102,7 +9109,7 @@
   <p:clrMapOvr>
     <a:masterClrMapping/>
   </p:clrMapOvr>
-  <p:transition xmlns:p14="http://schemas.microsoft.com/office/powerpoint/2010/main">
+  <p:transition>
     <p:fade/>
   </p:transition>
 </p:sldLayout>
@@ -9377,7 +9384,7 @@
   <p:clrMapOvr>
     <a:masterClrMapping/>
   </p:clrMapOvr>
-  <p:transition xmlns:p14="http://schemas.microsoft.com/office/powerpoint/2010/main">
+  <p:transition>
     <p:fade/>
   </p:transition>
 </p:sldLayout>
@@ -9545,13 +9552,13 @@
   <p:clrMapOvr>
     <a:masterClrMapping/>
   </p:clrMapOvr>
-  <p:transition xmlns:p14="http://schemas.microsoft.com/office/powerpoint/2010/main">
+  <p:transition>
     <p:fade/>
   </p:transition>
   <p:timing>
     <p:tnLst>
       <p:par>
-        <p:cTn xmlns:p14="http://schemas.microsoft.com/office/powerpoint/2010/main" id="1" dur="indefinite" restart="never" nodeType="tmRoot"/>
+        <p:cTn id="1" dur="indefinite" restart="never" nodeType="tmRoot"/>
       </p:par>
     </p:tnLst>
   </p:timing>
@@ -9725,13 +9732,13 @@
   <p:clrMapOvr>
     <a:masterClrMapping/>
   </p:clrMapOvr>
-  <p:transition xmlns:p14="http://schemas.microsoft.com/office/powerpoint/2010/main">
+  <p:transition>
     <p:fade/>
   </p:transition>
   <p:timing>
     <p:tnLst>
       <p:par>
-        <p:cTn xmlns:p14="http://schemas.microsoft.com/office/powerpoint/2010/main" id="1" dur="indefinite" restart="never" nodeType="tmRoot"/>
+        <p:cTn id="1" dur="indefinite" restart="never" nodeType="tmRoot"/>
       </p:par>
     </p:tnLst>
   </p:timing>
@@ -10007,7 +10014,7 @@
   <p:clrMapOvr>
     <a:masterClrMapping/>
   </p:clrMapOvr>
-  <p:transition xmlns:p14="http://schemas.microsoft.com/office/powerpoint/2010/main">
+  <p:transition>
     <p:fade/>
   </p:transition>
 </p:sldLayout>
@@ -10282,7 +10289,7 @@
   <p:clrMapOvr>
     <a:masterClrMapping/>
   </p:clrMapOvr>
-  <p:transition xmlns:p14="http://schemas.microsoft.com/office/powerpoint/2010/main">
+  <p:transition>
     <p:fade/>
   </p:transition>
 </p:sldLayout>
@@ -10557,7 +10564,7 @@
   <p:clrMapOvr>
     <a:masterClrMapping/>
   </p:clrMapOvr>
-  <p:transition xmlns:p14="http://schemas.microsoft.com/office/powerpoint/2010/main">
+  <p:transition>
     <p:fade/>
   </p:transition>
 </p:sldLayout>
@@ -10679,7 +10686,7 @@
   <p:clrMapOvr>
     <a:masterClrMapping/>
   </p:clrMapOvr>
-  <p:transition xmlns:p14="http://schemas.microsoft.com/office/powerpoint/2010/main">
+  <p:transition>
     <p:fade/>
   </p:transition>
 </p:sldLayout>
@@ -10856,7 +10863,7 @@
   <p:clrMapOvr>
     <a:masterClrMapping/>
   </p:clrMapOvr>
-  <p:transition xmlns:p14="http://schemas.microsoft.com/office/powerpoint/2010/main">
+  <p:transition>
     <p:fade/>
   </p:transition>
 </p:sldLayout>
@@ -11017,13 +11024,13 @@
     <p:sldLayoutId id="2147483678" r:id="rId18"/>
     <p:sldLayoutId id="2147483679" r:id="rId19"/>
   </p:sldLayoutIdLst>
-  <p:transition xmlns:p14="http://schemas.microsoft.com/office/powerpoint/2010/main">
+  <p:transition>
     <p:fade/>
   </p:transition>
   <p:timing>
     <p:tnLst>
       <p:par>
-        <p:cTn xmlns:p14="http://schemas.microsoft.com/office/powerpoint/2010/main" id="1" dur="indefinite" restart="never" nodeType="tmRoot"/>
+        <p:cTn id="1" dur="indefinite" restart="never" nodeType="tmRoot"/>
       </p:par>
     </p:tnLst>
   </p:timing>
@@ -11504,13 +11511,13 @@
     <p:sldLayoutId id="2147483681" r:id="rId1"/>
     <p:sldLayoutId id="2147483704" r:id="rId2"/>
   </p:sldLayoutIdLst>
-  <p:transition xmlns:p14="http://schemas.microsoft.com/office/powerpoint/2010/main">
+  <p:transition>
     <p:fade/>
   </p:transition>
   <p:timing>
     <p:tnLst>
       <p:par>
-        <p:cTn xmlns:p14="http://schemas.microsoft.com/office/powerpoint/2010/main" id="1" dur="indefinite" restart="never" nodeType="tmRoot"/>
+        <p:cTn id="1" dur="indefinite" restart="never" nodeType="tmRoot"/>
       </p:par>
     </p:tnLst>
   </p:timing>
@@ -11986,13 +11993,13 @@
     <p:sldLayoutId id="2147483700" r:id="rId18"/>
     <p:sldLayoutId id="2147483701" r:id="rId19"/>
   </p:sldLayoutIdLst>
-  <p:transition xmlns:p14="http://schemas.microsoft.com/office/powerpoint/2010/main">
+  <p:transition>
     <p:fade/>
   </p:transition>
   <p:timing>
     <p:tnLst>
       <p:par>
-        <p:cTn xmlns:p14="http://schemas.microsoft.com/office/powerpoint/2010/main" id="1" dur="indefinite" restart="never" nodeType="tmRoot"/>
+        <p:cTn id="1" dur="indefinite" restart="never" nodeType="tmRoot"/>
       </p:par>
     </p:tnLst>
   </p:timing>
@@ -12472,13 +12479,13 @@
   <p:sldLayoutIdLst>
     <p:sldLayoutId id="2147483703" r:id="rId1"/>
   </p:sldLayoutIdLst>
-  <p:transition xmlns:p14="http://schemas.microsoft.com/office/powerpoint/2010/main">
+  <p:transition>
     <p:fade/>
   </p:transition>
   <p:timing>
     <p:tnLst>
       <p:par>
-        <p:cTn xmlns:p14="http://schemas.microsoft.com/office/powerpoint/2010/main" id="1" dur="indefinite" restart="never" nodeType="tmRoot"/>
+        <p:cTn id="1" dur="indefinite" restart="never" nodeType="tmRoot"/>
       </p:par>
     </p:tnLst>
   </p:timing>
@@ -12969,13 +12976,13 @@
   <p:clrMapOvr>
     <a:masterClrMapping/>
   </p:clrMapOvr>
-  <p:transition xmlns:p14="http://schemas.microsoft.com/office/powerpoint/2010/main">
+  <p:transition>
     <p:fade/>
   </p:transition>
   <p:timing>
     <p:tnLst>
       <p:par>
-        <p:cTn xmlns:p14="http://schemas.microsoft.com/office/powerpoint/2010/main" id="1" dur="indefinite" restart="never" nodeType="tmRoot"/>
+        <p:cTn id="1" dur="indefinite" restart="never" nodeType="tmRoot"/>
       </p:par>
     </p:tnLst>
   </p:timing>
@@ -13041,31 +13048,7 @@
                 <a:ea typeface="+mn-ea"/>
                 <a:cs typeface="Arial" charset="0"/>
               </a:rPr>
-              <a:t>Browser Support for </a:t>
-            </a:r>
-            <a:r>
-              <a:rPr lang="en-US" sz="4000" b="0" kern="1200" cap="none" spc="-100" baseline="0" dirty="0" smtClean="0">
-                <a:ln w="3175">
-                  <a:noFill/>
-                </a:ln>
-                <a:gradFill flip="none" rotWithShape="1">
-                  <a:gsLst>
-                    <a:gs pos="0">
-                      <a:schemeClr val="tx1"/>
-                    </a:gs>
-                    <a:gs pos="86000">
-                      <a:schemeClr val="tx1"/>
-                    </a:gs>
-                  </a:gsLst>
-                  <a:lin ang="5400000" scaled="0"/>
-                  <a:tileRect/>
-                </a:gradFill>
-                <a:effectLst/>
-                <a:latin typeface="+mj-lt"/>
-                <a:ea typeface="+mn-ea"/>
-                <a:cs typeface="Arial" charset="0"/>
-              </a:rPr>
-              <a:t>Canvas</a:t>
+              <a:t>Browser Support for Canvas</a:t>
             </a:r>
             <a:endParaRPr lang="en-US" sz="3600" dirty="0"/>
           </a:p>
@@ -13707,13 +13690,13 @@
   <p:clrMapOvr>
     <a:masterClrMapping/>
   </p:clrMapOvr>
-  <p:transition xmlns:p14="http://schemas.microsoft.com/office/powerpoint/2010/main">
+  <p:transition>
     <p:fade/>
   </p:transition>
   <p:timing>
     <p:tnLst>
       <p:par>
-        <p:cTn xmlns:p14="http://schemas.microsoft.com/office/powerpoint/2010/main" id="1" dur="indefinite" restart="never" nodeType="tmRoot"/>
+        <p:cTn id="1" dur="indefinite" restart="never" nodeType="tmRoot"/>
       </p:par>
     </p:tnLst>
   </p:timing>
@@ -13777,11 +13760,7 @@
           <a:p>
             <a:r>
               <a:rPr lang="en-US" sz="6000" dirty="0" smtClean="0"/>
-              <a:t>&lt;canvas</a:t>
-            </a:r>
-            <a:r>
-              <a:rPr lang="en-US" sz="6000" dirty="0" smtClean="0"/>
-              <a:t>&gt;</a:t>
+              <a:t>&lt;canvas&gt;</a:t>
             </a:r>
             <a:endParaRPr lang="en-US" sz="6000" dirty="0"/>
           </a:p>
@@ -13797,13 +13776,13 @@
   <p:clrMapOvr>
     <a:masterClrMapping/>
   </p:clrMapOvr>
-  <p:transition xmlns:p14="http://schemas.microsoft.com/office/powerpoint/2010/main">
+  <p:transition>
     <p:fade/>
   </p:transition>
   <p:timing>
     <p:tnLst>
       <p:par>
-        <p:cTn xmlns:p14="http://schemas.microsoft.com/office/powerpoint/2010/main" id="1" dur="indefinite" restart="never" nodeType="tmRoot"/>
+        <p:cTn id="1" dur="indefinite" restart="never" nodeType="tmRoot"/>
       </p:par>
     </p:tnLst>
   </p:timing>
@@ -13896,13 +13875,13 @@
   <p:clrMapOvr>
     <a:masterClrMapping/>
   </p:clrMapOvr>
-  <p:transition xmlns:p14="http://schemas.microsoft.com/office/powerpoint/2010/main">
+  <p:transition>
     <p:fade/>
   </p:transition>
   <p:timing>
     <p:tnLst>
       <p:par>
-        <p:cTn xmlns:p14="http://schemas.microsoft.com/office/powerpoint/2010/main" id="1" dur="indefinite" restart="never" nodeType="tmRoot"/>
+        <p:cTn id="1" dur="indefinite" restart="never" nodeType="tmRoot"/>
       </p:par>
     </p:tnLst>
   </p:timing>
@@ -13978,13 +13957,13 @@
   <p:clrMapOvr>
     <a:masterClrMapping/>
   </p:clrMapOvr>
-  <p:transition xmlns:p14="http://schemas.microsoft.com/office/powerpoint/2010/main">
+  <p:transition>
     <p:fade/>
   </p:transition>
   <p:timing>
     <p:tnLst>
       <p:par>
-        <p:cTn xmlns:p14="http://schemas.microsoft.com/office/powerpoint/2010/main" id="1" dur="indefinite" restart="never" nodeType="tmRoot"/>
+        <p:cTn id="1" dur="indefinite" restart="never" nodeType="tmRoot"/>
       </p:par>
     </p:tnLst>
   </p:timing>
@@ -14050,31 +14029,7 @@
                 <a:ea typeface="+mn-ea"/>
                 <a:cs typeface="Arial" charset="0"/>
               </a:rPr>
-              <a:t>Browser Support for </a:t>
-            </a:r>
-            <a:r>
-              <a:rPr lang="en-US" b="0" kern="1200" cap="none" spc="-100" baseline="0" dirty="0" smtClean="0">
-                <a:ln w="3175">
-                  <a:noFill/>
-                </a:ln>
-                <a:gradFill flip="none" rotWithShape="1">
-                  <a:gsLst>
-                    <a:gs pos="0">
-                      <a:schemeClr val="tx1"/>
-                    </a:gs>
-                    <a:gs pos="86000">
-                      <a:schemeClr val="tx1"/>
-                    </a:gs>
-                  </a:gsLst>
-                  <a:lin ang="5400000" scaled="0"/>
-                  <a:tileRect/>
-                </a:gradFill>
-                <a:effectLst/>
-                <a:latin typeface="+mj-lt"/>
-                <a:ea typeface="+mn-ea"/>
-                <a:cs typeface="Arial" charset="0"/>
-              </a:rPr>
-              <a:t>Web Workers</a:t>
+              <a:t>Browser Support for Web Workers</a:t>
             </a:r>
             <a:endParaRPr lang="en-US" sz="4000" dirty="0"/>
           </a:p>
@@ -14716,13 +14671,13 @@
   <p:clrMapOvr>
     <a:masterClrMapping/>
   </p:clrMapOvr>
-  <p:transition xmlns:p14="http://schemas.microsoft.com/office/powerpoint/2010/main">
+  <p:transition>
     <p:fade/>
   </p:transition>
   <p:timing>
     <p:tnLst>
       <p:par>
-        <p:cTn xmlns:p14="http://schemas.microsoft.com/office/powerpoint/2010/main" id="1" dur="indefinite" restart="never" nodeType="tmRoot"/>
+        <p:cTn id="1" dur="indefinite" restart="never" nodeType="tmRoot"/>
       </p:par>
     </p:tnLst>
   </p:timing>
@@ -15460,13 +15415,13 @@
   <p:clrMapOvr>
     <a:masterClrMapping/>
   </p:clrMapOvr>
-  <p:transition xmlns:p14="http://schemas.microsoft.com/office/powerpoint/2010/main">
+  <p:transition>
     <p:fade/>
   </p:transition>
   <p:timing>
     <p:tnLst>
       <p:par>
-        <p:cTn xmlns:p14="http://schemas.microsoft.com/office/powerpoint/2010/main" id="1" dur="indefinite" restart="never" nodeType="tmRoot"/>
+        <p:cTn id="1" dur="indefinite" restart="never" nodeType="tmRoot"/>
       </p:par>
     </p:tnLst>
   </p:timing>
@@ -15532,31 +15487,7 @@
                 <a:ea typeface="+mn-ea"/>
                 <a:cs typeface="Arial" charset="0"/>
               </a:rPr>
-              <a:t>Browser Support for </a:t>
-            </a:r>
-            <a:r>
-              <a:rPr lang="en-US" b="0" kern="1200" cap="none" spc="-100" baseline="0" dirty="0" smtClean="0">
-                <a:ln w="3175">
-                  <a:noFill/>
-                </a:ln>
-                <a:gradFill flip="none" rotWithShape="1">
-                  <a:gsLst>
-                    <a:gs pos="0">
-                      <a:schemeClr val="tx1"/>
-                    </a:gs>
-                    <a:gs pos="86000">
-                      <a:schemeClr val="tx1"/>
-                    </a:gs>
-                  </a:gsLst>
-                  <a:lin ang="5400000" scaled="0"/>
-                  <a:tileRect/>
-                </a:gradFill>
-                <a:effectLst/>
-                <a:latin typeface="+mj-lt"/>
-                <a:ea typeface="+mn-ea"/>
-                <a:cs typeface="Arial" charset="0"/>
-              </a:rPr>
-              <a:t>Web Sockets</a:t>
+              <a:t>Browser Support for Web Sockets</a:t>
             </a:r>
             <a:endParaRPr lang="en-US" sz="4000" dirty="0"/>
           </a:p>
@@ -16198,13 +16129,13 @@
   <p:clrMapOvr>
     <a:masterClrMapping/>
   </p:clrMapOvr>
-  <p:transition xmlns:p14="http://schemas.microsoft.com/office/powerpoint/2010/main">
+  <p:transition>
     <p:fade/>
   </p:transition>
   <p:timing>
     <p:tnLst>
       <p:par>
-        <p:cTn xmlns:p14="http://schemas.microsoft.com/office/powerpoint/2010/main" id="1" dur="indefinite" restart="never" nodeType="tmRoot"/>
+        <p:cTn id="1" dur="indefinite" restart="never" nodeType="tmRoot"/>
       </p:par>
     </p:tnLst>
   </p:timing>
@@ -16303,13 +16234,13 @@
   <p:clrMapOvr>
     <a:masterClrMapping/>
   </p:clrMapOvr>
-  <p:transition xmlns:p14="http://schemas.microsoft.com/office/powerpoint/2010/main">
+  <p:transition>
     <p:fade/>
   </p:transition>
   <p:timing>
     <p:tnLst>
       <p:par>
-        <p:cTn xmlns:p14="http://schemas.microsoft.com/office/powerpoint/2010/main" id="1" dur="indefinite" restart="never" nodeType="tmRoot"/>
+        <p:cTn id="1" dur="indefinite" restart="never" nodeType="tmRoot"/>
       </p:par>
     </p:tnLst>
   </p:timing>
@@ -16406,13 +16337,13 @@
   <p:clrMapOvr>
     <a:masterClrMapping/>
   </p:clrMapOvr>
-  <p:transition xmlns:p14="http://schemas.microsoft.com/office/powerpoint/2010/main">
+  <p:transition>
     <p:fade/>
   </p:transition>
   <p:timing>
     <p:tnLst>
       <p:par>
-        <p:cTn xmlns:p14="http://schemas.microsoft.com/office/powerpoint/2010/main" id="1" dur="indefinite" restart="never" nodeType="tmRoot"/>
+        <p:cTn id="1" dur="indefinite" restart="never" nodeType="tmRoot"/>
       </p:par>
     </p:tnLst>
   </p:timing>
@@ -16820,7 +16751,7 @@
           <a:noFill/>
           <a:effectLst/>
           <a:extLst>
-            <a:ext uri="{909E8E84-426E-40dd-AFC4-6F175D3DCCD1}">
+            <a:ext uri="{909E8E84-426E-40DD-AFC4-6F175D3DCCD1}">
               <a14:hiddenFill xmlns:a14="http://schemas.microsoft.com/office/drawing/2010/main">
                 <a:solidFill>
                   <a:srgbClr val="FFFFFF"/>
@@ -16840,13 +16771,13 @@
   <p:clrMapOvr>
     <a:masterClrMapping/>
   </p:clrMapOvr>
-  <p:transition xmlns:p14="http://schemas.microsoft.com/office/powerpoint/2010/main">
+  <p:transition>
     <p:fade/>
   </p:transition>
   <p:timing>
     <p:tnLst>
       <p:par>
-        <p:cTn xmlns:p14="http://schemas.microsoft.com/office/powerpoint/2010/main" id="1" dur="indefinite" restart="never" nodeType="tmRoot"/>
+        <p:cTn id="1" dur="indefinite" restart="never" nodeType="tmRoot"/>
       </p:par>
     </p:tnLst>
   </p:timing>
@@ -17012,13 +16943,13 @@
   <p:clrMapOvr>
     <a:masterClrMapping/>
   </p:clrMapOvr>
-  <p:transition xmlns:p14="http://schemas.microsoft.com/office/powerpoint/2010/main">
+  <p:transition>
     <p:fade/>
   </p:transition>
   <p:timing>
     <p:tnLst>
       <p:par>
-        <p:cTn xmlns:p14="http://schemas.microsoft.com/office/powerpoint/2010/main" id="1" dur="indefinite" restart="never" nodeType="tmRoot"/>
+        <p:cTn id="1" dur="indefinite" restart="never" nodeType="tmRoot"/>
       </p:par>
     </p:tnLst>
   </p:timing>
@@ -17084,31 +17015,7 @@
                 <a:ea typeface="+mn-ea"/>
                 <a:cs typeface="Arial" charset="0"/>
               </a:rPr>
-              <a:t>Browser Support for </a:t>
-            </a:r>
-            <a:r>
-              <a:rPr lang="en-US" b="0" kern="1200" cap="none" spc="-100" baseline="0" dirty="0" smtClean="0">
-                <a:ln w="3175">
-                  <a:noFill/>
-                </a:ln>
-                <a:gradFill flip="none" rotWithShape="1">
-                  <a:gsLst>
-                    <a:gs pos="0">
-                      <a:schemeClr val="tx1"/>
-                    </a:gs>
-                    <a:gs pos="86000">
-                      <a:schemeClr val="tx1"/>
-                    </a:gs>
-                  </a:gsLst>
-                  <a:lin ang="5400000" scaled="0"/>
-                  <a:tileRect/>
-                </a:gradFill>
-                <a:effectLst/>
-                <a:latin typeface="+mj-lt"/>
-                <a:ea typeface="+mn-ea"/>
-                <a:cs typeface="Arial" charset="0"/>
-              </a:rPr>
-              <a:t>Web Storage</a:t>
+              <a:t>Browser Support for Web Storage</a:t>
             </a:r>
             <a:endParaRPr lang="en-US" sz="4000" dirty="0"/>
           </a:p>
@@ -17750,13 +17657,13 @@
   <p:clrMapOvr>
     <a:masterClrMapping/>
   </p:clrMapOvr>
-  <p:transition xmlns:p14="http://schemas.microsoft.com/office/powerpoint/2010/main">
+  <p:transition>
     <p:fade/>
   </p:transition>
   <p:timing>
     <p:tnLst>
       <p:par>
-        <p:cTn xmlns:p14="http://schemas.microsoft.com/office/powerpoint/2010/main" id="1" dur="indefinite" restart="never" nodeType="tmRoot"/>
+        <p:cTn id="1" dur="indefinite" restart="never" nodeType="tmRoot"/>
       </p:par>
     </p:tnLst>
   </p:timing>
@@ -18236,11 +18143,6 @@
               </a:rPr>
               <a:t>};</a:t>
             </a:r>
-            <a:endParaRPr lang="en-US" sz="2200" dirty="0">
-              <a:solidFill>
-                <a:schemeClr val="bg1"/>
-              </a:solidFill>
-            </a:endParaRPr>
           </a:p>
         </p:txBody>
       </p:sp>
@@ -18278,13 +18180,13 @@
   <p:clrMapOvr>
     <a:masterClrMapping/>
   </p:clrMapOvr>
-  <p:transition xmlns:p14="http://schemas.microsoft.com/office/powerpoint/2010/main">
+  <p:transition>
     <p:fade/>
   </p:transition>
   <p:timing>
     <p:tnLst>
       <p:par>
-        <p:cTn xmlns:p14="http://schemas.microsoft.com/office/powerpoint/2010/main" id="1" dur="indefinite" restart="never" nodeType="tmRoot"/>
+        <p:cTn id="1" dur="indefinite" restart="never" nodeType="tmRoot"/>
       </p:par>
     </p:tnLst>
   </p:timing>
@@ -19016,13 +18918,13 @@
   <p:clrMapOvr>
     <a:masterClrMapping/>
   </p:clrMapOvr>
-  <p:transition xmlns:p14="http://schemas.microsoft.com/office/powerpoint/2010/main">
+  <p:transition>
     <p:fade/>
   </p:transition>
   <p:timing>
     <p:tnLst>
       <p:par>
-        <p:cTn xmlns:p14="http://schemas.microsoft.com/office/powerpoint/2010/main" id="1" dur="indefinite" restart="never" nodeType="tmRoot"/>
+        <p:cTn id="1" dur="indefinite" restart="never" nodeType="tmRoot"/>
       </p:par>
     </p:tnLst>
   </p:timing>
@@ -19121,13 +19023,13 @@
   <p:clrMapOvr>
     <a:masterClrMapping/>
   </p:clrMapOvr>
-  <p:transition xmlns:p14="http://schemas.microsoft.com/office/powerpoint/2010/main">
+  <p:transition>
     <p:fade/>
   </p:transition>
   <p:timing>
     <p:tnLst>
       <p:par>
-        <p:cTn xmlns:p14="http://schemas.microsoft.com/office/powerpoint/2010/main" id="1" dur="indefinite" restart="never" nodeType="tmRoot"/>
+        <p:cTn id="1" dur="indefinite" restart="never" nodeType="tmRoot"/>
       </p:par>
     </p:tnLst>
   </p:timing>
@@ -19215,13 +19117,13 @@
   <p:clrMapOvr>
     <a:masterClrMapping/>
   </p:clrMapOvr>
-  <p:transition xmlns:p14="http://schemas.microsoft.com/office/powerpoint/2010/main">
+  <p:transition>
     <p:fade/>
   </p:transition>
   <p:timing>
     <p:tnLst>
       <p:par>
-        <p:cTn xmlns:p14="http://schemas.microsoft.com/office/powerpoint/2010/main" id="1" dur="indefinite" restart="never" nodeType="tmRoot"/>
+        <p:cTn id="1" dur="indefinite" restart="never" nodeType="tmRoot"/>
       </p:par>
     </p:tnLst>
   </p:timing>
@@ -19275,20 +19177,69 @@
       </p:sp>
       <p:sp>
         <p:nvSpPr>
-          <p:cNvPr id="2" name="Text Placeholder 1"/>
-          <p:cNvSpPr>
-            <a:spLocks noGrp="1"/>
-          </p:cNvSpPr>
-          <p:nvPr>
-            <p:ph type="body" sz="quarter" idx="10"/>
-          </p:nvPr>
+          <p:cNvPr id="13" name="Rectangle 12"/>
+          <p:cNvSpPr/>
+          <p:nvPr/>
         </p:nvSpPr>
-        <p:spPr/>
+        <p:spPr>
+          <a:xfrm>
+            <a:off x="983161" y="2704506"/>
+            <a:ext cx="7177677" cy="1446550"/>
+          </a:xfrm>
+          <a:prstGeom prst="rect">
+            <a:avLst/>
+          </a:prstGeom>
+        </p:spPr>
         <p:txBody>
-          <a:bodyPr/>
+          <a:bodyPr wrap="square">
+            <a:spAutoFit/>
+          </a:bodyPr>
           <a:lstStyle/>
           <a:p>
-            <a:endParaRPr lang="en-US"/>
+            <a:pPr marL="742950" indent="-742950" algn="ctr">
+              <a:buFont typeface="+mj-lt"/>
+              <a:buAutoNum type="arabicPeriod"/>
+            </a:pPr>
+            <a:r>
+              <a:rPr lang="en-US" sz="4400" dirty="0" smtClean="0">
+                <a:solidFill>
+                  <a:schemeClr val="bg1"/>
+                </a:solidFill>
+              </a:rPr>
+              <a:t>Make it </a:t>
+            </a:r>
+            <a:r>
+              <a:rPr lang="en-US" sz="4400" dirty="0" err="1" smtClean="0">
+                <a:solidFill>
+                  <a:schemeClr val="bg1"/>
+                </a:solidFill>
+              </a:rPr>
+              <a:t>draggable</a:t>
+            </a:r>
+            <a:endParaRPr lang="en-US" sz="4400" dirty="0" smtClean="0">
+              <a:solidFill>
+                <a:schemeClr val="bg1"/>
+              </a:solidFill>
+            </a:endParaRPr>
+          </a:p>
+          <a:p>
+            <a:pPr marL="742950" indent="-742950" algn="ctr">
+              <a:buFont typeface="+mj-lt"/>
+              <a:buAutoNum type="arabicPeriod"/>
+            </a:pPr>
+            <a:r>
+              <a:rPr lang="en-US" sz="4400" dirty="0" smtClean="0">
+                <a:solidFill>
+                  <a:schemeClr val="bg1"/>
+                </a:solidFill>
+              </a:rPr>
+              <a:t>Implement the events</a:t>
+            </a:r>
+            <a:endParaRPr lang="en-US" sz="4400" dirty="0">
+              <a:solidFill>
+                <a:schemeClr val="bg1"/>
+              </a:solidFill>
+            </a:endParaRPr>
           </a:p>
         </p:txBody>
       </p:sp>
@@ -19302,13 +19253,152 @@
   <p:clrMapOvr>
     <a:masterClrMapping/>
   </p:clrMapOvr>
-  <p:transition xmlns:p14="http://schemas.microsoft.com/office/powerpoint/2010/main">
+  <p:transition>
     <p:fade/>
   </p:transition>
   <p:timing>
     <p:tnLst>
       <p:par>
-        <p:cTn xmlns:p14="http://schemas.microsoft.com/office/powerpoint/2010/main" id="1" dur="indefinite" restart="never" nodeType="tmRoot"/>
+        <p:cTn id="1" dur="indefinite" restart="never" nodeType="tmRoot">
+          <p:childTnLst>
+            <p:seq concurrent="1" nextAc="seek">
+              <p:cTn id="2" dur="indefinite" nodeType="mainSeq">
+                <p:childTnLst>
+                  <p:par>
+                    <p:cTn id="3" fill="hold">
+                      <p:stCondLst>
+                        <p:cond delay="indefinite"/>
+                        <p:cond evt="onBegin" delay="0">
+                          <p:tn val="2"/>
+                        </p:cond>
+                      </p:stCondLst>
+                      <p:childTnLst>
+                        <p:par>
+                          <p:cTn id="4" fill="hold">
+                            <p:stCondLst>
+                              <p:cond delay="0"/>
+                            </p:stCondLst>
+                            <p:childTnLst>
+                              <p:par>
+                                <p:cTn id="5" presetID="10" presetClass="entr" presetSubtype="0" fill="hold" nodeType="withEffect">
+                                  <p:stCondLst>
+                                    <p:cond delay="0"/>
+                                  </p:stCondLst>
+                                  <p:childTnLst>
+                                    <p:set>
+                                      <p:cBhvr>
+                                        <p:cTn id="6" dur="1" fill="hold">
+                                          <p:stCondLst>
+                                            <p:cond delay="0"/>
+                                          </p:stCondLst>
+                                        </p:cTn>
+                                        <p:tgtEl>
+                                          <p:spTgt spid="13">
+                                            <p:txEl>
+                                              <p:pRg st="0" end="0"/>
+                                            </p:txEl>
+                                          </p:spTgt>
+                                        </p:tgtEl>
+                                        <p:attrNameLst>
+                                          <p:attrName>style.visibility</p:attrName>
+                                        </p:attrNameLst>
+                                      </p:cBhvr>
+                                      <p:to>
+                                        <p:strVal val="visible"/>
+                                      </p:to>
+                                    </p:set>
+                                    <p:animEffect transition="in" filter="fade">
+                                      <p:cBhvr>
+                                        <p:cTn id="7" dur="500"/>
+                                        <p:tgtEl>
+                                          <p:spTgt spid="13">
+                                            <p:txEl>
+                                              <p:pRg st="0" end="0"/>
+                                            </p:txEl>
+                                          </p:spTgt>
+                                        </p:tgtEl>
+                                      </p:cBhvr>
+                                    </p:animEffect>
+                                  </p:childTnLst>
+                                </p:cTn>
+                              </p:par>
+                            </p:childTnLst>
+                          </p:cTn>
+                        </p:par>
+                        <p:par>
+                          <p:cTn id="8" fill="hold">
+                            <p:stCondLst>
+                              <p:cond delay="500"/>
+                            </p:stCondLst>
+                            <p:childTnLst>
+                              <p:par>
+                                <p:cTn id="9" presetID="10" presetClass="entr" presetSubtype="0" fill="hold" nodeType="afterEffect">
+                                  <p:stCondLst>
+                                    <p:cond delay="0"/>
+                                  </p:stCondLst>
+                                  <p:childTnLst>
+                                    <p:set>
+                                      <p:cBhvr>
+                                        <p:cTn id="10" dur="1" fill="hold">
+                                          <p:stCondLst>
+                                            <p:cond delay="0"/>
+                                          </p:stCondLst>
+                                        </p:cTn>
+                                        <p:tgtEl>
+                                          <p:spTgt spid="13">
+                                            <p:txEl>
+                                              <p:pRg st="1" end="1"/>
+                                            </p:txEl>
+                                          </p:spTgt>
+                                        </p:tgtEl>
+                                        <p:attrNameLst>
+                                          <p:attrName>style.visibility</p:attrName>
+                                        </p:attrNameLst>
+                                      </p:cBhvr>
+                                      <p:to>
+                                        <p:strVal val="visible"/>
+                                      </p:to>
+                                    </p:set>
+                                    <p:animEffect transition="in" filter="fade">
+                                      <p:cBhvr>
+                                        <p:cTn id="11" dur="500"/>
+                                        <p:tgtEl>
+                                          <p:spTgt spid="13">
+                                            <p:txEl>
+                                              <p:pRg st="1" end="1"/>
+                                            </p:txEl>
+                                          </p:spTgt>
+                                        </p:tgtEl>
+                                      </p:cBhvr>
+                                    </p:animEffect>
+                                  </p:childTnLst>
+                                </p:cTn>
+                              </p:par>
+                            </p:childTnLst>
+                          </p:cTn>
+                        </p:par>
+                      </p:childTnLst>
+                    </p:cTn>
+                  </p:par>
+                </p:childTnLst>
+              </p:cTn>
+              <p:prevCondLst>
+                <p:cond evt="onPrev" delay="0">
+                  <p:tgtEl>
+                    <p:sldTgt/>
+                  </p:tgtEl>
+                </p:cond>
+              </p:prevCondLst>
+              <p:nextCondLst>
+                <p:cond evt="onNext" delay="0">
+                  <p:tgtEl>
+                    <p:sldTgt/>
+                  </p:tgtEl>
+                </p:cond>
+              </p:nextCondLst>
+            </p:seq>
+          </p:childTnLst>
+        </p:cTn>
       </p:par>
     </p:tnLst>
   </p:timing>
@@ -19316,6 +19406,989 @@
 </file>
 
 <file path=ppt/slides/slide26.xml><?xml version="1.0" encoding="utf-8"?>
+<p:sld xmlns:a="http://schemas.openxmlformats.org/drawingml/2006/main" xmlns:r="http://schemas.openxmlformats.org/officeDocument/2006/relationships" xmlns:p="http://schemas.openxmlformats.org/presentationml/2006/main">
+  <p:cSld>
+    <p:spTree>
+      <p:nvGrpSpPr>
+        <p:cNvPr id="1" name=""/>
+        <p:cNvGrpSpPr/>
+        <p:nvPr/>
+      </p:nvGrpSpPr>
+      <p:grpSpPr>
+        <a:xfrm>
+          <a:off x="0" y="0"/>
+          <a:ext cx="0" cy="0"/>
+          <a:chOff x="0" y="0"/>
+          <a:chExt cx="0" cy="0"/>
+        </a:xfrm>
+      </p:grpSpPr>
+      <p:sp>
+        <p:nvSpPr>
+          <p:cNvPr id="5" name="Title 4"/>
+          <p:cNvSpPr>
+            <a:spLocks noGrp="1"/>
+          </p:cNvSpPr>
+          <p:nvPr>
+            <p:ph type="title"/>
+          </p:nvPr>
+        </p:nvSpPr>
+        <p:spPr>
+          <a:xfrm>
+            <a:off x="389436" y="228602"/>
+            <a:ext cx="8363938" cy="564257"/>
+          </a:xfrm>
+        </p:spPr>
+        <p:txBody>
+          <a:bodyPr/>
+          <a:lstStyle/>
+          <a:p>
+            <a:r>
+              <a:rPr lang="en-US" sz="4000" dirty="0" smtClean="0"/>
+              <a:t>Using Drag and Drop</a:t>
+            </a:r>
+            <a:endParaRPr lang="en-US" sz="4000" dirty="0"/>
+          </a:p>
+        </p:txBody>
+      </p:sp>
+      <p:sp>
+        <p:nvSpPr>
+          <p:cNvPr id="2" name="Text Placeholder 1"/>
+          <p:cNvSpPr>
+            <a:spLocks noGrp="1"/>
+          </p:cNvSpPr>
+          <p:nvPr>
+            <p:ph type="body" sz="quarter" idx="10"/>
+          </p:nvPr>
+        </p:nvSpPr>
+        <p:spPr>
+          <a:xfrm>
+            <a:off x="2831327" y="2504486"/>
+            <a:ext cx="3488499" cy="4179606"/>
+          </a:xfrm>
+        </p:spPr>
+        <p:txBody>
+          <a:bodyPr/>
+          <a:lstStyle/>
+          <a:p>
+            <a:pPr marL="0" indent="0" algn="ctr">
+              <a:buNone/>
+            </a:pPr>
+            <a:r>
+              <a:rPr lang="en-US" sz="2800" b="1" dirty="0" err="1" smtClean="0">
+                <a:solidFill>
+                  <a:schemeClr val="bg1"/>
+                </a:solidFill>
+              </a:rPr>
+              <a:t>DnD</a:t>
+            </a:r>
+            <a:r>
+              <a:rPr lang="en-US" sz="2800" b="1" dirty="0" smtClean="0">
+                <a:solidFill>
+                  <a:schemeClr val="bg1"/>
+                </a:solidFill>
+              </a:rPr>
+              <a:t> Events</a:t>
+            </a:r>
+          </a:p>
+          <a:p>
+            <a:pPr marL="0" indent="0" algn="ctr">
+              <a:buNone/>
+            </a:pPr>
+            <a:endParaRPr lang="en-US" sz="2800" b="1" dirty="0" smtClean="0">
+              <a:solidFill>
+                <a:schemeClr val="bg1"/>
+              </a:solidFill>
+            </a:endParaRPr>
+          </a:p>
+          <a:p>
+            <a:pPr marL="514350" indent="-514350">
+              <a:buFont typeface="+mj-lt"/>
+              <a:buAutoNum type="arabicPeriod"/>
+            </a:pPr>
+            <a:r>
+              <a:rPr lang="en-US" sz="2800" dirty="0" err="1" smtClean="0">
+                <a:solidFill>
+                  <a:schemeClr val="bg1"/>
+                </a:solidFill>
+              </a:rPr>
+              <a:t>dragstart</a:t>
+            </a:r>
+            <a:endParaRPr lang="en-US" sz="2800" dirty="0">
+              <a:solidFill>
+                <a:schemeClr val="bg1"/>
+              </a:solidFill>
+            </a:endParaRPr>
+          </a:p>
+          <a:p>
+            <a:pPr marL="514350" indent="-514350">
+              <a:buFont typeface="+mj-lt"/>
+              <a:buAutoNum type="arabicPeriod"/>
+            </a:pPr>
+            <a:r>
+              <a:rPr lang="en-US" sz="2800" dirty="0" err="1">
+                <a:solidFill>
+                  <a:schemeClr val="bg1"/>
+                </a:solidFill>
+              </a:rPr>
+              <a:t>dragenter</a:t>
+            </a:r>
+            <a:endParaRPr lang="en-US" sz="2800" dirty="0">
+              <a:solidFill>
+                <a:schemeClr val="bg1"/>
+              </a:solidFill>
+            </a:endParaRPr>
+          </a:p>
+          <a:p>
+            <a:pPr marL="514350" indent="-514350">
+              <a:buFont typeface="+mj-lt"/>
+              <a:buAutoNum type="arabicPeriod"/>
+            </a:pPr>
+            <a:r>
+              <a:rPr lang="en-US" sz="2800" dirty="0" err="1">
+                <a:solidFill>
+                  <a:schemeClr val="bg1"/>
+                </a:solidFill>
+              </a:rPr>
+              <a:t>dragover</a:t>
+            </a:r>
+            <a:endParaRPr lang="en-US" sz="2800" dirty="0">
+              <a:solidFill>
+                <a:schemeClr val="bg1"/>
+              </a:solidFill>
+            </a:endParaRPr>
+          </a:p>
+          <a:p>
+            <a:pPr marL="514350" indent="-514350">
+              <a:buFont typeface="+mj-lt"/>
+              <a:buAutoNum type="arabicPeriod"/>
+            </a:pPr>
+            <a:r>
+              <a:rPr lang="en-US" sz="2800" dirty="0" err="1">
+                <a:solidFill>
+                  <a:schemeClr val="bg1"/>
+                </a:solidFill>
+              </a:rPr>
+              <a:t>dragleave</a:t>
+            </a:r>
+            <a:endParaRPr lang="en-US" sz="2800" dirty="0">
+              <a:solidFill>
+                <a:schemeClr val="bg1"/>
+              </a:solidFill>
+            </a:endParaRPr>
+          </a:p>
+          <a:p>
+            <a:pPr marL="514350" indent="-514350">
+              <a:buFont typeface="+mj-lt"/>
+              <a:buAutoNum type="arabicPeriod"/>
+            </a:pPr>
+            <a:r>
+              <a:rPr lang="en-US" sz="2800" dirty="0" err="1">
+                <a:solidFill>
+                  <a:schemeClr val="bg1"/>
+                </a:solidFill>
+              </a:rPr>
+              <a:t>dragdrop</a:t>
+            </a:r>
+            <a:endParaRPr lang="en-US" sz="2800" dirty="0">
+              <a:solidFill>
+                <a:schemeClr val="bg1"/>
+              </a:solidFill>
+            </a:endParaRPr>
+          </a:p>
+          <a:p>
+            <a:pPr marL="514350" indent="-514350">
+              <a:buFont typeface="+mj-lt"/>
+              <a:buAutoNum type="arabicPeriod"/>
+            </a:pPr>
+            <a:r>
+              <a:rPr lang="en-US" sz="2800" dirty="0" err="1">
+                <a:solidFill>
+                  <a:schemeClr val="bg1"/>
+                </a:solidFill>
+              </a:rPr>
+              <a:t>dragend</a:t>
+            </a:r>
+            <a:endParaRPr lang="en-US" sz="2800" dirty="0">
+              <a:solidFill>
+                <a:schemeClr val="bg1"/>
+              </a:solidFill>
+            </a:endParaRPr>
+          </a:p>
+          <a:p>
+            <a:pPr algn="ctr"/>
+            <a:endParaRPr lang="en-US" sz="2800" dirty="0">
+              <a:solidFill>
+                <a:schemeClr val="bg1"/>
+              </a:solidFill>
+            </a:endParaRPr>
+          </a:p>
+        </p:txBody>
+      </p:sp>
+      <p:sp>
+        <p:nvSpPr>
+          <p:cNvPr id="14" name="Rectangle 13"/>
+          <p:cNvSpPr/>
+          <p:nvPr/>
+        </p:nvSpPr>
+        <p:spPr>
+          <a:xfrm>
+            <a:off x="1784734" y="1482657"/>
+            <a:ext cx="5552500" cy="523220"/>
+          </a:xfrm>
+          <a:prstGeom prst="rect">
+            <a:avLst/>
+          </a:prstGeom>
+        </p:spPr>
+        <p:txBody>
+          <a:bodyPr wrap="square">
+            <a:spAutoFit/>
+          </a:bodyPr>
+          <a:lstStyle/>
+          <a:p>
+            <a:pPr algn="ctr"/>
+            <a:r>
+              <a:rPr lang="en-US" sz="2800" dirty="0" smtClean="0">
+                <a:solidFill>
+                  <a:schemeClr val="bg1"/>
+                </a:solidFill>
+              </a:rPr>
+              <a:t>&lt; li </a:t>
+            </a:r>
+            <a:r>
+              <a:rPr lang="en-US" sz="2800" dirty="0" err="1" smtClean="0">
+                <a:solidFill>
+                  <a:schemeClr val="bg1"/>
+                </a:solidFill>
+              </a:rPr>
+              <a:t>draggable</a:t>
+            </a:r>
+            <a:r>
+              <a:rPr lang="en-US" sz="2800" dirty="0">
+                <a:solidFill>
+                  <a:schemeClr val="bg1"/>
+                </a:solidFill>
+              </a:rPr>
+              <a:t>="</a:t>
+            </a:r>
+            <a:r>
+              <a:rPr lang="en-US" sz="2800" dirty="0" smtClean="0">
+                <a:solidFill>
+                  <a:schemeClr val="accent2"/>
+                </a:solidFill>
+              </a:rPr>
+              <a:t>true</a:t>
+            </a:r>
+            <a:r>
+              <a:rPr lang="en-US" sz="2800" dirty="0" smtClean="0">
+                <a:solidFill>
+                  <a:schemeClr val="bg1"/>
+                </a:solidFill>
+              </a:rPr>
+              <a:t>“&gt;</a:t>
+            </a:r>
+            <a:endParaRPr lang="en-US" sz="2800" dirty="0">
+              <a:solidFill>
+                <a:schemeClr val="bg1"/>
+              </a:solidFill>
+            </a:endParaRPr>
+          </a:p>
+        </p:txBody>
+      </p:sp>
+    </p:spTree>
+    <p:extLst>
+      <p:ext uri="{BB962C8B-B14F-4D97-AF65-F5344CB8AC3E}">
+        <p14:creationId xmlns:p14="http://schemas.microsoft.com/office/powerpoint/2010/main" val="2978115870"/>
+      </p:ext>
+    </p:extLst>
+  </p:cSld>
+  <p:clrMapOvr>
+    <a:masterClrMapping/>
+  </p:clrMapOvr>
+  <p:transition>
+    <p:fade/>
+  </p:transition>
+  <p:timing>
+    <p:tnLst>
+      <p:par>
+        <p:cTn id="1" dur="indefinite" restart="never" nodeType="tmRoot">
+          <p:childTnLst>
+            <p:seq concurrent="1" nextAc="seek">
+              <p:cTn id="2" dur="indefinite" nodeType="mainSeq">
+                <p:childTnLst>
+                  <p:par>
+                    <p:cTn id="3" fill="hold">
+                      <p:stCondLst>
+                        <p:cond delay="indefinite"/>
+                      </p:stCondLst>
+                      <p:childTnLst>
+                        <p:par>
+                          <p:cTn id="4" fill="hold">
+                            <p:stCondLst>
+                              <p:cond delay="0"/>
+                            </p:stCondLst>
+                            <p:childTnLst>
+                              <p:par>
+                                <p:cTn id="5" presetID="10" presetClass="entr" presetSubtype="0" fill="hold" nodeType="clickEffect">
+                                  <p:stCondLst>
+                                    <p:cond delay="0"/>
+                                  </p:stCondLst>
+                                  <p:childTnLst>
+                                    <p:set>
+                                      <p:cBhvr>
+                                        <p:cTn id="6" dur="1" fill="hold">
+                                          <p:stCondLst>
+                                            <p:cond delay="0"/>
+                                          </p:stCondLst>
+                                        </p:cTn>
+                                        <p:tgtEl>
+                                          <p:spTgt spid="2">
+                                            <p:txEl>
+                                              <p:pRg st="2" end="2"/>
+                                            </p:txEl>
+                                          </p:spTgt>
+                                        </p:tgtEl>
+                                        <p:attrNameLst>
+                                          <p:attrName>style.visibility</p:attrName>
+                                        </p:attrNameLst>
+                                      </p:cBhvr>
+                                      <p:to>
+                                        <p:strVal val="visible"/>
+                                      </p:to>
+                                    </p:set>
+                                    <p:animEffect transition="in" filter="fade">
+                                      <p:cBhvr>
+                                        <p:cTn id="7" dur="500"/>
+                                        <p:tgtEl>
+                                          <p:spTgt spid="2">
+                                            <p:txEl>
+                                              <p:pRg st="2" end="2"/>
+                                            </p:txEl>
+                                          </p:spTgt>
+                                        </p:tgtEl>
+                                      </p:cBhvr>
+                                    </p:animEffect>
+                                  </p:childTnLst>
+                                </p:cTn>
+                              </p:par>
+                            </p:childTnLst>
+                          </p:cTn>
+                        </p:par>
+                        <p:par>
+                          <p:cTn id="8" fill="hold">
+                            <p:stCondLst>
+                              <p:cond delay="500"/>
+                            </p:stCondLst>
+                            <p:childTnLst>
+                              <p:par>
+                                <p:cTn id="9" presetID="10" presetClass="entr" presetSubtype="0" fill="hold" nodeType="afterEffect">
+                                  <p:stCondLst>
+                                    <p:cond delay="0"/>
+                                  </p:stCondLst>
+                                  <p:childTnLst>
+                                    <p:set>
+                                      <p:cBhvr>
+                                        <p:cTn id="10" dur="1" fill="hold">
+                                          <p:stCondLst>
+                                            <p:cond delay="0"/>
+                                          </p:stCondLst>
+                                        </p:cTn>
+                                        <p:tgtEl>
+                                          <p:spTgt spid="2">
+                                            <p:txEl>
+                                              <p:pRg st="3" end="3"/>
+                                            </p:txEl>
+                                          </p:spTgt>
+                                        </p:tgtEl>
+                                        <p:attrNameLst>
+                                          <p:attrName>style.visibility</p:attrName>
+                                        </p:attrNameLst>
+                                      </p:cBhvr>
+                                      <p:to>
+                                        <p:strVal val="visible"/>
+                                      </p:to>
+                                    </p:set>
+                                    <p:animEffect transition="in" filter="fade">
+                                      <p:cBhvr>
+                                        <p:cTn id="11" dur="500"/>
+                                        <p:tgtEl>
+                                          <p:spTgt spid="2">
+                                            <p:txEl>
+                                              <p:pRg st="3" end="3"/>
+                                            </p:txEl>
+                                          </p:spTgt>
+                                        </p:tgtEl>
+                                      </p:cBhvr>
+                                    </p:animEffect>
+                                  </p:childTnLst>
+                                </p:cTn>
+                              </p:par>
+                            </p:childTnLst>
+                          </p:cTn>
+                        </p:par>
+                        <p:par>
+                          <p:cTn id="12" fill="hold">
+                            <p:stCondLst>
+                              <p:cond delay="1000"/>
+                            </p:stCondLst>
+                            <p:childTnLst>
+                              <p:par>
+                                <p:cTn id="13" presetID="10" presetClass="entr" presetSubtype="0" fill="hold" nodeType="afterEffect">
+                                  <p:stCondLst>
+                                    <p:cond delay="0"/>
+                                  </p:stCondLst>
+                                  <p:childTnLst>
+                                    <p:set>
+                                      <p:cBhvr>
+                                        <p:cTn id="14" dur="1" fill="hold">
+                                          <p:stCondLst>
+                                            <p:cond delay="0"/>
+                                          </p:stCondLst>
+                                        </p:cTn>
+                                        <p:tgtEl>
+                                          <p:spTgt spid="2">
+                                            <p:txEl>
+                                              <p:pRg st="4" end="4"/>
+                                            </p:txEl>
+                                          </p:spTgt>
+                                        </p:tgtEl>
+                                        <p:attrNameLst>
+                                          <p:attrName>style.visibility</p:attrName>
+                                        </p:attrNameLst>
+                                      </p:cBhvr>
+                                      <p:to>
+                                        <p:strVal val="visible"/>
+                                      </p:to>
+                                    </p:set>
+                                    <p:animEffect transition="in" filter="fade">
+                                      <p:cBhvr>
+                                        <p:cTn id="15" dur="500"/>
+                                        <p:tgtEl>
+                                          <p:spTgt spid="2">
+                                            <p:txEl>
+                                              <p:pRg st="4" end="4"/>
+                                            </p:txEl>
+                                          </p:spTgt>
+                                        </p:tgtEl>
+                                      </p:cBhvr>
+                                    </p:animEffect>
+                                  </p:childTnLst>
+                                </p:cTn>
+                              </p:par>
+                            </p:childTnLst>
+                          </p:cTn>
+                        </p:par>
+                        <p:par>
+                          <p:cTn id="16" fill="hold">
+                            <p:stCondLst>
+                              <p:cond delay="1500"/>
+                            </p:stCondLst>
+                            <p:childTnLst>
+                              <p:par>
+                                <p:cTn id="17" presetID="10" presetClass="entr" presetSubtype="0" fill="hold" nodeType="afterEffect">
+                                  <p:stCondLst>
+                                    <p:cond delay="0"/>
+                                  </p:stCondLst>
+                                  <p:childTnLst>
+                                    <p:set>
+                                      <p:cBhvr>
+                                        <p:cTn id="18" dur="1" fill="hold">
+                                          <p:stCondLst>
+                                            <p:cond delay="0"/>
+                                          </p:stCondLst>
+                                        </p:cTn>
+                                        <p:tgtEl>
+                                          <p:spTgt spid="2">
+                                            <p:txEl>
+                                              <p:pRg st="5" end="5"/>
+                                            </p:txEl>
+                                          </p:spTgt>
+                                        </p:tgtEl>
+                                        <p:attrNameLst>
+                                          <p:attrName>style.visibility</p:attrName>
+                                        </p:attrNameLst>
+                                      </p:cBhvr>
+                                      <p:to>
+                                        <p:strVal val="visible"/>
+                                      </p:to>
+                                    </p:set>
+                                    <p:animEffect transition="in" filter="fade">
+                                      <p:cBhvr>
+                                        <p:cTn id="19" dur="500"/>
+                                        <p:tgtEl>
+                                          <p:spTgt spid="2">
+                                            <p:txEl>
+                                              <p:pRg st="5" end="5"/>
+                                            </p:txEl>
+                                          </p:spTgt>
+                                        </p:tgtEl>
+                                      </p:cBhvr>
+                                    </p:animEffect>
+                                  </p:childTnLst>
+                                </p:cTn>
+                              </p:par>
+                            </p:childTnLst>
+                          </p:cTn>
+                        </p:par>
+                        <p:par>
+                          <p:cTn id="20" fill="hold">
+                            <p:stCondLst>
+                              <p:cond delay="2000"/>
+                            </p:stCondLst>
+                            <p:childTnLst>
+                              <p:par>
+                                <p:cTn id="21" presetID="10" presetClass="entr" presetSubtype="0" fill="hold" nodeType="afterEffect">
+                                  <p:stCondLst>
+                                    <p:cond delay="0"/>
+                                  </p:stCondLst>
+                                  <p:childTnLst>
+                                    <p:set>
+                                      <p:cBhvr>
+                                        <p:cTn id="22" dur="1" fill="hold">
+                                          <p:stCondLst>
+                                            <p:cond delay="0"/>
+                                          </p:stCondLst>
+                                        </p:cTn>
+                                        <p:tgtEl>
+                                          <p:spTgt spid="2">
+                                            <p:txEl>
+                                              <p:pRg st="6" end="6"/>
+                                            </p:txEl>
+                                          </p:spTgt>
+                                        </p:tgtEl>
+                                        <p:attrNameLst>
+                                          <p:attrName>style.visibility</p:attrName>
+                                        </p:attrNameLst>
+                                      </p:cBhvr>
+                                      <p:to>
+                                        <p:strVal val="visible"/>
+                                      </p:to>
+                                    </p:set>
+                                    <p:animEffect transition="in" filter="fade">
+                                      <p:cBhvr>
+                                        <p:cTn id="23" dur="500"/>
+                                        <p:tgtEl>
+                                          <p:spTgt spid="2">
+                                            <p:txEl>
+                                              <p:pRg st="6" end="6"/>
+                                            </p:txEl>
+                                          </p:spTgt>
+                                        </p:tgtEl>
+                                      </p:cBhvr>
+                                    </p:animEffect>
+                                  </p:childTnLst>
+                                </p:cTn>
+                              </p:par>
+                            </p:childTnLst>
+                          </p:cTn>
+                        </p:par>
+                        <p:par>
+                          <p:cTn id="24" fill="hold">
+                            <p:stCondLst>
+                              <p:cond delay="2500"/>
+                            </p:stCondLst>
+                            <p:childTnLst>
+                              <p:par>
+                                <p:cTn id="25" presetID="10" presetClass="entr" presetSubtype="0" fill="hold" nodeType="afterEffect">
+                                  <p:stCondLst>
+                                    <p:cond delay="0"/>
+                                  </p:stCondLst>
+                                  <p:childTnLst>
+                                    <p:set>
+                                      <p:cBhvr>
+                                        <p:cTn id="26" dur="1" fill="hold">
+                                          <p:stCondLst>
+                                            <p:cond delay="0"/>
+                                          </p:stCondLst>
+                                        </p:cTn>
+                                        <p:tgtEl>
+                                          <p:spTgt spid="2">
+                                            <p:txEl>
+                                              <p:pRg st="7" end="7"/>
+                                            </p:txEl>
+                                          </p:spTgt>
+                                        </p:tgtEl>
+                                        <p:attrNameLst>
+                                          <p:attrName>style.visibility</p:attrName>
+                                        </p:attrNameLst>
+                                      </p:cBhvr>
+                                      <p:to>
+                                        <p:strVal val="visible"/>
+                                      </p:to>
+                                    </p:set>
+                                    <p:animEffect transition="in" filter="fade">
+                                      <p:cBhvr>
+                                        <p:cTn id="27" dur="500"/>
+                                        <p:tgtEl>
+                                          <p:spTgt spid="2">
+                                            <p:txEl>
+                                              <p:pRg st="7" end="7"/>
+                                            </p:txEl>
+                                          </p:spTgt>
+                                        </p:tgtEl>
+                                      </p:cBhvr>
+                                    </p:animEffect>
+                                  </p:childTnLst>
+                                </p:cTn>
+                              </p:par>
+                            </p:childTnLst>
+                          </p:cTn>
+                        </p:par>
+                      </p:childTnLst>
+                    </p:cTn>
+                  </p:par>
+                </p:childTnLst>
+              </p:cTn>
+              <p:prevCondLst>
+                <p:cond evt="onPrev" delay="0">
+                  <p:tgtEl>
+                    <p:sldTgt/>
+                  </p:tgtEl>
+                </p:cond>
+              </p:prevCondLst>
+              <p:nextCondLst>
+                <p:cond evt="onNext" delay="0">
+                  <p:tgtEl>
+                    <p:sldTgt/>
+                  </p:tgtEl>
+                </p:cond>
+              </p:nextCondLst>
+            </p:seq>
+          </p:childTnLst>
+        </p:cTn>
+      </p:par>
+    </p:tnLst>
+  </p:timing>
+</p:sld>
+</file>
+
+<file path=ppt/slides/slide27.xml><?xml version="1.0" encoding="utf-8"?>
+<p:sld xmlns:a="http://schemas.openxmlformats.org/drawingml/2006/main" xmlns:r="http://schemas.openxmlformats.org/officeDocument/2006/relationships" xmlns:p="http://schemas.openxmlformats.org/presentationml/2006/main">
+  <p:cSld>
+    <p:spTree>
+      <p:nvGrpSpPr>
+        <p:cNvPr id="1" name=""/>
+        <p:cNvGrpSpPr/>
+        <p:nvPr/>
+      </p:nvGrpSpPr>
+      <p:grpSpPr>
+        <a:xfrm>
+          <a:off x="0" y="0"/>
+          <a:ext cx="0" cy="0"/>
+          <a:chOff x="0" y="0"/>
+          <a:chExt cx="0" cy="0"/>
+        </a:xfrm>
+      </p:grpSpPr>
+      <p:sp>
+        <p:nvSpPr>
+          <p:cNvPr id="5" name="Title 4"/>
+          <p:cNvSpPr>
+            <a:spLocks noGrp="1"/>
+          </p:cNvSpPr>
+          <p:nvPr>
+            <p:ph type="title"/>
+          </p:nvPr>
+        </p:nvSpPr>
+        <p:spPr>
+          <a:xfrm>
+            <a:off x="389436" y="228602"/>
+            <a:ext cx="8363938" cy="564257"/>
+          </a:xfrm>
+        </p:spPr>
+        <p:txBody>
+          <a:bodyPr/>
+          <a:lstStyle/>
+          <a:p>
+            <a:r>
+              <a:rPr lang="en-US" sz="4000" dirty="0" smtClean="0"/>
+              <a:t>Using Drag and Drop</a:t>
+            </a:r>
+            <a:endParaRPr lang="en-US" sz="4000" dirty="0"/>
+          </a:p>
+        </p:txBody>
+      </p:sp>
+      <p:sp>
+        <p:nvSpPr>
+          <p:cNvPr id="3" name="Rounded Rectangle 2"/>
+          <p:cNvSpPr/>
+          <p:nvPr/>
+        </p:nvSpPr>
+        <p:spPr bwMode="auto">
+          <a:xfrm>
+            <a:off x="2634869" y="2603395"/>
+            <a:ext cx="3855903" cy="462710"/>
+          </a:xfrm>
+          <a:prstGeom prst="roundRect">
+            <a:avLst/>
+          </a:prstGeom>
+          <a:gradFill>
+            <a:gsLst>
+              <a:gs pos="0">
+                <a:schemeClr val="tx2">
+                  <a:lumMod val="40000"/>
+                  <a:lumOff val="60000"/>
+                </a:schemeClr>
+              </a:gs>
+              <a:gs pos="80000">
+                <a:schemeClr val="tx2"/>
+              </a:gs>
+              <a:gs pos="100000">
+                <a:schemeClr val="tx2"/>
+              </a:gs>
+            </a:gsLst>
+          </a:gradFill>
+          <a:ln>
+            <a:solidFill>
+              <a:schemeClr val="tx2"/>
+            </a:solidFill>
+            <a:headEnd type="none" w="med" len="med"/>
+            <a:tailEnd type="none" w="med" len="med"/>
+          </a:ln>
+        </p:spPr>
+        <p:style>
+          <a:lnRef idx="1">
+            <a:schemeClr val="accent1"/>
+          </a:lnRef>
+          <a:fillRef idx="3">
+            <a:schemeClr val="accent1"/>
+          </a:fillRef>
+          <a:effectRef idx="2">
+            <a:schemeClr val="accent1"/>
+          </a:effectRef>
+          <a:fontRef idx="minor">
+            <a:schemeClr val="lt1"/>
+          </a:fontRef>
+        </p:style>
+        <p:txBody>
+          <a:bodyPr vert="horz" wrap="square" lIns="91436" tIns="45718" rIns="91436" bIns="45718" numCol="1" rtlCol="0" anchor="ctr" anchorCtr="0" compatLnSpc="1">
+            <a:prstTxWarp prst="textNoShape">
+              <a:avLst/>
+            </a:prstTxWarp>
+          </a:bodyPr>
+          <a:lstStyle/>
+          <a:p>
+            <a:pPr algn="ctr" defTabSz="914099"/>
+            <a:r>
+              <a:rPr lang="en-US" sz="2200" dirty="0" err="1" smtClean="0">
+                <a:solidFill>
+                  <a:schemeClr val="tx1">
+                    <a:alpha val="99000"/>
+                  </a:schemeClr>
+                </a:solidFill>
+              </a:rPr>
+              <a:t>Draggable</a:t>
+            </a:r>
+            <a:r>
+              <a:rPr lang="en-US" sz="2200" dirty="0" smtClean="0">
+                <a:solidFill>
+                  <a:schemeClr val="tx1">
+                    <a:alpha val="99000"/>
+                  </a:schemeClr>
+                </a:solidFill>
+              </a:rPr>
+              <a:t> Element</a:t>
+            </a:r>
+            <a:endParaRPr lang="en-US" sz="2200" dirty="0" smtClean="0">
+              <a:solidFill>
+                <a:schemeClr val="tx1">
+                  <a:alpha val="99000"/>
+                </a:schemeClr>
+              </a:solidFill>
+            </a:endParaRPr>
+          </a:p>
+        </p:txBody>
+      </p:sp>
+      <p:sp>
+        <p:nvSpPr>
+          <p:cNvPr id="6" name="Rounded Rectangle 5"/>
+          <p:cNvSpPr/>
+          <p:nvPr/>
+        </p:nvSpPr>
+        <p:spPr bwMode="auto">
+          <a:xfrm>
+            <a:off x="2644048" y="3824423"/>
+            <a:ext cx="3855903" cy="462710"/>
+          </a:xfrm>
+          <a:prstGeom prst="roundRect">
+            <a:avLst/>
+          </a:prstGeom>
+          <a:gradFill>
+            <a:gsLst>
+              <a:gs pos="0">
+                <a:schemeClr val="tx2">
+                  <a:lumMod val="40000"/>
+                  <a:lumOff val="60000"/>
+                </a:schemeClr>
+              </a:gs>
+              <a:gs pos="80000">
+                <a:schemeClr val="tx2"/>
+              </a:gs>
+              <a:gs pos="100000">
+                <a:schemeClr val="tx2"/>
+              </a:gs>
+            </a:gsLst>
+          </a:gradFill>
+          <a:ln>
+            <a:solidFill>
+              <a:schemeClr val="tx2"/>
+            </a:solidFill>
+            <a:headEnd type="none" w="med" len="med"/>
+            <a:tailEnd type="none" w="med" len="med"/>
+          </a:ln>
+        </p:spPr>
+        <p:style>
+          <a:lnRef idx="1">
+            <a:schemeClr val="accent1"/>
+          </a:lnRef>
+          <a:fillRef idx="3">
+            <a:schemeClr val="accent1"/>
+          </a:fillRef>
+          <a:effectRef idx="2">
+            <a:schemeClr val="accent1"/>
+          </a:effectRef>
+          <a:fontRef idx="minor">
+            <a:schemeClr val="lt1"/>
+          </a:fontRef>
+        </p:style>
+        <p:txBody>
+          <a:bodyPr vert="horz" wrap="square" lIns="91436" tIns="45718" rIns="91436" bIns="45718" numCol="1" rtlCol="0" anchor="ctr" anchorCtr="0" compatLnSpc="1">
+            <a:prstTxWarp prst="textNoShape">
+              <a:avLst/>
+            </a:prstTxWarp>
+          </a:bodyPr>
+          <a:lstStyle/>
+          <a:p>
+            <a:pPr algn="ctr" defTabSz="914099"/>
+            <a:r>
+              <a:rPr lang="en-US" sz="2200" dirty="0" err="1" smtClean="0">
+                <a:solidFill>
+                  <a:schemeClr val="tx1">
+                    <a:alpha val="99000"/>
+                  </a:schemeClr>
+                </a:solidFill>
+              </a:rPr>
+              <a:t>Draggable</a:t>
+            </a:r>
+            <a:r>
+              <a:rPr lang="en-US" sz="2200" dirty="0" smtClean="0">
+                <a:solidFill>
+                  <a:schemeClr val="tx1">
+                    <a:alpha val="99000"/>
+                  </a:schemeClr>
+                </a:solidFill>
+              </a:rPr>
+              <a:t> Element</a:t>
+            </a:r>
+            <a:endParaRPr lang="en-US" sz="2200" dirty="0" smtClean="0">
+              <a:solidFill>
+                <a:schemeClr val="tx1">
+                  <a:alpha val="99000"/>
+                </a:schemeClr>
+              </a:solidFill>
+            </a:endParaRPr>
+          </a:p>
+        </p:txBody>
+      </p:sp>
+      <p:cxnSp>
+        <p:nvCxnSpPr>
+          <p:cNvPr id="8" name="Straight Arrow Connector 7"/>
+          <p:cNvCxnSpPr>
+            <a:stCxn id="3" idx="2"/>
+            <a:endCxn id="6" idx="0"/>
+          </p:cNvCxnSpPr>
+          <p:nvPr/>
+        </p:nvCxnSpPr>
+        <p:spPr>
+          <a:xfrm>
+            <a:off x="4562821" y="3066105"/>
+            <a:ext cx="9179" cy="758318"/>
+          </a:xfrm>
+          <a:prstGeom prst="straightConnector1">
+            <a:avLst/>
+          </a:prstGeom>
+          <a:ln>
+            <a:tailEnd type="arrow"/>
+          </a:ln>
+        </p:spPr>
+        <p:style>
+          <a:lnRef idx="1">
+            <a:schemeClr val="dk1"/>
+          </a:lnRef>
+          <a:fillRef idx="0">
+            <a:schemeClr val="dk1"/>
+          </a:fillRef>
+          <a:effectRef idx="0">
+            <a:schemeClr val="dk1"/>
+          </a:effectRef>
+          <a:fontRef idx="minor">
+            <a:schemeClr val="tx1"/>
+          </a:fontRef>
+        </p:style>
+      </p:cxnSp>
+      <p:sp>
+        <p:nvSpPr>
+          <p:cNvPr id="12" name="TextBox 11"/>
+          <p:cNvSpPr txBox="1"/>
+          <p:nvPr/>
+        </p:nvSpPr>
+        <p:spPr>
+          <a:xfrm>
+            <a:off x="4739092" y="3306764"/>
+            <a:ext cx="2335576" cy="276999"/>
+          </a:xfrm>
+          <a:prstGeom prst="rect">
+            <a:avLst/>
+          </a:prstGeom>
+          <a:noFill/>
+        </p:spPr>
+        <p:txBody>
+          <a:bodyPr wrap="square" lIns="0" tIns="0" rIns="0" bIns="0" rtlCol="0">
+            <a:spAutoFit/>
+          </a:bodyPr>
+          <a:lstStyle/>
+          <a:p>
+            <a:r>
+              <a:rPr lang="en-US" dirty="0" err="1" smtClean="0">
+                <a:solidFill>
+                  <a:schemeClr val="bg1"/>
+                </a:solidFill>
+              </a:rPr>
+              <a:t>dataTranfer</a:t>
+            </a:r>
+            <a:r>
+              <a:rPr lang="en-US" dirty="0" smtClean="0">
+                <a:solidFill>
+                  <a:schemeClr val="bg1"/>
+                </a:solidFill>
+              </a:rPr>
+              <a:t> Object</a:t>
+            </a:r>
+          </a:p>
+        </p:txBody>
+      </p:sp>
+    </p:spTree>
+    <p:extLst>
+      <p:ext uri="{BB962C8B-B14F-4D97-AF65-F5344CB8AC3E}">
+        <p14:creationId xmlns:p14="http://schemas.microsoft.com/office/powerpoint/2010/main" val="2978115870"/>
+      </p:ext>
+    </p:extLst>
+  </p:cSld>
+  <p:clrMapOvr>
+    <a:masterClrMapping/>
+  </p:clrMapOvr>
+  <p:transition>
+    <p:fade/>
+  </p:transition>
+  <p:timing>
+    <p:tnLst>
+      <p:par>
+        <p:cTn id="1" dur="indefinite" restart="never" nodeType="tmRoot"/>
+      </p:par>
+    </p:tnLst>
+  </p:timing>
+</p:sld>
+</file>
+
+<file path=ppt/slides/slide28.xml><?xml version="1.0" encoding="utf-8"?>
 <p:sld xmlns:a="http://schemas.openxmlformats.org/drawingml/2006/main" xmlns:r="http://schemas.openxmlformats.org/officeDocument/2006/relationships" xmlns:p="http://schemas.openxmlformats.org/presentationml/2006/main">
   <p:cSld>
     <p:spTree>
@@ -19374,31 +20447,7 @@
                 <a:ea typeface="+mn-ea"/>
                 <a:cs typeface="Arial" charset="0"/>
               </a:rPr>
-              <a:t>Browser Support for </a:t>
-            </a:r>
-            <a:r>
-              <a:rPr lang="en-US" sz="4000" b="0" kern="1200" cap="none" spc="-100" baseline="0" dirty="0" smtClean="0">
-                <a:ln w="3175">
-                  <a:noFill/>
-                </a:ln>
-                <a:gradFill flip="none" rotWithShape="1">
-                  <a:gsLst>
-                    <a:gs pos="0">
-                      <a:schemeClr val="tx1"/>
-                    </a:gs>
-                    <a:gs pos="86000">
-                      <a:schemeClr val="tx1"/>
-                    </a:gs>
-                  </a:gsLst>
-                  <a:lin ang="5400000" scaled="0"/>
-                  <a:tileRect/>
-                </a:gradFill>
-                <a:effectLst/>
-                <a:latin typeface="+mj-lt"/>
-                <a:ea typeface="+mn-ea"/>
-                <a:cs typeface="Arial" charset="0"/>
-              </a:rPr>
-              <a:t>Drag and Drop</a:t>
+              <a:t>Browser Support for Drag and Drop</a:t>
             </a:r>
             <a:endParaRPr lang="en-US" sz="3600" dirty="0"/>
           </a:p>
@@ -20040,20 +21089,20 @@
   <p:clrMapOvr>
     <a:masterClrMapping/>
   </p:clrMapOvr>
-  <p:transition xmlns:p14="http://schemas.microsoft.com/office/powerpoint/2010/main">
+  <p:transition>
     <p:fade/>
   </p:transition>
   <p:timing>
     <p:tnLst>
       <p:par>
-        <p:cTn xmlns:p14="http://schemas.microsoft.com/office/powerpoint/2010/main" id="1" dur="indefinite" restart="never" nodeType="tmRoot"/>
+        <p:cTn id="1" dur="indefinite" restart="never" nodeType="tmRoot"/>
       </p:par>
     </p:tnLst>
   </p:timing>
 </p:sld>
 </file>
 
-<file path=ppt/slides/slide27.xml><?xml version="1.0" encoding="utf-8"?>
+<file path=ppt/slides/slide29.xml><?xml version="1.0" encoding="utf-8"?>
 <p:sld xmlns:a="http://schemas.openxmlformats.org/drawingml/2006/main" xmlns:r="http://schemas.openxmlformats.org/officeDocument/2006/relationships" xmlns:p="http://schemas.openxmlformats.org/presentationml/2006/main">
   <p:cSld>
     <p:spTree>
@@ -20126,431 +21175,13 @@
   <p:clrMapOvr>
     <a:masterClrMapping/>
   </p:clrMapOvr>
-  <p:transition xmlns:p14="http://schemas.microsoft.com/office/powerpoint/2010/main">
+  <p:transition>
     <p:fade/>
   </p:transition>
   <p:timing>
     <p:tnLst>
       <p:par>
-        <p:cTn xmlns:p14="http://schemas.microsoft.com/office/powerpoint/2010/main" id="1" dur="indefinite" restart="never" nodeType="tmRoot"/>
-      </p:par>
-    </p:tnLst>
-  </p:timing>
-</p:sld>
-</file>
-
-<file path=ppt/slides/slide28.xml><?xml version="1.0" encoding="utf-8"?>
-<p:sld xmlns:a="http://schemas.openxmlformats.org/drawingml/2006/main" xmlns:r="http://schemas.openxmlformats.org/officeDocument/2006/relationships" xmlns:p="http://schemas.openxmlformats.org/presentationml/2006/main">
-  <p:cSld>
-    <p:spTree>
-      <p:nvGrpSpPr>
-        <p:cNvPr id="1" name=""/>
-        <p:cNvGrpSpPr/>
-        <p:nvPr/>
-      </p:nvGrpSpPr>
-      <p:grpSpPr>
-        <a:xfrm>
-          <a:off x="0" y="0"/>
-          <a:ext cx="0" cy="0"/>
-          <a:chOff x="0" y="0"/>
-          <a:chExt cx="0" cy="0"/>
-        </a:xfrm>
-      </p:grpSpPr>
-      <p:sp>
-        <p:nvSpPr>
-          <p:cNvPr id="3" name="Title 2"/>
-          <p:cNvSpPr>
-            <a:spLocks noGrp="1"/>
-          </p:cNvSpPr>
-          <p:nvPr>
-            <p:ph type="ctrTitle"/>
-          </p:nvPr>
-        </p:nvSpPr>
-        <p:spPr/>
-        <p:txBody>
-          <a:bodyPr/>
-          <a:lstStyle/>
-          <a:p>
-            <a:r>
-              <a:rPr lang="en-US" dirty="0" smtClean="0"/>
-              <a:t>History API*</a:t>
-            </a:r>
-            <a:endParaRPr lang="en-US" dirty="0"/>
-          </a:p>
-        </p:txBody>
-      </p:sp>
-      <p:sp>
-        <p:nvSpPr>
-          <p:cNvPr id="5" name="Subtitle 4"/>
-          <p:cNvSpPr>
-            <a:spLocks noGrp="1"/>
-          </p:cNvSpPr>
-          <p:nvPr>
-            <p:ph type="subTitle" idx="1"/>
-          </p:nvPr>
-        </p:nvSpPr>
-        <p:spPr/>
-        <p:txBody>
-          <a:bodyPr/>
-          <a:lstStyle/>
-          <a:p>
-            <a:r>
-              <a:rPr lang="en-US" sz="2400" dirty="0" smtClean="0">
-                <a:solidFill>
-                  <a:srgbClr val="FFC425"/>
-                </a:solidFill>
-              </a:rPr>
-              <a:t>*AJAX + and up-to-date address bar = Crazy Delicious</a:t>
-            </a:r>
-            <a:endParaRPr lang="en-US" sz="2400" dirty="0" smtClean="0">
-              <a:solidFill>
-                <a:srgbClr val="FFC425"/>
-              </a:solidFill>
-            </a:endParaRPr>
-          </a:p>
-          <a:p>
-            <a:endParaRPr lang="en-US" sz="2400" dirty="0">
-              <a:solidFill>
-                <a:srgbClr val="FFC425"/>
-              </a:solidFill>
-            </a:endParaRPr>
-          </a:p>
-        </p:txBody>
-      </p:sp>
-    </p:spTree>
-    <p:extLst>
-      <p:ext uri="{BB962C8B-B14F-4D97-AF65-F5344CB8AC3E}">
-        <p14:creationId xmlns:p14="http://schemas.microsoft.com/office/powerpoint/2010/main" val="3576756451"/>
-      </p:ext>
-    </p:extLst>
-  </p:cSld>
-  <p:clrMapOvr>
-    <a:masterClrMapping/>
-  </p:clrMapOvr>
-  <p:transition xmlns:p14="http://schemas.microsoft.com/office/powerpoint/2010/main">
-    <p:fade/>
-  </p:transition>
-  <p:timing>
-    <p:tnLst>
-      <p:par>
-        <p:cTn xmlns:p14="http://schemas.microsoft.com/office/powerpoint/2010/main" id="1" dur="indefinite" restart="never" nodeType="tmRoot"/>
-      </p:par>
-    </p:tnLst>
-  </p:timing>
-</p:sld>
-</file>
-
-<file path=ppt/slides/slide29.xml><?xml version="1.0" encoding="utf-8"?>
-<p:sld xmlns:a="http://schemas.openxmlformats.org/drawingml/2006/main" xmlns:r="http://schemas.openxmlformats.org/officeDocument/2006/relationships" xmlns:p="http://schemas.openxmlformats.org/presentationml/2006/main">
-  <p:cSld>
-    <p:spTree>
-      <p:nvGrpSpPr>
-        <p:cNvPr id="1" name=""/>
-        <p:cNvGrpSpPr/>
-        <p:nvPr/>
-      </p:nvGrpSpPr>
-      <p:grpSpPr>
-        <a:xfrm>
-          <a:off x="0" y="0"/>
-          <a:ext cx="0" cy="0"/>
-          <a:chOff x="0" y="0"/>
-          <a:chExt cx="0" cy="0"/>
-        </a:xfrm>
-      </p:grpSpPr>
-      <p:sp>
-        <p:nvSpPr>
-          <p:cNvPr id="5" name="Title 4"/>
-          <p:cNvSpPr>
-            <a:spLocks noGrp="1"/>
-          </p:cNvSpPr>
-          <p:nvPr>
-            <p:ph type="title"/>
-          </p:nvPr>
-        </p:nvSpPr>
-        <p:spPr>
-          <a:xfrm>
-            <a:off x="389436" y="228602"/>
-            <a:ext cx="8363938" cy="507831"/>
-          </a:xfrm>
-        </p:spPr>
-        <p:txBody>
-          <a:bodyPr/>
-          <a:lstStyle/>
-          <a:p>
-            <a:r>
-              <a:rPr lang="en-US" sz="3600" dirty="0" smtClean="0"/>
-              <a:t>History API</a:t>
-            </a:r>
-            <a:endParaRPr lang="en-US" sz="3600" dirty="0"/>
-          </a:p>
-        </p:txBody>
-      </p:sp>
-      <p:sp>
-        <p:nvSpPr>
-          <p:cNvPr id="3" name="Rectangle 2"/>
-          <p:cNvSpPr/>
-          <p:nvPr/>
-        </p:nvSpPr>
-        <p:spPr>
-          <a:xfrm>
-            <a:off x="389436" y="1289220"/>
-            <a:ext cx="8363938" cy="3785652"/>
-          </a:xfrm>
-          <a:prstGeom prst="rect">
-            <a:avLst/>
-          </a:prstGeom>
-        </p:spPr>
-        <p:txBody>
-          <a:bodyPr wrap="square">
-            <a:spAutoFit/>
-          </a:bodyPr>
-          <a:lstStyle/>
-          <a:p>
-            <a:r>
-              <a:rPr lang="en-US" sz="2000" dirty="0" err="1">
-                <a:solidFill>
-                  <a:schemeClr val="bg1"/>
-                </a:solidFill>
-              </a:rPr>
-              <a:t>link.addEventListener</a:t>
-            </a:r>
-            <a:r>
-              <a:rPr lang="en-US" sz="2000" dirty="0">
-                <a:solidFill>
-                  <a:schemeClr val="bg1"/>
-                </a:solidFill>
-              </a:rPr>
-              <a:t>('click', function(event) {</a:t>
-            </a:r>
-          </a:p>
-          <a:p>
-            <a:r>
-              <a:rPr lang="en-US" sz="2000" dirty="0">
-                <a:solidFill>
-                  <a:schemeClr val="bg1"/>
-                </a:solidFill>
-              </a:rPr>
-              <a:t>  // manually add a value to the history stack</a:t>
-            </a:r>
-          </a:p>
-          <a:p>
-            <a:r>
-              <a:rPr lang="en-US" sz="2000" dirty="0">
-                <a:solidFill>
-                  <a:schemeClr val="bg1"/>
-                </a:solidFill>
-              </a:rPr>
-              <a:t>  // without making the browser load any new page</a:t>
-            </a:r>
-          </a:p>
-          <a:p>
-            <a:r>
-              <a:rPr lang="en-US" sz="2000" dirty="0">
-                <a:solidFill>
-                  <a:schemeClr val="bg1"/>
-                </a:solidFill>
-              </a:rPr>
-              <a:t>  </a:t>
-            </a:r>
-            <a:r>
-              <a:rPr lang="en-US" sz="2000" b="1" dirty="0" err="1">
-                <a:solidFill>
-                  <a:srgbClr val="800000"/>
-                </a:solidFill>
-              </a:rPr>
-              <a:t>history.pushState</a:t>
-            </a:r>
-            <a:r>
-              <a:rPr lang="en-US" sz="2000" dirty="0">
-                <a:solidFill>
-                  <a:schemeClr val="bg1"/>
-                </a:solidFill>
-              </a:rPr>
-              <a:t>('Contact Page Form', 'Contact Page', '/contact');</a:t>
-            </a:r>
-          </a:p>
-          <a:p>
-            <a:r>
-              <a:rPr lang="en-US" sz="2000" dirty="0">
-                <a:solidFill>
-                  <a:schemeClr val="bg1"/>
-                </a:solidFill>
-              </a:rPr>
-              <a:t>});</a:t>
-            </a:r>
-          </a:p>
-          <a:p>
-            <a:endParaRPr lang="en-US" sz="2000" dirty="0">
-              <a:solidFill>
-                <a:schemeClr val="bg1"/>
-              </a:solidFill>
-            </a:endParaRPr>
-          </a:p>
-          <a:p>
-            <a:r>
-              <a:rPr lang="en-US" sz="2000" dirty="0">
-                <a:solidFill>
-                  <a:schemeClr val="bg1"/>
-                </a:solidFill>
-              </a:rPr>
-              <a:t>// capture navigation in case we want to change,</a:t>
-            </a:r>
-          </a:p>
-          <a:p>
-            <a:r>
-              <a:rPr lang="en-US" sz="2000" dirty="0">
-                <a:solidFill>
-                  <a:schemeClr val="bg1"/>
-                </a:solidFill>
-              </a:rPr>
-              <a:t>// for instance, some content when it changes</a:t>
-            </a:r>
-          </a:p>
-          <a:p>
-            <a:r>
-              <a:rPr lang="en-US" sz="2000" dirty="0" err="1">
-                <a:solidFill>
-                  <a:schemeClr val="bg1"/>
-                </a:solidFill>
-              </a:rPr>
-              <a:t>window.addEventListener</a:t>
-            </a:r>
-            <a:r>
-              <a:rPr lang="en-US" sz="2000" dirty="0">
-                <a:solidFill>
-                  <a:schemeClr val="bg1"/>
-                </a:solidFill>
-              </a:rPr>
-              <a:t>('</a:t>
-            </a:r>
-            <a:r>
-              <a:rPr lang="en-US" sz="2000" b="1" dirty="0" err="1">
-                <a:solidFill>
-                  <a:srgbClr val="800000"/>
-                </a:solidFill>
-              </a:rPr>
-              <a:t>popstate</a:t>
-            </a:r>
-            <a:r>
-              <a:rPr lang="en-US" sz="2000" dirty="0">
-                <a:solidFill>
-                  <a:schemeClr val="bg1"/>
-                </a:solidFill>
-              </a:rPr>
-              <a:t>', function(event) {</a:t>
-            </a:r>
-          </a:p>
-          <a:p>
-            <a:r>
-              <a:rPr lang="en-US" sz="2000" dirty="0">
-                <a:solidFill>
-                  <a:schemeClr val="bg1"/>
-                </a:solidFill>
-              </a:rPr>
-              <a:t>  </a:t>
-            </a:r>
-            <a:r>
-              <a:rPr lang="en-US" sz="2000" dirty="0" err="1">
-                <a:solidFill>
-                  <a:schemeClr val="bg1"/>
-                </a:solidFill>
-              </a:rPr>
-              <a:t>document.querySelector</a:t>
-            </a:r>
-            <a:r>
-              <a:rPr lang="en-US" sz="2000" dirty="0">
-                <a:solidFill>
-                  <a:schemeClr val="bg1"/>
-                </a:solidFill>
-              </a:rPr>
-              <a:t>('h1').</a:t>
-            </a:r>
-            <a:r>
-              <a:rPr lang="en-US" sz="2000" dirty="0" err="1">
-                <a:solidFill>
-                  <a:schemeClr val="bg1"/>
-                </a:solidFill>
-              </a:rPr>
-              <a:t>innerText</a:t>
-            </a:r>
-            <a:r>
-              <a:rPr lang="en-US" sz="2000" dirty="0">
-                <a:solidFill>
-                  <a:schemeClr val="bg1"/>
-                </a:solidFill>
-              </a:rPr>
-              <a:t> = </a:t>
-            </a:r>
-            <a:r>
-              <a:rPr lang="en-US" sz="2000" b="1" dirty="0" err="1">
-                <a:solidFill>
-                  <a:srgbClr val="800000"/>
-                </a:solidFill>
-              </a:rPr>
-              <a:t>event.state</a:t>
-            </a:r>
-            <a:r>
-              <a:rPr lang="en-US" sz="2000" dirty="0">
-                <a:solidFill>
-                  <a:schemeClr val="bg1"/>
-                </a:solidFill>
-              </a:rPr>
-              <a:t>; // 'Contact Page Form'</a:t>
-            </a:r>
-          </a:p>
-          <a:p>
-            <a:r>
-              <a:rPr lang="en-US" sz="2000" dirty="0">
-                <a:solidFill>
-                  <a:schemeClr val="bg1"/>
-                </a:solidFill>
-              </a:rPr>
-              <a:t>});</a:t>
-            </a:r>
-          </a:p>
-        </p:txBody>
-      </p:sp>
-      <p:pic>
-        <p:nvPicPr>
-          <p:cNvPr id="4" name="Picture 3"/>
-          <p:cNvPicPr>
-            <a:picLocks noChangeAspect="1"/>
-          </p:cNvPicPr>
-          <p:nvPr/>
-        </p:nvPicPr>
-        <p:blipFill>
-          <a:blip r:embed="rId3"/>
-          <a:stretch>
-            <a:fillRect/>
-          </a:stretch>
-        </p:blipFill>
-        <p:spPr>
-          <a:xfrm>
-            <a:off x="2164229" y="5317564"/>
-            <a:ext cx="6070600" cy="406400"/>
-          </a:xfrm>
-          <a:prstGeom prst="rect">
-            <a:avLst/>
-          </a:prstGeom>
-        </p:spPr>
-      </p:pic>
-    </p:spTree>
-    <p:extLst>
-      <p:ext uri="{BB962C8B-B14F-4D97-AF65-F5344CB8AC3E}">
-        <p14:creationId xmlns:p14="http://schemas.microsoft.com/office/powerpoint/2010/main" val="937076125"/>
-      </p:ext>
-    </p:extLst>
-  </p:cSld>
-  <p:clrMapOvr>
-    <a:masterClrMapping/>
-  </p:clrMapOvr>
-  <p:transition xmlns:p14="http://schemas.microsoft.com/office/powerpoint/2010/main">
-    <p:fade/>
-  </p:transition>
-  <p:timing>
-    <p:tnLst>
-      <p:par>
-        <p:cTn xmlns:p14="http://schemas.microsoft.com/office/powerpoint/2010/main" id="1" dur="indefinite" restart="never" nodeType="tmRoot"/>
+        <p:cTn id="1" dur="indefinite" restart="never" nodeType="tmRoot"/>
       </p:par>
     </p:tnLst>
   </p:timing>
@@ -20692,13 +21323,13 @@
   <p:clrMapOvr>
     <a:masterClrMapping/>
   </p:clrMapOvr>
-  <p:transition xmlns:p14="http://schemas.microsoft.com/office/powerpoint/2010/main">
+  <p:transition>
     <p:fade/>
   </p:transition>
   <p:timing>
     <p:tnLst>
       <p:par>
-        <p:cTn xmlns:p14="http://schemas.microsoft.com/office/powerpoint/2010/main" id="1" dur="indefinite" restart="never" nodeType="tmRoot"/>
+        <p:cTn id="1" dur="indefinite" restart="never" nodeType="tmRoot"/>
       </p:par>
     </p:tnLst>
   </p:timing>
@@ -20706,6 +21337,419 @@
 </file>
 
 <file path=ppt/slides/slide30.xml><?xml version="1.0" encoding="utf-8"?>
+<p:sld xmlns:a="http://schemas.openxmlformats.org/drawingml/2006/main" xmlns:r="http://schemas.openxmlformats.org/officeDocument/2006/relationships" xmlns:p="http://schemas.openxmlformats.org/presentationml/2006/main">
+  <p:cSld>
+    <p:spTree>
+      <p:nvGrpSpPr>
+        <p:cNvPr id="1" name=""/>
+        <p:cNvGrpSpPr/>
+        <p:nvPr/>
+      </p:nvGrpSpPr>
+      <p:grpSpPr>
+        <a:xfrm>
+          <a:off x="0" y="0"/>
+          <a:ext cx="0" cy="0"/>
+          <a:chOff x="0" y="0"/>
+          <a:chExt cx="0" cy="0"/>
+        </a:xfrm>
+      </p:grpSpPr>
+      <p:sp>
+        <p:nvSpPr>
+          <p:cNvPr id="3" name="Title 2"/>
+          <p:cNvSpPr>
+            <a:spLocks noGrp="1"/>
+          </p:cNvSpPr>
+          <p:nvPr>
+            <p:ph type="ctrTitle"/>
+          </p:nvPr>
+        </p:nvSpPr>
+        <p:spPr/>
+        <p:txBody>
+          <a:bodyPr/>
+          <a:lstStyle/>
+          <a:p>
+            <a:r>
+              <a:rPr lang="en-US" dirty="0" smtClean="0"/>
+              <a:t>History API*</a:t>
+            </a:r>
+            <a:endParaRPr lang="en-US" dirty="0"/>
+          </a:p>
+        </p:txBody>
+      </p:sp>
+      <p:sp>
+        <p:nvSpPr>
+          <p:cNvPr id="5" name="Subtitle 4"/>
+          <p:cNvSpPr>
+            <a:spLocks noGrp="1"/>
+          </p:cNvSpPr>
+          <p:nvPr>
+            <p:ph type="subTitle" idx="1"/>
+          </p:nvPr>
+        </p:nvSpPr>
+        <p:spPr/>
+        <p:txBody>
+          <a:bodyPr/>
+          <a:lstStyle/>
+          <a:p>
+            <a:r>
+              <a:rPr lang="en-US" sz="2400" dirty="0" smtClean="0">
+                <a:solidFill>
+                  <a:srgbClr val="FFC425"/>
+                </a:solidFill>
+              </a:rPr>
+              <a:t>*AJAX + and up-to-date address bar = Crazy Delicious</a:t>
+            </a:r>
+          </a:p>
+          <a:p>
+            <a:endParaRPr lang="en-US" sz="2400" dirty="0">
+              <a:solidFill>
+                <a:srgbClr val="FFC425"/>
+              </a:solidFill>
+            </a:endParaRPr>
+          </a:p>
+        </p:txBody>
+      </p:sp>
+    </p:spTree>
+    <p:extLst>
+      <p:ext uri="{BB962C8B-B14F-4D97-AF65-F5344CB8AC3E}">
+        <p14:creationId xmlns:p14="http://schemas.microsoft.com/office/powerpoint/2010/main" val="3576756451"/>
+      </p:ext>
+    </p:extLst>
+  </p:cSld>
+  <p:clrMapOvr>
+    <a:masterClrMapping/>
+  </p:clrMapOvr>
+  <p:transition>
+    <p:fade/>
+  </p:transition>
+  <p:timing>
+    <p:tnLst>
+      <p:par>
+        <p:cTn id="1" dur="indefinite" restart="never" nodeType="tmRoot"/>
+      </p:par>
+    </p:tnLst>
+  </p:timing>
+</p:sld>
+</file>
+
+<file path=ppt/slides/slide31.xml><?xml version="1.0" encoding="utf-8"?>
+<p:sld xmlns:a="http://schemas.openxmlformats.org/drawingml/2006/main" xmlns:r="http://schemas.openxmlformats.org/officeDocument/2006/relationships" xmlns:p="http://schemas.openxmlformats.org/presentationml/2006/main">
+  <p:cSld>
+    <p:spTree>
+      <p:nvGrpSpPr>
+        <p:cNvPr id="1" name=""/>
+        <p:cNvGrpSpPr/>
+        <p:nvPr/>
+      </p:nvGrpSpPr>
+      <p:grpSpPr>
+        <a:xfrm>
+          <a:off x="0" y="0"/>
+          <a:ext cx="0" cy="0"/>
+          <a:chOff x="0" y="0"/>
+          <a:chExt cx="0" cy="0"/>
+        </a:xfrm>
+      </p:grpSpPr>
+      <p:sp>
+        <p:nvSpPr>
+          <p:cNvPr id="5" name="Title 4"/>
+          <p:cNvSpPr>
+            <a:spLocks noGrp="1"/>
+          </p:cNvSpPr>
+          <p:nvPr>
+            <p:ph type="title"/>
+          </p:nvPr>
+        </p:nvSpPr>
+        <p:spPr>
+          <a:xfrm>
+            <a:off x="389436" y="228602"/>
+            <a:ext cx="8363938" cy="507831"/>
+          </a:xfrm>
+        </p:spPr>
+        <p:txBody>
+          <a:bodyPr/>
+          <a:lstStyle/>
+          <a:p>
+            <a:r>
+              <a:rPr lang="en-US" sz="3600" dirty="0" smtClean="0"/>
+              <a:t>History API</a:t>
+            </a:r>
+            <a:endParaRPr lang="en-US" sz="3600" dirty="0"/>
+          </a:p>
+        </p:txBody>
+      </p:sp>
+      <p:sp>
+        <p:nvSpPr>
+          <p:cNvPr id="3" name="Rectangle 2"/>
+          <p:cNvSpPr/>
+          <p:nvPr/>
+        </p:nvSpPr>
+        <p:spPr>
+          <a:xfrm>
+            <a:off x="389436" y="1289220"/>
+            <a:ext cx="8363938" cy="3785652"/>
+          </a:xfrm>
+          <a:prstGeom prst="rect">
+            <a:avLst/>
+          </a:prstGeom>
+        </p:spPr>
+        <p:txBody>
+          <a:bodyPr wrap="square">
+            <a:spAutoFit/>
+          </a:bodyPr>
+          <a:lstStyle/>
+          <a:p>
+            <a:r>
+              <a:rPr lang="en-US" sz="2000" dirty="0" err="1">
+                <a:solidFill>
+                  <a:schemeClr val="bg1"/>
+                </a:solidFill>
+              </a:rPr>
+              <a:t>link.addEventListener</a:t>
+            </a:r>
+            <a:r>
+              <a:rPr lang="en-US" sz="2000" dirty="0">
+                <a:solidFill>
+                  <a:schemeClr val="bg1"/>
+                </a:solidFill>
+              </a:rPr>
+              <a:t>('click', function(event) {</a:t>
+            </a:r>
+          </a:p>
+          <a:p>
+            <a:r>
+              <a:rPr lang="en-US" sz="2000" dirty="0">
+                <a:solidFill>
+                  <a:schemeClr val="bg1"/>
+                </a:solidFill>
+              </a:rPr>
+              <a:t>  // manually add a value to the history stack</a:t>
+            </a:r>
+          </a:p>
+          <a:p>
+            <a:r>
+              <a:rPr lang="en-US" sz="2000" dirty="0">
+                <a:solidFill>
+                  <a:schemeClr val="bg1"/>
+                </a:solidFill>
+              </a:rPr>
+              <a:t>  // without making the browser load any new page</a:t>
+            </a:r>
+          </a:p>
+          <a:p>
+            <a:r>
+              <a:rPr lang="en-US" sz="2000" dirty="0">
+                <a:solidFill>
+                  <a:schemeClr val="bg1"/>
+                </a:solidFill>
+              </a:rPr>
+              <a:t>  </a:t>
+            </a:r>
+            <a:r>
+              <a:rPr lang="en-US" sz="2000" b="1" dirty="0" err="1">
+                <a:solidFill>
+                  <a:srgbClr val="800000"/>
+                </a:solidFill>
+              </a:rPr>
+              <a:t>history.pushState</a:t>
+            </a:r>
+            <a:r>
+              <a:rPr lang="en-US" sz="2000" dirty="0">
+                <a:solidFill>
+                  <a:schemeClr val="bg1"/>
+                </a:solidFill>
+              </a:rPr>
+              <a:t>('Contact Page Form', 'Contact Page', '/contact');</a:t>
+            </a:r>
+          </a:p>
+          <a:p>
+            <a:r>
+              <a:rPr lang="en-US" sz="2000" dirty="0">
+                <a:solidFill>
+                  <a:schemeClr val="bg1"/>
+                </a:solidFill>
+              </a:rPr>
+              <a:t>});</a:t>
+            </a:r>
+          </a:p>
+          <a:p>
+            <a:endParaRPr lang="en-US" sz="2000" dirty="0">
+              <a:solidFill>
+                <a:schemeClr val="bg1"/>
+              </a:solidFill>
+            </a:endParaRPr>
+          </a:p>
+          <a:p>
+            <a:r>
+              <a:rPr lang="en-US" sz="2000" dirty="0">
+                <a:solidFill>
+                  <a:schemeClr val="bg1"/>
+                </a:solidFill>
+              </a:rPr>
+              <a:t>// capture navigation in case we want to change,</a:t>
+            </a:r>
+          </a:p>
+          <a:p>
+            <a:r>
+              <a:rPr lang="en-US" sz="2000" dirty="0">
+                <a:solidFill>
+                  <a:schemeClr val="bg1"/>
+                </a:solidFill>
+              </a:rPr>
+              <a:t>// for instance, some content when it changes</a:t>
+            </a:r>
+          </a:p>
+          <a:p>
+            <a:r>
+              <a:rPr lang="en-US" sz="2000" dirty="0" err="1">
+                <a:solidFill>
+                  <a:schemeClr val="bg1"/>
+                </a:solidFill>
+              </a:rPr>
+              <a:t>window.addEventListener</a:t>
+            </a:r>
+            <a:r>
+              <a:rPr lang="en-US" sz="2000" dirty="0">
+                <a:solidFill>
+                  <a:schemeClr val="bg1"/>
+                </a:solidFill>
+              </a:rPr>
+              <a:t>('</a:t>
+            </a:r>
+            <a:r>
+              <a:rPr lang="en-US" sz="2000" b="1" dirty="0" err="1">
+                <a:solidFill>
+                  <a:srgbClr val="800000"/>
+                </a:solidFill>
+              </a:rPr>
+              <a:t>popstate</a:t>
+            </a:r>
+            <a:r>
+              <a:rPr lang="en-US" sz="2000" dirty="0">
+                <a:solidFill>
+                  <a:schemeClr val="bg1"/>
+                </a:solidFill>
+              </a:rPr>
+              <a:t>', function(event) {</a:t>
+            </a:r>
+          </a:p>
+          <a:p>
+            <a:r>
+              <a:rPr lang="en-US" sz="2000" dirty="0">
+                <a:solidFill>
+                  <a:schemeClr val="bg1"/>
+                </a:solidFill>
+              </a:rPr>
+              <a:t>  </a:t>
+            </a:r>
+            <a:r>
+              <a:rPr lang="en-US" sz="2000" dirty="0" err="1">
+                <a:solidFill>
+                  <a:schemeClr val="bg1"/>
+                </a:solidFill>
+              </a:rPr>
+              <a:t>document.querySelector</a:t>
+            </a:r>
+            <a:r>
+              <a:rPr lang="en-US" sz="2000" dirty="0">
+                <a:solidFill>
+                  <a:schemeClr val="bg1"/>
+                </a:solidFill>
+              </a:rPr>
+              <a:t>('h1').</a:t>
+            </a:r>
+            <a:r>
+              <a:rPr lang="en-US" sz="2000" dirty="0" err="1">
+                <a:solidFill>
+                  <a:schemeClr val="bg1"/>
+                </a:solidFill>
+              </a:rPr>
+              <a:t>innerText</a:t>
+            </a:r>
+            <a:r>
+              <a:rPr lang="en-US" sz="2000" dirty="0">
+                <a:solidFill>
+                  <a:schemeClr val="bg1"/>
+                </a:solidFill>
+              </a:rPr>
+              <a:t> = </a:t>
+            </a:r>
+            <a:r>
+              <a:rPr lang="en-US" sz="2000" b="1" dirty="0" err="1">
+                <a:solidFill>
+                  <a:srgbClr val="800000"/>
+                </a:solidFill>
+              </a:rPr>
+              <a:t>event.state</a:t>
+            </a:r>
+            <a:r>
+              <a:rPr lang="en-US" sz="2000" dirty="0">
+                <a:solidFill>
+                  <a:schemeClr val="bg1"/>
+                </a:solidFill>
+              </a:rPr>
+              <a:t>; // 'Contact Page Form'</a:t>
+            </a:r>
+          </a:p>
+          <a:p>
+            <a:r>
+              <a:rPr lang="en-US" sz="2000" dirty="0">
+                <a:solidFill>
+                  <a:schemeClr val="bg1"/>
+                </a:solidFill>
+              </a:rPr>
+              <a:t>});</a:t>
+            </a:r>
+          </a:p>
+        </p:txBody>
+      </p:sp>
+      <p:pic>
+        <p:nvPicPr>
+          <p:cNvPr id="4" name="Picture 3"/>
+          <p:cNvPicPr>
+            <a:picLocks noChangeAspect="1"/>
+          </p:cNvPicPr>
+          <p:nvPr/>
+        </p:nvPicPr>
+        <p:blipFill>
+          <a:blip r:embed="rId3"/>
+          <a:stretch>
+            <a:fillRect/>
+          </a:stretch>
+        </p:blipFill>
+        <p:spPr>
+          <a:xfrm>
+            <a:off x="2164229" y="5317564"/>
+            <a:ext cx="6070600" cy="406400"/>
+          </a:xfrm>
+          <a:prstGeom prst="rect">
+            <a:avLst/>
+          </a:prstGeom>
+        </p:spPr>
+      </p:pic>
+    </p:spTree>
+    <p:extLst>
+      <p:ext uri="{BB962C8B-B14F-4D97-AF65-F5344CB8AC3E}">
+        <p14:creationId xmlns:p14="http://schemas.microsoft.com/office/powerpoint/2010/main" val="937076125"/>
+      </p:ext>
+    </p:extLst>
+  </p:cSld>
+  <p:clrMapOvr>
+    <a:masterClrMapping/>
+  </p:clrMapOvr>
+  <p:transition>
+    <p:fade/>
+  </p:transition>
+  <p:timing>
+    <p:tnLst>
+      <p:par>
+        <p:cTn id="1" dur="indefinite" restart="never" nodeType="tmRoot"/>
+      </p:par>
+    </p:tnLst>
+  </p:timing>
+</p:sld>
+</file>
+
+<file path=ppt/slides/slide32.xml><?xml version="1.0" encoding="utf-8"?>
 <p:sld xmlns:a="http://schemas.openxmlformats.org/drawingml/2006/main" xmlns:r="http://schemas.openxmlformats.org/officeDocument/2006/relationships" xmlns:p="http://schemas.openxmlformats.org/presentationml/2006/main">
   <p:cSld>
     <p:spTree>
@@ -20764,31 +21808,7 @@
                 <a:ea typeface="+mn-ea"/>
                 <a:cs typeface="Arial" charset="0"/>
               </a:rPr>
-              <a:t>Browser Support for </a:t>
-            </a:r>
-            <a:r>
-              <a:rPr lang="en-US" sz="4800" b="0" kern="1200" cap="none" spc="-100" baseline="0" dirty="0" smtClean="0">
-                <a:ln w="3175">
-                  <a:noFill/>
-                </a:ln>
-                <a:gradFill flip="none" rotWithShape="1">
-                  <a:gsLst>
-                    <a:gs pos="0">
-                      <a:schemeClr val="tx1"/>
-                    </a:gs>
-                    <a:gs pos="86000">
-                      <a:schemeClr val="tx1"/>
-                    </a:gs>
-                  </a:gsLst>
-                  <a:lin ang="5400000" scaled="0"/>
-                  <a:tileRect/>
-                </a:gradFill>
-                <a:effectLst/>
-                <a:latin typeface="+mj-lt"/>
-                <a:ea typeface="+mn-ea"/>
-                <a:cs typeface="Arial" charset="0"/>
-              </a:rPr>
-              <a:t>History API</a:t>
+              <a:t>Browser Support for History API</a:t>
             </a:r>
             <a:endParaRPr lang="en-US" dirty="0"/>
           </a:p>
@@ -21430,20 +22450,20 @@
   <p:clrMapOvr>
     <a:masterClrMapping/>
   </p:clrMapOvr>
-  <p:transition xmlns:p14="http://schemas.microsoft.com/office/powerpoint/2010/main">
+  <p:transition>
     <p:fade/>
   </p:transition>
   <p:timing>
     <p:tnLst>
       <p:par>
-        <p:cTn xmlns:p14="http://schemas.microsoft.com/office/powerpoint/2010/main" id="1" dur="indefinite" restart="never" nodeType="tmRoot"/>
+        <p:cTn id="1" dur="indefinite" restart="never" nodeType="tmRoot"/>
       </p:par>
     </p:tnLst>
   </p:timing>
 </p:sld>
 </file>
 
-<file path=ppt/slides/slide31.xml><?xml version="1.0" encoding="utf-8"?>
+<file path=ppt/slides/slide33.xml><?xml version="1.0" encoding="utf-8"?>
 <p:sld xmlns:a="http://schemas.openxmlformats.org/drawingml/2006/main" xmlns:r="http://schemas.openxmlformats.org/officeDocument/2006/relationships" xmlns:p="http://schemas.openxmlformats.org/presentationml/2006/main">
   <p:cSld>
     <p:spTree>
@@ -21493,20 +22513,20 @@
   <p:clrMapOvr>
     <a:masterClrMapping/>
   </p:clrMapOvr>
-  <p:transition xmlns:p14="http://schemas.microsoft.com/office/powerpoint/2010/main">
+  <p:transition>
     <p:fade/>
   </p:transition>
   <p:timing>
     <p:tnLst>
       <p:par>
-        <p:cTn xmlns:p14="http://schemas.microsoft.com/office/powerpoint/2010/main" id="1" dur="indefinite" restart="never" nodeType="tmRoot"/>
+        <p:cTn id="1" dur="indefinite" restart="never" nodeType="tmRoot"/>
       </p:par>
     </p:tnLst>
   </p:timing>
 </p:sld>
 </file>
 
-<file path=ppt/slides/slide32.xml><?xml version="1.0" encoding="utf-8"?>
+<file path=ppt/slides/slide34.xml><?xml version="1.0" encoding="utf-8"?>
 <p:sld xmlns:a="http://schemas.openxmlformats.org/drawingml/2006/main" xmlns:r="http://schemas.openxmlformats.org/officeDocument/2006/relationships" xmlns:p="http://schemas.openxmlformats.org/presentationml/2006/main">
   <p:cSld>
     <p:spTree>
@@ -21706,39 +22726,7 @@
                   <a:schemeClr val="tx2"/>
                 </a:solidFill>
               </a:rPr>
-              <a:t>Alternatively, open </a:t>
-            </a:r>
-            <a:r>
-              <a:rPr lang="en-US" dirty="0" err="1" smtClean="0">
-                <a:solidFill>
-                  <a:schemeClr val="tx2"/>
-                </a:solidFill>
-              </a:rPr>
-              <a:t>readme.md</a:t>
-            </a:r>
-            <a:r>
-              <a:rPr lang="en-US" dirty="0" smtClean="0">
-                <a:solidFill>
-                  <a:schemeClr val="tx2"/>
-                </a:solidFill>
-              </a:rPr>
-              <a:t> in the “4- </a:t>
-            </a:r>
-            <a:r>
-              <a:rPr lang="en-US" smtClean="0">
-                <a:solidFill>
-                  <a:schemeClr val="tx2"/>
-                </a:solidFill>
-              </a:rPr>
-              <a:t>JavaScript API” </a:t>
-            </a:r>
-            <a:r>
-              <a:rPr lang="en-US" dirty="0" smtClean="0">
-                <a:solidFill>
-                  <a:schemeClr val="tx2"/>
-                </a:solidFill>
-              </a:rPr>
-              <a:t>folder</a:t>
+              <a:t>Alternatively, open readme.md in the “4- JavaScript API” folder</a:t>
             </a:r>
             <a:endParaRPr lang="en-US" dirty="0">
               <a:solidFill>
@@ -21758,13 +22746,13 @@
   <p:clrMapOvr>
     <a:masterClrMapping/>
   </p:clrMapOvr>
-  <p:transition xmlns:p14="http://schemas.microsoft.com/office/powerpoint/2010/main">
+  <p:transition>
     <p:fade/>
   </p:transition>
   <p:timing>
     <p:tnLst>
       <p:par>
-        <p:cTn xmlns:p14="http://schemas.microsoft.com/office/powerpoint/2010/main" id="1" dur="indefinite" restart="never" nodeType="tmRoot"/>
+        <p:cTn id="1" dur="indefinite" restart="never" nodeType="tmRoot"/>
       </p:par>
     </p:tnLst>
   </p:timing>
@@ -21869,13 +22857,13 @@
   <p:clrMapOvr>
     <a:masterClrMapping/>
   </p:clrMapOvr>
-  <p:transition xmlns:p14="http://schemas.microsoft.com/office/powerpoint/2010/main">
+  <p:transition>
     <p:fade/>
   </p:transition>
   <p:timing>
     <p:tnLst>
       <p:par>
-        <p:cTn xmlns:p14="http://schemas.microsoft.com/office/powerpoint/2010/main" id="1" dur="indefinite" restart="never" nodeType="tmRoot"/>
+        <p:cTn id="1" dur="indefinite" restart="never" nodeType="tmRoot"/>
       </p:par>
     </p:tnLst>
   </p:timing>
@@ -22399,14 +23387,14 @@
           </a:ln>
           <a:effectLst/>
           <a:extLst>
-            <a:ext uri="{909E8E84-426E-40dd-AFC4-6F175D3DCCD1}">
+            <a:ext uri="{909E8E84-426E-40DD-AFC4-6F175D3DCCD1}">
               <a14:hiddenFill xmlns:a14="http://schemas.microsoft.com/office/drawing/2010/main">
                 <a:solidFill>
                   <a:schemeClr val="accent1"/>
                 </a:solidFill>
               </a14:hiddenFill>
             </a:ext>
-            <a:ext uri="{91240B29-F687-4f45-9708-019B960494DF}">
+            <a:ext uri="{91240B29-F687-4F45-9708-019B960494DF}">
               <a14:hiddenLine xmlns:a14="http://schemas.microsoft.com/office/drawing/2010/main" w="9525">
                 <a:solidFill>
                   <a:schemeClr val="tx1"/>
@@ -22416,7 +23404,7 @@
                 <a:tailEnd/>
               </a14:hiddenLine>
             </a:ext>
-            <a:ext uri="{AF507438-7753-43e0-B8FC-AC1667EBCBE1}">
+            <a:ext uri="{AF507438-7753-43E0-B8FC-AC1667EBCBE1}">
               <a14:hiddenEffects xmlns:a14="http://schemas.microsoft.com/office/drawing/2010/main">
                 <a:effectLst>
                   <a:outerShdw dist="35921" dir="2700000" algn="ctr" rotWithShape="0">
@@ -22466,7 +23454,7 @@
           </a:prstGeom>
           <a:noFill/>
           <a:extLst>
-            <a:ext uri="{909E8E84-426E-40dd-AFC4-6F175D3DCCD1}">
+            <a:ext uri="{909E8E84-426E-40DD-AFC4-6F175D3DCCD1}">
               <a14:hiddenFill xmlns:a14="http://schemas.microsoft.com/office/drawing/2010/main">
                 <a:solidFill>
                   <a:srgbClr val="FFFFFF"/>
@@ -22486,13 +23474,13 @@
   <p:clrMapOvr>
     <a:masterClrMapping/>
   </p:clrMapOvr>
-  <p:transition xmlns:p14="http://schemas.microsoft.com/office/powerpoint/2010/main">
+  <p:transition>
     <p:fade/>
   </p:transition>
   <p:timing>
     <p:tnLst>
       <p:par>
-        <p:cTn xmlns:p14="http://schemas.microsoft.com/office/powerpoint/2010/main" id="1" dur="indefinite" restart="never" nodeType="tmRoot"/>
+        <p:cTn id="1" dur="indefinite" restart="never" nodeType="tmRoot"/>
       </p:par>
     </p:tnLst>
   </p:timing>
@@ -22558,31 +23546,7 @@
                 <a:ea typeface="+mn-ea"/>
                 <a:cs typeface="Arial" charset="0"/>
               </a:rPr>
-              <a:t>Browser Support for </a:t>
-            </a:r>
-            <a:r>
-              <a:rPr lang="en-US" sz="4000" b="0" kern="1200" cap="none" spc="-100" baseline="0" dirty="0" smtClean="0">
-                <a:ln w="3175">
-                  <a:noFill/>
-                </a:ln>
-                <a:gradFill flip="none" rotWithShape="1">
-                  <a:gsLst>
-                    <a:gs pos="0">
-                      <a:schemeClr val="tx1"/>
-                    </a:gs>
-                    <a:gs pos="86000">
-                      <a:schemeClr val="tx1"/>
-                    </a:gs>
-                  </a:gsLst>
-                  <a:lin ang="5400000" scaled="0"/>
-                  <a:tileRect/>
-                </a:gradFill>
-                <a:effectLst/>
-                <a:latin typeface="+mj-lt"/>
-                <a:ea typeface="+mn-ea"/>
-                <a:cs typeface="Arial" charset="0"/>
-              </a:rPr>
-              <a:t>Geolocation</a:t>
+              <a:t>Browser Support for Geolocation</a:t>
             </a:r>
             <a:endParaRPr lang="en-US" sz="3600" dirty="0"/>
           </a:p>
@@ -23224,13 +24188,13 @@
   <p:clrMapOvr>
     <a:masterClrMapping/>
   </p:clrMapOvr>
-  <p:transition xmlns:p14="http://schemas.microsoft.com/office/powerpoint/2010/main">
+  <p:transition>
     <p:fade/>
   </p:transition>
   <p:timing>
     <p:tnLst>
       <p:par>
-        <p:cTn xmlns:p14="http://schemas.microsoft.com/office/powerpoint/2010/main" id="1" dur="indefinite" restart="never" nodeType="tmRoot"/>
+        <p:cTn id="1" dur="indefinite" restart="never" nodeType="tmRoot"/>
       </p:par>
     </p:tnLst>
   </p:timing>
@@ -23329,13 +24293,13 @@
   <p:clrMapOvr>
     <a:masterClrMapping/>
   </p:clrMapOvr>
-  <p:transition xmlns:p14="http://schemas.microsoft.com/office/powerpoint/2010/main">
+  <p:transition>
     <p:fade/>
   </p:transition>
   <p:timing>
     <p:tnLst>
       <p:par>
-        <p:cTn xmlns:p14="http://schemas.microsoft.com/office/powerpoint/2010/main" id="1" dur="indefinite" restart="never" nodeType="tmRoot"/>
+        <p:cTn id="1" dur="indefinite" restart="never" nodeType="tmRoot"/>
       </p:par>
     </p:tnLst>
   </p:timing>
@@ -23425,13 +24389,13 @@
   <p:clrMapOvr>
     <a:masterClrMapping/>
   </p:clrMapOvr>
-  <p:transition xmlns:p14="http://schemas.microsoft.com/office/powerpoint/2010/main">
+  <p:transition>
     <p:fade/>
   </p:transition>
   <p:timing>
     <p:tnLst>
       <p:par>
-        <p:cTn xmlns:p14="http://schemas.microsoft.com/office/powerpoint/2010/main" id="1" dur="indefinite" restart="never" nodeType="tmRoot"/>
+        <p:cTn id="1" dur="indefinite" restart="never" nodeType="tmRoot"/>
       </p:par>
     </p:tnLst>
   </p:timing>
@@ -24583,13 +25547,13 @@
   <p:clrMapOvr>
     <a:masterClrMapping/>
   </p:clrMapOvr>
-  <p:transition xmlns:p14="http://schemas.microsoft.com/office/powerpoint/2010/main">
+  <p:transition>
     <p:fade/>
   </p:transition>
   <p:timing>
     <p:tnLst>
       <p:par>
-        <p:cTn xmlns:p14="http://schemas.microsoft.com/office/powerpoint/2010/main" id="1" dur="indefinite" restart="never" nodeType="tmRoot"/>
+        <p:cTn id="1" dur="indefinite" restart="never" nodeType="tmRoot"/>
       </p:par>
     </p:tnLst>
   </p:timing>

--- a/4-JavaScript API/JavaScript APIs.pptx
+++ b/4-JavaScript API/JavaScript APIs.pptx
@@ -8,7 +8,7 @@
     <p:sldMasterId id="2147483702" r:id="rId4"/>
   </p:sldMasterIdLst>
   <p:notesMasterIdLst>
-    <p:notesMasterId r:id="rId39"/>
+    <p:notesMasterId r:id="rId40"/>
   </p:notesMasterIdLst>
   <p:sldIdLst>
     <p:sldId id="256" r:id="rId5"/>
@@ -23,28 +23,29 @@
     <p:sldId id="283" r:id="rId14"/>
     <p:sldId id="294" r:id="rId15"/>
     <p:sldId id="267" r:id="rId16"/>
-    <p:sldId id="287" r:id="rId17"/>
-    <p:sldId id="296" r:id="rId18"/>
-    <p:sldId id="304" r:id="rId19"/>
-    <p:sldId id="282" r:id="rId20"/>
-    <p:sldId id="300" r:id="rId21"/>
-    <p:sldId id="297" r:id="rId22"/>
-    <p:sldId id="298" r:id="rId23"/>
-    <p:sldId id="302" r:id="rId24"/>
-    <p:sldId id="301" r:id="rId25"/>
-    <p:sldId id="303" r:id="rId26"/>
-    <p:sldId id="299" r:id="rId27"/>
-    <p:sldId id="268" r:id="rId28"/>
-    <p:sldId id="286" r:id="rId29"/>
-    <p:sldId id="305" r:id="rId30"/>
-    <p:sldId id="306" r:id="rId31"/>
-    <p:sldId id="281" r:id="rId32"/>
-    <p:sldId id="285" r:id="rId33"/>
-    <p:sldId id="269" r:id="rId34"/>
-    <p:sldId id="275" r:id="rId35"/>
-    <p:sldId id="280" r:id="rId36"/>
-    <p:sldId id="263" r:id="rId37"/>
-    <p:sldId id="264" r:id="rId38"/>
+    <p:sldId id="307" r:id="rId17"/>
+    <p:sldId id="287" r:id="rId18"/>
+    <p:sldId id="296" r:id="rId19"/>
+    <p:sldId id="304" r:id="rId20"/>
+    <p:sldId id="282" r:id="rId21"/>
+    <p:sldId id="300" r:id="rId22"/>
+    <p:sldId id="297" r:id="rId23"/>
+    <p:sldId id="298" r:id="rId24"/>
+    <p:sldId id="302" r:id="rId25"/>
+    <p:sldId id="301" r:id="rId26"/>
+    <p:sldId id="303" r:id="rId27"/>
+    <p:sldId id="299" r:id="rId28"/>
+    <p:sldId id="268" r:id="rId29"/>
+    <p:sldId id="286" r:id="rId30"/>
+    <p:sldId id="305" r:id="rId31"/>
+    <p:sldId id="306" r:id="rId32"/>
+    <p:sldId id="281" r:id="rId33"/>
+    <p:sldId id="285" r:id="rId34"/>
+    <p:sldId id="269" r:id="rId35"/>
+    <p:sldId id="275" r:id="rId36"/>
+    <p:sldId id="280" r:id="rId37"/>
+    <p:sldId id="263" r:id="rId38"/>
+    <p:sldId id="264" r:id="rId39"/>
   </p:sldIdLst>
   <p:sldSz cx="9144000" cy="6858000" type="screen4x3"/>
   <p:notesSz cx="6858000" cy="9144000"/>
@@ -228,7 +229,7 @@
           <a:p>
             <a:fld id="{D1EA0DBE-4458-7349-8DB4-B45B1B6487F3}" type="datetimeFigureOut">
               <a:rPr lang="en-US" smtClean="0"/>
-              <a:t>1/9/2012</a:t>
+              <a:t>1/10/12</a:t>
             </a:fld>
             <a:endParaRPr lang="en-US"/>
           </a:p>
@@ -634,14 +635,119 @@
           <a:lstStyle/>
           <a:p>
             <a:r>
-              <a:rPr lang="en-US" dirty="0" smtClean="0"/>
-              <a:t>Next up, storage. W</a:t>
-            </a:r>
-            <a:r>
               <a:rPr lang="en-US" baseline="0" dirty="0" smtClean="0"/>
-              <a:t>ho still fights with cookies on their sites? HTML5 introduces a new key/value storage mechanism often referred to cookies on steroids. They’re not cookies, though, because you have more space for local storage (up to 5mb), and the storage items are not transferred back to the server on each request, as cookies are, so using them wont slow down your site.</a:t>
-            </a:r>
-            <a:endParaRPr lang="en-US" dirty="0"/>
+              <a:t>Workers</a:t>
+            </a:r>
+          </a:p>
+          <a:p>
+            <a:endParaRPr lang="en-US" baseline="0" dirty="0" smtClean="0"/>
+          </a:p>
+          <a:p>
+            <a:r>
+              <a:rPr lang="en-US" baseline="0" dirty="0" smtClean="0"/>
+              <a:t>http://www.html5rocks.com/en/tutorials/workers/basics/</a:t>
+            </a:r>
+          </a:p>
+          <a:p>
+            <a:r>
+              <a:rPr lang="en-US" baseline="0" dirty="0" smtClean="0"/>
+              <a:t>http://</a:t>
+            </a:r>
+            <a:r>
+              <a:rPr lang="en-US" baseline="0" dirty="0" err="1" smtClean="0"/>
+              <a:t>ie.microsoft.com</a:t>
+            </a:r>
+            <a:r>
+              <a:rPr lang="en-US" baseline="0" dirty="0" smtClean="0"/>
+              <a:t>/</a:t>
+            </a:r>
+            <a:r>
+              <a:rPr lang="en-US" baseline="0" dirty="0" err="1" smtClean="0"/>
+              <a:t>testdrive</a:t>
+            </a:r>
+            <a:r>
+              <a:rPr lang="en-US" baseline="0" dirty="0" smtClean="0"/>
+              <a:t>/HTML5/WebWorkerTest262/</a:t>
+            </a:r>
+            <a:r>
+              <a:rPr lang="en-US" baseline="0" dirty="0" err="1" smtClean="0"/>
+              <a:t>Default.html</a:t>
+            </a:r>
+            <a:endParaRPr lang="en-US" baseline="0" dirty="0" smtClean="0"/>
+          </a:p>
+          <a:p>
+            <a:endParaRPr lang="en-US" baseline="0" dirty="0" smtClean="0"/>
+          </a:p>
+          <a:p>
+            <a:endParaRPr lang="en-US" baseline="0" dirty="0" smtClean="0"/>
+          </a:p>
+          <a:p>
+            <a:r>
+              <a:rPr lang="en-US" baseline="0" dirty="0" err="1" smtClean="0"/>
+              <a:t>WebSockets</a:t>
+            </a:r>
+            <a:endParaRPr lang="en-US" baseline="0" dirty="0" smtClean="0"/>
+          </a:p>
+          <a:p>
+            <a:endParaRPr lang="en-US" baseline="0" dirty="0" smtClean="0"/>
+          </a:p>
+          <a:p>
+            <a:r>
+              <a:rPr lang="en-US" baseline="0" dirty="0" smtClean="0"/>
+              <a:t>http://html5labs.interoperabilitybridges.com/prototypes/</a:t>
+            </a:r>
+            <a:r>
+              <a:rPr lang="en-US" baseline="0" dirty="0" err="1" smtClean="0"/>
+              <a:t>websockets</a:t>
+            </a:r>
+            <a:r>
+              <a:rPr lang="en-US" baseline="0" dirty="0" smtClean="0"/>
+              <a:t>/</a:t>
+            </a:r>
+            <a:r>
+              <a:rPr lang="en-US" baseline="0" dirty="0" err="1" smtClean="0"/>
+              <a:t>websockets</a:t>
+            </a:r>
+            <a:r>
+              <a:rPr lang="en-US" baseline="0" dirty="0" smtClean="0"/>
+              <a:t>/info</a:t>
+            </a:r>
+          </a:p>
+          <a:p>
+            <a:endParaRPr lang="en-US" baseline="0" dirty="0" smtClean="0"/>
+          </a:p>
+          <a:p>
+            <a:r>
+              <a:rPr lang="en-US" baseline="0" dirty="0" smtClean="0"/>
+              <a:t>http://html5labs.cloudapp.net/</a:t>
+            </a:r>
+            <a:r>
+              <a:rPr lang="en-US" baseline="0" dirty="0" err="1" smtClean="0"/>
+              <a:t>WebSockets</a:t>
+            </a:r>
+            <a:r>
+              <a:rPr lang="en-US" baseline="0" dirty="0" smtClean="0"/>
+              <a:t>/</a:t>
+            </a:r>
+            <a:r>
+              <a:rPr lang="en-US" baseline="0" dirty="0" err="1" smtClean="0"/>
+              <a:t>ChatDemo</a:t>
+            </a:r>
+            <a:r>
+              <a:rPr lang="en-US" baseline="0" dirty="0" smtClean="0"/>
+              <a:t>/</a:t>
+            </a:r>
+            <a:r>
+              <a:rPr lang="en-US" baseline="0" dirty="0" err="1" smtClean="0"/>
+              <a:t>wsdemo.html</a:t>
+            </a:r>
+            <a:endParaRPr lang="en-US" baseline="0" dirty="0" smtClean="0"/>
+          </a:p>
+          <a:p>
+            <a:endParaRPr lang="en-US" baseline="0" dirty="0" smtClean="0"/>
+          </a:p>
+          <a:p>
+            <a:endParaRPr lang="en-US" baseline="0" dirty="0" smtClean="0"/>
           </a:p>
         </p:txBody>
       </p:sp>
@@ -672,7 +778,7 @@
     </p:spTree>
     <p:extLst>
       <p:ext uri="{BB962C8B-B14F-4D97-AF65-F5344CB8AC3E}">
-        <p14:creationId xmlns:p14="http://schemas.microsoft.com/office/powerpoint/2010/main" val="4261825585"/>
+        <p14:creationId xmlns:p14="http://schemas.microsoft.com/office/powerpoint/2010/main" val="2799583424"/>
       </p:ext>
     </p:extLst>
   </p:cSld>
@@ -728,29 +834,11 @@
           <a:p>
             <a:r>
               <a:rPr lang="en-US" dirty="0" smtClean="0"/>
-              <a:t>Local storage is targeted</a:t>
+              <a:t>Next up, storage. W</a:t>
             </a:r>
             <a:r>
               <a:rPr lang="en-US" baseline="0" dirty="0" smtClean="0"/>
-              <a:t> at providing you the developer with a way to capture and store user-specific data in the users browser, without transmitting that information back to the server. These things are scoped only to a domain, and live beyond the browser session, meaning you can pull and use them long after the user leaves the site. Note, as in the example here, that you can access localStorage both via getItem and setItem functions, or access the value directly using the key.</a:t>
-            </a:r>
-          </a:p>
-          <a:p>
-            <a:endParaRPr lang="en-US" baseline="0" dirty="0" smtClean="0"/>
-          </a:p>
-          <a:p>
-            <a:r>
-              <a:rPr lang="en-US" baseline="0" dirty="0" smtClean="0"/>
-              <a:t>Local storage is supported in all major browsers, and has support in IE in versions 8 AND 9. What’s more, if you want to adopt Storage more broadly, there are polyfilling options that enable you to use localStorage all the way back to IE5.</a:t>
-            </a:r>
-          </a:p>
-          <a:p>
-            <a:endParaRPr lang="en-US" baseline="0" dirty="0" smtClean="0"/>
-          </a:p>
-          <a:p>
-            <a:r>
-              <a:rPr lang="en-US" baseline="0" dirty="0" smtClean="0"/>
-              <a:t>[Image captured from my computer]</a:t>
+              <a:t>ho still fights with cookies on their sites? HTML5 introduces a new key/value storage mechanism often referred to cookies on steroids. They’re not cookies, though, because you have more space for local storage (up to 5mb), and the storage items are not transferred back to the server on each request, as cookies are, so using them wont slow down your site.</a:t>
             </a:r>
             <a:endParaRPr lang="en-US" dirty="0"/>
           </a:p>
@@ -783,7 +871,7 @@
     </p:spTree>
     <p:extLst>
       <p:ext uri="{BB962C8B-B14F-4D97-AF65-F5344CB8AC3E}">
-        <p14:creationId xmlns:p14="http://schemas.microsoft.com/office/powerpoint/2010/main" val="3523283065"/>
+        <p14:creationId xmlns:p14="http://schemas.microsoft.com/office/powerpoint/2010/main" val="4261825585"/>
       </p:ext>
     </p:extLst>
   </p:cSld>
@@ -838,20 +926,30 @@
           <a:lstStyle/>
           <a:p>
             <a:r>
-              <a:rPr lang="en-US" dirty="0" err="1" smtClean="0"/>
-              <a:t>IndexedDB</a:t>
+              <a:rPr lang="en-US" dirty="0" smtClean="0"/>
+              <a:t>Local storage is targeted</a:t>
             </a:r>
             <a:r>
               <a:rPr lang="en-US" baseline="0" dirty="0" smtClean="0"/>
-              <a:t> is a W3C draft specification for the storage of large amounts of structured data in the browser, using indexes that allow for high performance searches on this data. </a:t>
-            </a:r>
-            <a:r>
-              <a:rPr lang="en-US" baseline="0" dirty="0" err="1" smtClean="0"/>
-              <a:t>IndexedDB</a:t>
-            </a:r>
+              <a:t> at providing you the developer with a way to capture and store user-specific data in the users browser, without transmitting that information back to the server. These things are scoped only to a domain, and live beyond the browser session, meaning you can pull and use them long after the user leaves the site. Note, as in the example here, that you can access localStorage both via getItem and setItem functions, or access the value directly using the key.</a:t>
+            </a:r>
+          </a:p>
+          <a:p>
+            <a:endParaRPr lang="en-US" baseline="0" dirty="0" smtClean="0"/>
+          </a:p>
+          <a:p>
             <a:r>
               <a:rPr lang="en-US" baseline="0" dirty="0" smtClean="0"/>
-              <a:t> can be used for browser-implemented functions like bookmarks, and as a client-side cache for web apps like email.</a:t>
+              <a:t>Local storage is supported in all major browsers, and has support in IE in versions 8 AND 9. What’s more, if you want to adopt Storage more broadly, there are polyfilling options that enable you to use localStorage all the way back to IE5.</a:t>
+            </a:r>
+          </a:p>
+          <a:p>
+            <a:endParaRPr lang="en-US" baseline="0" dirty="0" smtClean="0"/>
+          </a:p>
+          <a:p>
+            <a:r>
+              <a:rPr lang="en-US" baseline="0" dirty="0" smtClean="0"/>
+              <a:t>[Image captured from my computer]</a:t>
             </a:r>
             <a:endParaRPr lang="en-US" dirty="0"/>
           </a:p>
@@ -875,7 +973,7 @@
             <a:fld id="{8B263312-38AA-4E1E-B2B5-0F8F122B24FE}" type="slidenum">
               <a:rPr lang="en-US" smtClean="0"/>
               <a:pPr/>
-              <a:t>21</a:t>
+              <a:t>20</a:t>
             </a:fld>
             <a:endParaRPr lang="en-US" dirty="0"/>
           </a:p>
@@ -939,12 +1037,12 @@
           <a:lstStyle/>
           <a:p>
             <a:r>
-              <a:rPr lang="en-US" dirty="0" smtClean="0"/>
-              <a:t>Let’s take a look at leveraging localStorage</a:t>
+              <a:rPr lang="en-US" dirty="0" err="1" smtClean="0"/>
+              <a:t>IndexedDB</a:t>
             </a:r>
             <a:r>
               <a:rPr lang="en-US" baseline="0" dirty="0" smtClean="0"/>
-              <a:t> by adding the capability of saving user preferences locally in the browser, and then loading those. [Be ready to speak to security of these items (sandboxed to site, etc.)]. No need to demo </a:t>
+              <a:t> is a W3C draft specification for the storage of large amounts of structured data in the browser, using indexes that allow for high performance searches on this data. </a:t>
             </a:r>
             <a:r>
               <a:rPr lang="en-US" baseline="0" dirty="0" err="1" smtClean="0"/>
@@ -952,8 +1050,9 @@
             </a:r>
             <a:r>
               <a:rPr lang="en-US" baseline="0" dirty="0" smtClean="0"/>
-              <a:t> here</a:t>
-            </a:r>
+              <a:t> can be used for browser-implemented functions like bookmarks, and as a client-side cache for web apps like email.</a:t>
+            </a:r>
+            <a:endParaRPr lang="en-US" dirty="0"/>
           </a:p>
         </p:txBody>
       </p:sp>
@@ -975,7 +1074,7 @@
             <a:fld id="{8B263312-38AA-4E1E-B2B5-0F8F122B24FE}" type="slidenum">
               <a:rPr lang="en-US" smtClean="0"/>
               <a:pPr/>
-              <a:t>23</a:t>
+              <a:t>22</a:t>
             </a:fld>
             <a:endParaRPr lang="en-US" dirty="0"/>
           </a:p>
@@ -984,7 +1083,7 @@
     </p:spTree>
     <p:extLst>
       <p:ext uri="{BB962C8B-B14F-4D97-AF65-F5344CB8AC3E}">
-        <p14:creationId xmlns:p14="http://schemas.microsoft.com/office/powerpoint/2010/main" val="2799583424"/>
+        <p14:creationId xmlns:p14="http://schemas.microsoft.com/office/powerpoint/2010/main" val="3523283065"/>
       </p:ext>
     </p:extLst>
   </p:cSld>
@@ -1038,7 +1137,22 @@
           <a:bodyPr/>
           <a:lstStyle/>
           <a:p>
-            <a:endParaRPr lang="en-US" dirty="0"/>
+            <a:r>
+              <a:rPr lang="en-US" dirty="0" smtClean="0"/>
+              <a:t>Let’s take a look at leveraging localStorage</a:t>
+            </a:r>
+            <a:r>
+              <a:rPr lang="en-US" baseline="0" dirty="0" smtClean="0"/>
+              <a:t> by adding the capability of saving user preferences locally in the browser, and then loading those. [Be ready to speak to security of these items (sandboxed to site, etc.)]. No need to demo </a:t>
+            </a:r>
+            <a:r>
+              <a:rPr lang="en-US" baseline="0" dirty="0" err="1" smtClean="0"/>
+              <a:t>IndexedDB</a:t>
+            </a:r>
+            <a:r>
+              <a:rPr lang="en-US" baseline="0" dirty="0" smtClean="0"/>
+              <a:t> here</a:t>
+            </a:r>
           </a:p>
         </p:txBody>
       </p:sp>
@@ -1057,18 +1171,19 @@
           <a:bodyPr/>
           <a:lstStyle/>
           <a:p>
-            <a:fld id="{3CF65C51-ACD0-EB42-9E75-DB57B27F6178}" type="slidenum">
+            <a:fld id="{8B263312-38AA-4E1E-B2B5-0F8F122B24FE}" type="slidenum">
               <a:rPr lang="en-US" smtClean="0"/>
-              <a:t>25</a:t>
+              <a:pPr/>
+              <a:t>24</a:t>
             </a:fld>
-            <a:endParaRPr lang="en-US"/>
+            <a:endParaRPr lang="en-US" dirty="0"/>
           </a:p>
         </p:txBody>
       </p:sp>
     </p:spTree>
     <p:extLst>
       <p:ext uri="{BB962C8B-B14F-4D97-AF65-F5344CB8AC3E}">
-        <p14:creationId xmlns:p14="http://schemas.microsoft.com/office/powerpoint/2010/main" val="1703694169"/>
+        <p14:creationId xmlns:p14="http://schemas.microsoft.com/office/powerpoint/2010/main" val="2799583424"/>
       </p:ext>
     </p:extLst>
   </p:cSld>
@@ -1290,27 +1405,6 @@
           <a:bodyPr/>
           <a:lstStyle/>
           <a:p>
-            <a:pPr marL="0" indent="0">
-              <a:buNone/>
-            </a:pPr>
-            <a:endParaRPr lang="en-US" baseline="0" dirty="0" smtClean="0"/>
-          </a:p>
-          <a:p>
-            <a:pPr marL="0" indent="0">
-              <a:buNone/>
-            </a:pPr>
-            <a:r>
-              <a:rPr lang="en-US" dirty="0" smtClean="0">
-                <a:hlinkClick r:id="rId3"/>
-              </a:rPr>
-              <a:t>http://ie.microsoft.com/testdrive/HTML5/CORSUpload/</a:t>
-            </a:r>
-            <a:endParaRPr lang="en-US" dirty="0" smtClean="0"/>
-          </a:p>
-          <a:p>
-            <a:pPr marL="228600" indent="-228600">
-              <a:buAutoNum type="arabicParenR"/>
-            </a:pPr>
             <a:endParaRPr lang="en-US" dirty="0"/>
           </a:p>
         </p:txBody>
@@ -1330,19 +1424,18 @@
           <a:bodyPr/>
           <a:lstStyle/>
           <a:p>
-            <a:fld id="{8B263312-38AA-4E1E-B2B5-0F8F122B24FE}" type="slidenum">
+            <a:fld id="{3CF65C51-ACD0-EB42-9E75-DB57B27F6178}" type="slidenum">
               <a:rPr lang="en-US" smtClean="0"/>
-              <a:pPr/>
-              <a:t>29</a:t>
+              <a:t>28</a:t>
             </a:fld>
-            <a:endParaRPr lang="en-US" dirty="0"/>
+            <a:endParaRPr lang="en-US"/>
           </a:p>
         </p:txBody>
       </p:sp>
     </p:spTree>
     <p:extLst>
       <p:ext uri="{BB962C8B-B14F-4D97-AF65-F5344CB8AC3E}">
-        <p14:creationId xmlns:p14="http://schemas.microsoft.com/office/powerpoint/2010/main" val="2785940683"/>
+        <p14:creationId xmlns:p14="http://schemas.microsoft.com/office/powerpoint/2010/main" val="1703694169"/>
       </p:ext>
     </p:extLst>
   </p:cSld>
@@ -1396,6 +1489,112 @@
           <a:bodyPr/>
           <a:lstStyle/>
           <a:p>
+            <a:pPr marL="0" indent="0">
+              <a:buNone/>
+            </a:pPr>
+            <a:endParaRPr lang="en-US" baseline="0" dirty="0" smtClean="0"/>
+          </a:p>
+          <a:p>
+            <a:pPr marL="0" indent="0">
+              <a:buNone/>
+            </a:pPr>
+            <a:r>
+              <a:rPr lang="en-US" dirty="0" smtClean="0">
+                <a:hlinkClick r:id="rId3"/>
+              </a:rPr>
+              <a:t>http://ie.microsoft.com/testdrive/HTML5/CORSUpload/</a:t>
+            </a:r>
+            <a:endParaRPr lang="en-US" dirty="0" smtClean="0"/>
+          </a:p>
+          <a:p>
+            <a:pPr marL="228600" indent="-228600">
+              <a:buAutoNum type="arabicParenR"/>
+            </a:pPr>
+            <a:endParaRPr lang="en-US" dirty="0"/>
+          </a:p>
+        </p:txBody>
+      </p:sp>
+      <p:sp>
+        <p:nvSpPr>
+          <p:cNvPr id="4" name="Slide Number Placeholder 3"/>
+          <p:cNvSpPr>
+            <a:spLocks noGrp="1"/>
+          </p:cNvSpPr>
+          <p:nvPr>
+            <p:ph type="sldNum" sz="quarter" idx="10"/>
+          </p:nvPr>
+        </p:nvSpPr>
+        <p:spPr/>
+        <p:txBody>
+          <a:bodyPr/>
+          <a:lstStyle/>
+          <a:p>
+            <a:fld id="{8B263312-38AA-4E1E-B2B5-0F8F122B24FE}" type="slidenum">
+              <a:rPr lang="en-US" smtClean="0"/>
+              <a:pPr/>
+              <a:t>30</a:t>
+            </a:fld>
+            <a:endParaRPr lang="en-US" dirty="0"/>
+          </a:p>
+        </p:txBody>
+      </p:sp>
+    </p:spTree>
+    <p:extLst>
+      <p:ext uri="{BB962C8B-B14F-4D97-AF65-F5344CB8AC3E}">
+        <p14:creationId xmlns:p14="http://schemas.microsoft.com/office/powerpoint/2010/main" val="2785940683"/>
+      </p:ext>
+    </p:extLst>
+  </p:cSld>
+  <p:clrMapOvr>
+    <a:masterClrMapping/>
+  </p:clrMapOvr>
+</p:notes>
+</file>
+
+<file path=ppt/notesSlides/notesSlide19.xml><?xml version="1.0" encoding="utf-8"?>
+<p:notes xmlns:a="http://schemas.openxmlformats.org/drawingml/2006/main" xmlns:r="http://schemas.openxmlformats.org/officeDocument/2006/relationships" xmlns:p="http://schemas.openxmlformats.org/presentationml/2006/main">
+  <p:cSld>
+    <p:spTree>
+      <p:nvGrpSpPr>
+        <p:cNvPr id="1" name=""/>
+        <p:cNvGrpSpPr/>
+        <p:nvPr/>
+      </p:nvGrpSpPr>
+      <p:grpSpPr>
+        <a:xfrm>
+          <a:off x="0" y="0"/>
+          <a:ext cx="0" cy="0"/>
+          <a:chOff x="0" y="0"/>
+          <a:chExt cx="0" cy="0"/>
+        </a:xfrm>
+      </p:grpSpPr>
+      <p:sp>
+        <p:nvSpPr>
+          <p:cNvPr id="2" name="Slide Image Placeholder 1"/>
+          <p:cNvSpPr>
+            <a:spLocks noGrp="1" noRot="1" noChangeAspect="1"/>
+          </p:cNvSpPr>
+          <p:nvPr>
+            <p:ph type="sldImg"/>
+          </p:nvPr>
+        </p:nvSpPr>
+        <p:spPr/>
+      </p:sp>
+      <p:sp>
+        <p:nvSpPr>
+          <p:cNvPr id="3" name="Notes Placeholder 2"/>
+          <p:cNvSpPr>
+            <a:spLocks noGrp="1"/>
+          </p:cNvSpPr>
+          <p:nvPr>
+            <p:ph type="body" idx="1"/>
+          </p:nvPr>
+        </p:nvSpPr>
+        <p:spPr/>
+        <p:txBody>
+          <a:bodyPr/>
+          <a:lstStyle/>
+          <a:p>
             <a:pPr marL="0" marR="0" indent="0" algn="l" defTabSz="457200" rtl="0" eaLnBrk="1" fontAlgn="auto" latinLnBrk="0" hangingPunct="1">
               <a:lnSpc>
                 <a:spcPct val="100000"/>
@@ -1459,7 +1658,7 @@
             <a:fld id="{8B263312-38AA-4E1E-B2B5-0F8F122B24FE}" type="slidenum">
               <a:rPr lang="en-US" smtClean="0"/>
               <a:pPr/>
-              <a:t>31</a:t>
+              <a:t>32</a:t>
             </a:fld>
             <a:endParaRPr lang="en-US" dirty="0"/>
           </a:p>
@@ -1630,8 +1829,52 @@
             </a:r>
             <a:r>
               <a:rPr lang="en-US" baseline="0" dirty="0" smtClean="0"/>
-              <a:t> quickly add Geolocation (with fallback and graceful degradation) to our site.</a:t>
-            </a:r>
+              <a:t> quickly add Geolocation (with fallback and graceful degradation) to our site</a:t>
+            </a:r>
+            <a:r>
+              <a:rPr lang="en-US" baseline="0" dirty="0" smtClean="0"/>
+              <a:t>.</a:t>
+            </a:r>
+          </a:p>
+          <a:p>
+            <a:endParaRPr lang="en-US" baseline="0" dirty="0" smtClean="0"/>
+          </a:p>
+          <a:p>
+            <a:r>
+              <a:rPr lang="en-US" dirty="0" smtClean="0"/>
+              <a:t>http://</a:t>
+            </a:r>
+            <a:r>
+              <a:rPr lang="en-US" dirty="0" err="1" smtClean="0"/>
+              <a:t>ie.microsoft.com</a:t>
+            </a:r>
+            <a:r>
+              <a:rPr lang="en-US" dirty="0" smtClean="0"/>
+              <a:t>/</a:t>
+            </a:r>
+            <a:r>
+              <a:rPr lang="en-US" dirty="0" err="1" smtClean="0"/>
+              <a:t>testdrive</a:t>
+            </a:r>
+            <a:r>
+              <a:rPr lang="en-US" dirty="0" smtClean="0"/>
+              <a:t>/HTML5/</a:t>
+            </a:r>
+            <a:r>
+              <a:rPr lang="en-US" dirty="0" err="1" smtClean="0"/>
+              <a:t>Geolocation</a:t>
+            </a:r>
+            <a:r>
+              <a:rPr lang="en-US" dirty="0" smtClean="0"/>
+              <a:t>/</a:t>
+            </a:r>
+            <a:r>
+              <a:rPr lang="en-US" dirty="0" err="1" smtClean="0"/>
+              <a:t>Default.html</a:t>
+            </a:r>
+            <a:endParaRPr lang="en-US" dirty="0" smtClean="0"/>
+          </a:p>
+          <a:p>
             <a:endParaRPr lang="en-US" dirty="0" smtClean="0"/>
           </a:p>
         </p:txBody>
@@ -2127,62 +2370,6 @@
           <a:bodyPr/>
           <a:lstStyle/>
           <a:p>
-            <a:r>
-              <a:rPr lang="en-US" dirty="0" smtClean="0"/>
-              <a:t>Web Sockets are a </a:t>
-            </a:r>
-            <a:r>
-              <a:rPr lang="en-US" sz="900" b="0" i="0" kern="1200" dirty="0" smtClean="0">
-                <a:solidFill>
-                  <a:schemeClr val="tx1"/>
-                </a:solidFill>
-                <a:effectLst/>
-                <a:latin typeface="Segoe UI" pitchFamily="34" charset="0"/>
-                <a:ea typeface="+mn-ea"/>
-                <a:cs typeface="+mn-cs"/>
-              </a:rPr>
-              <a:t>Full-duplex, bi-directional communication over the Web: Both the server and client can send data at any time, or even at the same time. Only the data itself is sent, without the overhead of HTTP headers, dramatically reducing bandwidth. </a:t>
-            </a:r>
-          </a:p>
-          <a:p>
-            <a:r>
-              <a:rPr lang="en-US" sz="900" b="0" i="0" kern="1200" dirty="0" smtClean="0">
-                <a:solidFill>
-                  <a:schemeClr val="tx1"/>
-                </a:solidFill>
-                <a:effectLst/>
-                <a:latin typeface="Segoe UI" pitchFamily="34" charset="0"/>
-                <a:ea typeface="+mn-ea"/>
-                <a:cs typeface="+mn-cs"/>
-              </a:rPr>
-              <a:t>Web Sockets has been the subject of a lot of press</a:t>
-            </a:r>
-            <a:r>
-              <a:rPr lang="en-US" sz="900" b="0" i="0" kern="1200" baseline="0" dirty="0" smtClean="0">
-                <a:solidFill>
-                  <a:schemeClr val="tx1"/>
-                </a:solidFill>
-                <a:effectLst/>
-                <a:latin typeface="Segoe UI" pitchFamily="34" charset="0"/>
-                <a:ea typeface="+mn-ea"/>
-                <a:cs typeface="+mn-cs"/>
-              </a:rPr>
-              <a:t> and debate due to its early inclusion and subsequent removal from some browsers, but the technology isn’t gone. In fact, it’s being actively worked on by two standards bodies as we speak. Microsoft has published several updates to our demo Web Sockets implementation, and continues to update the demo with each publication of the specification. Try it out for yourself at HTML5Labs.com</a:t>
-            </a:r>
-            <a:endParaRPr lang="en-US" dirty="0" smtClean="0"/>
-          </a:p>
-          <a:p>
-            <a:endParaRPr lang="en-US" dirty="0" smtClean="0"/>
-          </a:p>
-          <a:p>
-            <a:r>
-              <a:rPr lang="en-US" dirty="0" smtClean="0"/>
-              <a:t>Web</a:t>
-            </a:r>
-            <a:r>
-              <a:rPr lang="en-US" baseline="0" dirty="0" smtClean="0"/>
-              <a:t> sockets are accessed through the WebSocket object. Sites open a socket at an end point, send messages and respond to new messages. </a:t>
-            </a:r>
             <a:endParaRPr lang="en-US" dirty="0"/>
           </a:p>
         </p:txBody>
@@ -2202,19 +2389,18 @@
           <a:bodyPr/>
           <a:lstStyle/>
           <a:p>
-            <a:fld id="{8B263312-38AA-4E1E-B2B5-0F8F122B24FE}" type="slidenum">
+            <a:fld id="{3CF65C51-ACD0-EB42-9E75-DB57B27F6178}" type="slidenum">
               <a:rPr lang="en-US" smtClean="0"/>
-              <a:pPr/>
-              <a:t>15</a:t>
+              <a:t>14</a:t>
             </a:fld>
-            <a:endParaRPr lang="en-US" dirty="0"/>
+            <a:endParaRPr lang="en-US"/>
           </a:p>
         </p:txBody>
       </p:sp>
     </p:spTree>
     <p:extLst>
       <p:ext uri="{BB962C8B-B14F-4D97-AF65-F5344CB8AC3E}">
-        <p14:creationId xmlns:p14="http://schemas.microsoft.com/office/powerpoint/2010/main" val="3523283065"/>
+        <p14:creationId xmlns:p14="http://schemas.microsoft.com/office/powerpoint/2010/main" val="3471630040"/>
       </p:ext>
     </p:extLst>
   </p:cSld>
@@ -2268,7 +2454,63 @@
           <a:bodyPr/>
           <a:lstStyle/>
           <a:p>
-            <a:endParaRPr lang="en-US" baseline="0" dirty="0" smtClean="0"/>
+            <a:r>
+              <a:rPr lang="en-US" dirty="0" smtClean="0"/>
+              <a:t>Web Sockets are a </a:t>
+            </a:r>
+            <a:r>
+              <a:rPr lang="en-US" sz="900" b="0" i="0" kern="1200" dirty="0" smtClean="0">
+                <a:solidFill>
+                  <a:schemeClr val="tx1"/>
+                </a:solidFill>
+                <a:effectLst/>
+                <a:latin typeface="Segoe UI" pitchFamily="34" charset="0"/>
+                <a:ea typeface="+mn-ea"/>
+                <a:cs typeface="+mn-cs"/>
+              </a:rPr>
+              <a:t>Full-duplex, bi-directional communication over the Web: Both the server and client can send data at any time, or even at the same time. Only the data itself is sent, without the overhead of HTTP headers, dramatically reducing bandwidth. </a:t>
+            </a:r>
+          </a:p>
+          <a:p>
+            <a:r>
+              <a:rPr lang="en-US" sz="900" b="0" i="0" kern="1200" dirty="0" smtClean="0">
+                <a:solidFill>
+                  <a:schemeClr val="tx1"/>
+                </a:solidFill>
+                <a:effectLst/>
+                <a:latin typeface="Segoe UI" pitchFamily="34" charset="0"/>
+                <a:ea typeface="+mn-ea"/>
+                <a:cs typeface="+mn-cs"/>
+              </a:rPr>
+              <a:t>Web Sockets has been the subject of a lot of press</a:t>
+            </a:r>
+            <a:r>
+              <a:rPr lang="en-US" sz="900" b="0" i="0" kern="1200" baseline="0" dirty="0" smtClean="0">
+                <a:solidFill>
+                  <a:schemeClr val="tx1"/>
+                </a:solidFill>
+                <a:effectLst/>
+                <a:latin typeface="Segoe UI" pitchFamily="34" charset="0"/>
+                <a:ea typeface="+mn-ea"/>
+                <a:cs typeface="+mn-cs"/>
+              </a:rPr>
+              <a:t> and debate due to its early inclusion and subsequent removal from some browsers, but the technology isn’t gone. In fact, it’s being actively worked on by two standards bodies as we speak. Microsoft has published several updates to our demo Web Sockets implementation, and continues to update the demo with each publication of the specification. Try it out for yourself at HTML5Labs.com</a:t>
+            </a:r>
+            <a:endParaRPr lang="en-US" dirty="0" smtClean="0"/>
+          </a:p>
+          <a:p>
+            <a:endParaRPr lang="en-US" dirty="0" smtClean="0"/>
+          </a:p>
+          <a:p>
+            <a:r>
+              <a:rPr lang="en-US" dirty="0" smtClean="0"/>
+              <a:t>Web</a:t>
+            </a:r>
+            <a:r>
+              <a:rPr lang="en-US" baseline="0" dirty="0" smtClean="0"/>
+              <a:t> sockets are accessed through the WebSocket object. Sites open a socket at an end point, send messages and respond to new messages. </a:t>
+            </a:r>
+            <a:endParaRPr lang="en-US" dirty="0"/>
           </a:p>
         </p:txBody>
       </p:sp>
@@ -2290,7 +2532,7 @@
             <a:fld id="{8B263312-38AA-4E1E-B2B5-0F8F122B24FE}" type="slidenum">
               <a:rPr lang="en-US" smtClean="0"/>
               <a:pPr/>
-              <a:t>17</a:t>
+              <a:t>16</a:t>
             </a:fld>
             <a:endParaRPr lang="en-US" dirty="0"/>
           </a:p>
@@ -2299,7 +2541,7 @@
     </p:spTree>
     <p:extLst>
       <p:ext uri="{BB962C8B-B14F-4D97-AF65-F5344CB8AC3E}">
-        <p14:creationId xmlns:p14="http://schemas.microsoft.com/office/powerpoint/2010/main" val="2799583424"/>
+        <p14:creationId xmlns:p14="http://schemas.microsoft.com/office/powerpoint/2010/main" val="3523283065"/>
       </p:ext>
     </p:extLst>
   </p:cSld>
@@ -2520,13 +2762,13 @@
   <p:clrMapOvr>
     <a:masterClrMapping/>
   </p:clrMapOvr>
-  <p:transition>
+  <p:transition xmlns:p14="http://schemas.microsoft.com/office/powerpoint/2010/main">
     <p:fade/>
   </p:transition>
   <p:timing>
     <p:tnLst>
       <p:par>
-        <p:cTn id="1" dur="indefinite" restart="never" nodeType="tmRoot"/>
+        <p:cTn xmlns:p14="http://schemas.microsoft.com/office/powerpoint/2010/main" id="1" dur="indefinite" restart="never" nodeType="tmRoot"/>
       </p:par>
     </p:tnLst>
   </p:timing>
@@ -2695,7 +2937,7 @@
   <p:clrMapOvr>
     <a:masterClrMapping/>
   </p:clrMapOvr>
-  <p:transition>
+  <p:transition xmlns:p14="http://schemas.microsoft.com/office/powerpoint/2010/main">
     <p:fade/>
   </p:transition>
 </p:sldLayout>
@@ -2995,13 +3237,13 @@
   <p:clrMapOvr>
     <a:masterClrMapping/>
   </p:clrMapOvr>
-  <p:transition>
+  <p:transition xmlns:p14="http://schemas.microsoft.com/office/powerpoint/2010/main">
     <p:fade/>
   </p:transition>
   <p:timing>
     <p:tnLst>
       <p:par>
-        <p:cTn id="1" dur="indefinite" restart="never" nodeType="tmRoot"/>
+        <p:cTn xmlns:p14="http://schemas.microsoft.com/office/powerpoint/2010/main" id="1" dur="indefinite" restart="never" nodeType="tmRoot"/>
       </p:par>
     </p:tnLst>
   </p:timing>
@@ -3414,7 +3656,7 @@
   <p:clrMapOvr>
     <a:masterClrMapping/>
   </p:clrMapOvr>
-  <p:transition>
+  <p:transition xmlns:p14="http://schemas.microsoft.com/office/powerpoint/2010/main">
     <p:fade/>
   </p:transition>
 </p:sldLayout>
@@ -3474,13 +3716,13 @@
   <p:clrMapOvr>
     <a:masterClrMapping/>
   </p:clrMapOvr>
-  <p:transition>
+  <p:transition xmlns:p14="http://schemas.microsoft.com/office/powerpoint/2010/main">
     <p:fade/>
   </p:transition>
   <p:timing>
     <p:tnLst>
       <p:par>
-        <p:cTn id="1" dur="indefinite" restart="never" nodeType="tmRoot"/>
+        <p:cTn xmlns:p14="http://schemas.microsoft.com/office/powerpoint/2010/main" id="1" dur="indefinite" restart="never" nodeType="tmRoot"/>
       </p:par>
     </p:tnLst>
   </p:timing>
@@ -3514,7 +3756,7 @@
   <p:clrMapOvr>
     <a:masterClrMapping/>
   </p:clrMapOvr>
-  <p:transition>
+  <p:transition xmlns:p14="http://schemas.microsoft.com/office/powerpoint/2010/main">
     <p:fade/>
   </p:transition>
 </p:sldLayout>
@@ -3561,13 +3803,13 @@
   <p:clrMapOvr>
     <a:masterClrMapping/>
   </p:clrMapOvr>
-  <p:transition>
+  <p:transition xmlns:p14="http://schemas.microsoft.com/office/powerpoint/2010/main">
     <p:fade/>
   </p:transition>
   <p:timing>
     <p:tnLst>
       <p:par>
-        <p:cTn id="1" dur="indefinite" restart="never" nodeType="tmRoot"/>
+        <p:cTn xmlns:p14="http://schemas.microsoft.com/office/powerpoint/2010/main" id="1" dur="indefinite" restart="never" nodeType="tmRoot"/>
       </p:par>
     </p:tnLst>
   </p:timing>
@@ -3620,13 +3862,13 @@
   <p:clrMapOvr>
     <a:masterClrMapping/>
   </p:clrMapOvr>
-  <p:transition>
+  <p:transition xmlns:p14="http://schemas.microsoft.com/office/powerpoint/2010/main">
     <p:fade/>
   </p:transition>
   <p:timing>
     <p:tnLst>
       <p:par>
-        <p:cTn id="1" dur="indefinite" restart="never" nodeType="tmRoot"/>
+        <p:cTn xmlns:p14="http://schemas.microsoft.com/office/powerpoint/2010/main" id="1" dur="indefinite" restart="never" nodeType="tmRoot"/>
       </p:par>
     </p:tnLst>
   </p:timing>
@@ -3871,7 +4113,7 @@
   <p:clrMapOvr>
     <a:masterClrMapping/>
   </p:clrMapOvr>
-  <p:transition>
+  <p:transition xmlns:p14="http://schemas.microsoft.com/office/powerpoint/2010/main">
     <p:fade/>
   </p:transition>
 </p:sldLayout>
@@ -4167,7 +4409,7 @@
   <p:clrMapOvr>
     <a:masterClrMapping/>
   </p:clrMapOvr>
-  <p:transition>
+  <p:transition xmlns:p14="http://schemas.microsoft.com/office/powerpoint/2010/main">
     <p:fade/>
   </p:transition>
 </p:sldLayout>
@@ -4335,13 +4577,13 @@
   <p:clrMapOvr>
     <a:masterClrMapping/>
   </p:clrMapOvr>
-  <p:transition>
+  <p:transition xmlns:p14="http://schemas.microsoft.com/office/powerpoint/2010/main">
     <p:fade/>
   </p:transition>
   <p:timing>
     <p:tnLst>
       <p:par>
-        <p:cTn id="1" dur="indefinite" restart="never" nodeType="tmRoot"/>
+        <p:cTn xmlns:p14="http://schemas.microsoft.com/office/powerpoint/2010/main" id="1" dur="indefinite" restart="never" nodeType="tmRoot"/>
       </p:par>
     </p:tnLst>
   </p:timing>
@@ -4617,7 +4859,7 @@
   <p:clrMapOvr>
     <a:masterClrMapping/>
   </p:clrMapOvr>
-  <p:transition>
+  <p:transition xmlns:p14="http://schemas.microsoft.com/office/powerpoint/2010/main">
     <p:fade/>
   </p:transition>
 </p:sldLayout>
@@ -4790,13 +5032,13 @@
   <p:clrMapOvr>
     <a:masterClrMapping/>
   </p:clrMapOvr>
-  <p:transition>
+  <p:transition xmlns:p14="http://schemas.microsoft.com/office/powerpoint/2010/main">
     <p:fade/>
   </p:transition>
   <p:timing>
     <p:tnLst>
       <p:par>
-        <p:cTn id="1" dur="indefinite" restart="never" nodeType="tmRoot"/>
+        <p:cTn xmlns:p14="http://schemas.microsoft.com/office/powerpoint/2010/main" id="1" dur="indefinite" restart="never" nodeType="tmRoot"/>
       </p:par>
     </p:tnLst>
   </p:timing>
@@ -5014,13 +5256,13 @@
   <p:clrMapOvr>
     <a:masterClrMapping/>
   </p:clrMapOvr>
-  <p:transition>
+  <p:transition xmlns:p14="http://schemas.microsoft.com/office/powerpoint/2010/main">
     <p:fade/>
   </p:transition>
   <p:timing>
     <p:tnLst>
       <p:par>
-        <p:cTn id="1" dur="indefinite" restart="never" nodeType="tmRoot"/>
+        <p:cTn xmlns:p14="http://schemas.microsoft.com/office/powerpoint/2010/main" id="1" dur="indefinite" restart="never" nodeType="tmRoot"/>
       </p:par>
     </p:tnLst>
   </p:timing>
@@ -5238,13 +5480,13 @@
   <p:clrMapOvr>
     <a:masterClrMapping/>
   </p:clrMapOvr>
-  <p:transition>
+  <p:transition xmlns:p14="http://schemas.microsoft.com/office/powerpoint/2010/main">
     <p:fade/>
   </p:transition>
   <p:timing>
     <p:tnLst>
       <p:par>
-        <p:cTn id="1" dur="indefinite" restart="never" nodeType="tmRoot"/>
+        <p:cTn xmlns:p14="http://schemas.microsoft.com/office/powerpoint/2010/main" id="1" dur="indefinite" restart="never" nodeType="tmRoot"/>
       </p:par>
     </p:tnLst>
   </p:timing>
@@ -5520,7 +5762,7 @@
   <p:clrMapOvr>
     <a:masterClrMapping/>
   </p:clrMapOvr>
-  <p:transition>
+  <p:transition xmlns:p14="http://schemas.microsoft.com/office/powerpoint/2010/main">
     <p:fade/>
   </p:transition>
 </p:sldLayout>
@@ -5795,7 +6037,7 @@
   <p:clrMapOvr>
     <a:masterClrMapping/>
   </p:clrMapOvr>
-  <p:transition>
+  <p:transition xmlns:p14="http://schemas.microsoft.com/office/powerpoint/2010/main">
     <p:fade/>
   </p:transition>
 </p:sldLayout>
@@ -6070,7 +6312,7 @@
   <p:clrMapOvr>
     <a:masterClrMapping/>
   </p:clrMapOvr>
-  <p:transition>
+  <p:transition xmlns:p14="http://schemas.microsoft.com/office/powerpoint/2010/main">
     <p:fade/>
   </p:transition>
 </p:sldLayout>
@@ -6345,7 +6587,7 @@
   <p:clrMapOvr>
     <a:masterClrMapping/>
   </p:clrMapOvr>
-  <p:transition>
+  <p:transition xmlns:p14="http://schemas.microsoft.com/office/powerpoint/2010/main">
     <p:fade/>
   </p:transition>
 </p:sldLayout>
@@ -6620,7 +6862,7 @@
   <p:clrMapOvr>
     <a:masterClrMapping/>
   </p:clrMapOvr>
-  <p:transition>
+  <p:transition xmlns:p14="http://schemas.microsoft.com/office/powerpoint/2010/main">
     <p:fade/>
   </p:transition>
 </p:sldLayout>
@@ -6895,7 +7137,7 @@
   <p:clrMapOvr>
     <a:masterClrMapping/>
   </p:clrMapOvr>
-  <p:transition>
+  <p:transition xmlns:p14="http://schemas.microsoft.com/office/powerpoint/2010/main">
     <p:fade/>
   </p:transition>
 </p:sldLayout>
@@ -7017,7 +7259,7 @@
   <p:clrMapOvr>
     <a:masterClrMapping/>
   </p:clrMapOvr>
-  <p:transition>
+  <p:transition xmlns:p14="http://schemas.microsoft.com/office/powerpoint/2010/main">
     <p:fade/>
   </p:transition>
 </p:sldLayout>
@@ -7292,7 +7534,7 @@
   <p:clrMapOvr>
     <a:masterClrMapping/>
   </p:clrMapOvr>
-  <p:transition>
+  <p:transition xmlns:p14="http://schemas.microsoft.com/office/powerpoint/2010/main">
     <p:fade/>
   </p:transition>
 </p:sldLayout>
@@ -7469,7 +7711,7 @@
   <p:clrMapOvr>
     <a:masterClrMapping/>
   </p:clrMapOvr>
-  <p:transition>
+  <p:transition xmlns:p14="http://schemas.microsoft.com/office/powerpoint/2010/main">
     <p:fade/>
   </p:transition>
 </p:sldLayout>
@@ -7637,7 +7879,7 @@
   <p:clrMapOvr>
     <a:masterClrMapping/>
   </p:clrMapOvr>
-  <p:transition>
+  <p:transition xmlns:p14="http://schemas.microsoft.com/office/powerpoint/2010/main">
     <p:fade/>
   </p:transition>
 </p:sldLayout>
@@ -7937,13 +8179,13 @@
   <p:clrMapOvr>
     <a:masterClrMapping/>
   </p:clrMapOvr>
-  <p:transition>
+  <p:transition xmlns:p14="http://schemas.microsoft.com/office/powerpoint/2010/main">
     <p:fade/>
   </p:transition>
   <p:timing>
     <p:tnLst>
       <p:par>
-        <p:cTn id="1" dur="indefinite" restart="never" nodeType="tmRoot"/>
+        <p:cTn xmlns:p14="http://schemas.microsoft.com/office/powerpoint/2010/main" id="1" dur="indefinite" restart="never" nodeType="tmRoot"/>
       </p:par>
     </p:tnLst>
   </p:timing>
@@ -8356,7 +8598,7 @@
   <p:clrMapOvr>
     <a:masterClrMapping/>
   </p:clrMapOvr>
-  <p:transition>
+  <p:transition xmlns:p14="http://schemas.microsoft.com/office/powerpoint/2010/main">
     <p:fade/>
   </p:transition>
 </p:sldLayout>
@@ -8416,13 +8658,13 @@
   <p:clrMapOvr>
     <a:masterClrMapping/>
   </p:clrMapOvr>
-  <p:transition>
+  <p:transition xmlns:p14="http://schemas.microsoft.com/office/powerpoint/2010/main">
     <p:fade/>
   </p:transition>
   <p:timing>
     <p:tnLst>
       <p:par>
-        <p:cTn id="1" dur="indefinite" restart="never" nodeType="tmRoot"/>
+        <p:cTn xmlns:p14="http://schemas.microsoft.com/office/powerpoint/2010/main" id="1" dur="indefinite" restart="never" nodeType="tmRoot"/>
       </p:par>
     </p:tnLst>
   </p:timing>
@@ -8456,7 +8698,7 @@
   <p:clrMapOvr>
     <a:masterClrMapping/>
   </p:clrMapOvr>
-  <p:transition>
+  <p:transition xmlns:p14="http://schemas.microsoft.com/office/powerpoint/2010/main">
     <p:fade/>
   </p:transition>
 </p:sldLayout>
@@ -8503,13 +8745,13 @@
   <p:clrMapOvr>
     <a:masterClrMapping/>
   </p:clrMapOvr>
-  <p:transition>
+  <p:transition xmlns:p14="http://schemas.microsoft.com/office/powerpoint/2010/main">
     <p:fade/>
   </p:transition>
   <p:timing>
     <p:tnLst>
       <p:par>
-        <p:cTn id="1" dur="indefinite" restart="never" nodeType="tmRoot"/>
+        <p:cTn xmlns:p14="http://schemas.microsoft.com/office/powerpoint/2010/main" id="1" dur="indefinite" restart="never" nodeType="tmRoot"/>
       </p:par>
     </p:tnLst>
   </p:timing>
@@ -8562,13 +8804,13 @@
   <p:clrMapOvr>
     <a:masterClrMapping/>
   </p:clrMapOvr>
-  <p:transition>
+  <p:transition xmlns:p14="http://schemas.microsoft.com/office/powerpoint/2010/main">
     <p:fade/>
   </p:transition>
   <p:timing>
     <p:tnLst>
       <p:par>
-        <p:cTn id="1" dur="indefinite" restart="never" nodeType="tmRoot"/>
+        <p:cTn xmlns:p14="http://schemas.microsoft.com/office/powerpoint/2010/main" id="1" dur="indefinite" restart="never" nodeType="tmRoot"/>
       </p:par>
     </p:tnLst>
   </p:timing>
@@ -8813,7 +9055,7 @@
   <p:clrMapOvr>
     <a:masterClrMapping/>
   </p:clrMapOvr>
-  <p:transition>
+  <p:transition xmlns:p14="http://schemas.microsoft.com/office/powerpoint/2010/main">
     <p:fade/>
   </p:transition>
 </p:sldLayout>
@@ -9109,7 +9351,7 @@
   <p:clrMapOvr>
     <a:masterClrMapping/>
   </p:clrMapOvr>
-  <p:transition>
+  <p:transition xmlns:p14="http://schemas.microsoft.com/office/powerpoint/2010/main">
     <p:fade/>
   </p:transition>
 </p:sldLayout>
@@ -9384,7 +9626,7 @@
   <p:clrMapOvr>
     <a:masterClrMapping/>
   </p:clrMapOvr>
-  <p:transition>
+  <p:transition xmlns:p14="http://schemas.microsoft.com/office/powerpoint/2010/main">
     <p:fade/>
   </p:transition>
 </p:sldLayout>
@@ -9552,13 +9794,13 @@
   <p:clrMapOvr>
     <a:masterClrMapping/>
   </p:clrMapOvr>
-  <p:transition>
+  <p:transition xmlns:p14="http://schemas.microsoft.com/office/powerpoint/2010/main">
     <p:fade/>
   </p:transition>
   <p:timing>
     <p:tnLst>
       <p:par>
-        <p:cTn id="1" dur="indefinite" restart="never" nodeType="tmRoot"/>
+        <p:cTn xmlns:p14="http://schemas.microsoft.com/office/powerpoint/2010/main" id="1" dur="indefinite" restart="never" nodeType="tmRoot"/>
       </p:par>
     </p:tnLst>
   </p:timing>
@@ -9732,13 +9974,13 @@
   <p:clrMapOvr>
     <a:masterClrMapping/>
   </p:clrMapOvr>
-  <p:transition>
+  <p:transition xmlns:p14="http://schemas.microsoft.com/office/powerpoint/2010/main">
     <p:fade/>
   </p:transition>
   <p:timing>
     <p:tnLst>
       <p:par>
-        <p:cTn id="1" dur="indefinite" restart="never" nodeType="tmRoot"/>
+        <p:cTn xmlns:p14="http://schemas.microsoft.com/office/powerpoint/2010/main" id="1" dur="indefinite" restart="never" nodeType="tmRoot"/>
       </p:par>
     </p:tnLst>
   </p:timing>
@@ -10014,7 +10256,7 @@
   <p:clrMapOvr>
     <a:masterClrMapping/>
   </p:clrMapOvr>
-  <p:transition>
+  <p:transition xmlns:p14="http://schemas.microsoft.com/office/powerpoint/2010/main">
     <p:fade/>
   </p:transition>
 </p:sldLayout>
@@ -10289,7 +10531,7 @@
   <p:clrMapOvr>
     <a:masterClrMapping/>
   </p:clrMapOvr>
-  <p:transition>
+  <p:transition xmlns:p14="http://schemas.microsoft.com/office/powerpoint/2010/main">
     <p:fade/>
   </p:transition>
 </p:sldLayout>
@@ -10564,7 +10806,7 @@
   <p:clrMapOvr>
     <a:masterClrMapping/>
   </p:clrMapOvr>
-  <p:transition>
+  <p:transition xmlns:p14="http://schemas.microsoft.com/office/powerpoint/2010/main">
     <p:fade/>
   </p:transition>
 </p:sldLayout>
@@ -10686,7 +10928,7 @@
   <p:clrMapOvr>
     <a:masterClrMapping/>
   </p:clrMapOvr>
-  <p:transition>
+  <p:transition xmlns:p14="http://schemas.microsoft.com/office/powerpoint/2010/main">
     <p:fade/>
   </p:transition>
 </p:sldLayout>
@@ -10863,7 +11105,7 @@
   <p:clrMapOvr>
     <a:masterClrMapping/>
   </p:clrMapOvr>
-  <p:transition>
+  <p:transition xmlns:p14="http://schemas.microsoft.com/office/powerpoint/2010/main">
     <p:fade/>
   </p:transition>
 </p:sldLayout>
@@ -11024,13 +11266,13 @@
     <p:sldLayoutId id="2147483678" r:id="rId18"/>
     <p:sldLayoutId id="2147483679" r:id="rId19"/>
   </p:sldLayoutIdLst>
-  <p:transition>
+  <p:transition xmlns:p14="http://schemas.microsoft.com/office/powerpoint/2010/main">
     <p:fade/>
   </p:transition>
   <p:timing>
     <p:tnLst>
       <p:par>
-        <p:cTn id="1" dur="indefinite" restart="never" nodeType="tmRoot"/>
+        <p:cTn xmlns:p14="http://schemas.microsoft.com/office/powerpoint/2010/main" id="1" dur="indefinite" restart="never" nodeType="tmRoot"/>
       </p:par>
     </p:tnLst>
   </p:timing>
@@ -11511,13 +11753,13 @@
     <p:sldLayoutId id="2147483681" r:id="rId1"/>
     <p:sldLayoutId id="2147483704" r:id="rId2"/>
   </p:sldLayoutIdLst>
-  <p:transition>
+  <p:transition xmlns:p14="http://schemas.microsoft.com/office/powerpoint/2010/main">
     <p:fade/>
   </p:transition>
   <p:timing>
     <p:tnLst>
       <p:par>
-        <p:cTn id="1" dur="indefinite" restart="never" nodeType="tmRoot"/>
+        <p:cTn xmlns:p14="http://schemas.microsoft.com/office/powerpoint/2010/main" id="1" dur="indefinite" restart="never" nodeType="tmRoot"/>
       </p:par>
     </p:tnLst>
   </p:timing>
@@ -11993,13 +12235,13 @@
     <p:sldLayoutId id="2147483700" r:id="rId18"/>
     <p:sldLayoutId id="2147483701" r:id="rId19"/>
   </p:sldLayoutIdLst>
-  <p:transition>
+  <p:transition xmlns:p14="http://schemas.microsoft.com/office/powerpoint/2010/main">
     <p:fade/>
   </p:transition>
   <p:timing>
     <p:tnLst>
       <p:par>
-        <p:cTn id="1" dur="indefinite" restart="never" nodeType="tmRoot"/>
+        <p:cTn xmlns:p14="http://schemas.microsoft.com/office/powerpoint/2010/main" id="1" dur="indefinite" restart="never" nodeType="tmRoot"/>
       </p:par>
     </p:tnLst>
   </p:timing>
@@ -12479,13 +12721,13 @@
   <p:sldLayoutIdLst>
     <p:sldLayoutId id="2147483703" r:id="rId1"/>
   </p:sldLayoutIdLst>
-  <p:transition>
+  <p:transition xmlns:p14="http://schemas.microsoft.com/office/powerpoint/2010/main">
     <p:fade/>
   </p:transition>
   <p:timing>
     <p:tnLst>
       <p:par>
-        <p:cTn id="1" dur="indefinite" restart="never" nodeType="tmRoot"/>
+        <p:cTn xmlns:p14="http://schemas.microsoft.com/office/powerpoint/2010/main" id="1" dur="indefinite" restart="never" nodeType="tmRoot"/>
       </p:par>
     </p:tnLst>
   </p:timing>
@@ -12976,13 +13218,13 @@
   <p:clrMapOvr>
     <a:masterClrMapping/>
   </p:clrMapOvr>
-  <p:transition>
+  <p:transition xmlns:p14="http://schemas.microsoft.com/office/powerpoint/2010/main">
     <p:fade/>
   </p:transition>
   <p:timing>
     <p:tnLst>
       <p:par>
-        <p:cTn id="1" dur="indefinite" restart="never" nodeType="tmRoot"/>
+        <p:cTn xmlns:p14="http://schemas.microsoft.com/office/powerpoint/2010/main" id="1" dur="indefinite" restart="never" nodeType="tmRoot"/>
       </p:par>
     </p:tnLst>
   </p:timing>
@@ -13690,13 +13932,13 @@
   <p:clrMapOvr>
     <a:masterClrMapping/>
   </p:clrMapOvr>
-  <p:transition>
+  <p:transition xmlns:p14="http://schemas.microsoft.com/office/powerpoint/2010/main">
     <p:fade/>
   </p:transition>
   <p:timing>
     <p:tnLst>
       <p:par>
-        <p:cTn id="1" dur="indefinite" restart="never" nodeType="tmRoot"/>
+        <p:cTn xmlns:p14="http://schemas.microsoft.com/office/powerpoint/2010/main" id="1" dur="indefinite" restart="never" nodeType="tmRoot"/>
       </p:par>
     </p:tnLst>
   </p:timing>
@@ -13776,13 +14018,13 @@
   <p:clrMapOvr>
     <a:masterClrMapping/>
   </p:clrMapOvr>
-  <p:transition>
+  <p:transition xmlns:p14="http://schemas.microsoft.com/office/powerpoint/2010/main">
     <p:fade/>
   </p:transition>
   <p:timing>
     <p:tnLst>
       <p:par>
-        <p:cTn id="1" dur="indefinite" restart="never" nodeType="tmRoot"/>
+        <p:cTn xmlns:p14="http://schemas.microsoft.com/office/powerpoint/2010/main" id="1" dur="indefinite" restart="never" nodeType="tmRoot"/>
       </p:par>
     </p:tnLst>
   </p:timing>
@@ -13875,13 +14117,13 @@
   <p:clrMapOvr>
     <a:masterClrMapping/>
   </p:clrMapOvr>
-  <p:transition>
+  <p:transition xmlns:p14="http://schemas.microsoft.com/office/powerpoint/2010/main">
     <p:fade/>
   </p:transition>
   <p:timing>
     <p:tnLst>
       <p:par>
-        <p:cTn id="1" dur="indefinite" restart="never" nodeType="tmRoot"/>
+        <p:cTn xmlns:p14="http://schemas.microsoft.com/office/powerpoint/2010/main" id="1" dur="indefinite" restart="never" nodeType="tmRoot"/>
       </p:par>
     </p:tnLst>
   </p:timing>
@@ -13930,12 +14172,223 @@
       </p:sp>
       <p:sp>
         <p:nvSpPr>
-          <p:cNvPr id="2" name="Text Placeholder 1"/>
+          <p:cNvPr id="4" name="Rectangle 3"/>
+          <p:cNvSpPr/>
+          <p:nvPr/>
+        </p:nvSpPr>
+        <p:spPr>
+          <a:xfrm>
+            <a:off x="537284" y="1741973"/>
+            <a:ext cx="8606716" cy="3108544"/>
+          </a:xfrm>
+          <a:prstGeom prst="rect">
+            <a:avLst/>
+          </a:prstGeom>
+        </p:spPr>
+        <p:txBody>
+          <a:bodyPr wrap="square">
+            <a:spAutoFit/>
+          </a:bodyPr>
+          <a:lstStyle/>
+          <a:p>
+            <a:r>
+              <a:rPr lang="en-US" sz="2800" dirty="0" err="1">
+                <a:solidFill>
+                  <a:schemeClr val="bg1"/>
+                </a:solidFill>
+              </a:rPr>
+              <a:t>var</a:t>
+            </a:r>
+            <a:r>
+              <a:rPr lang="en-US" sz="2800" dirty="0">
+                <a:solidFill>
+                  <a:schemeClr val="bg1"/>
+                </a:solidFill>
+              </a:rPr>
+              <a:t> worker = new Worker('</a:t>
+            </a:r>
+            <a:r>
+              <a:rPr lang="en-US" sz="2800" dirty="0" err="1">
+                <a:solidFill>
+                  <a:schemeClr val="bg1"/>
+                </a:solidFill>
+              </a:rPr>
+              <a:t>doAwesome.js</a:t>
+            </a:r>
+            <a:r>
+              <a:rPr lang="en-US" sz="2800" dirty="0">
+                <a:solidFill>
+                  <a:schemeClr val="bg1"/>
+                </a:solidFill>
+              </a:rPr>
+              <a:t>');</a:t>
+            </a:r>
+          </a:p>
+          <a:p>
+            <a:endParaRPr lang="en-US" sz="2800" dirty="0">
+              <a:solidFill>
+                <a:srgbClr val="000000"/>
+              </a:solidFill>
+            </a:endParaRPr>
+          </a:p>
+          <a:p>
+            <a:r>
+              <a:rPr lang="en-US" sz="2800" dirty="0" err="1" smtClean="0">
+                <a:solidFill>
+                  <a:srgbClr val="000000"/>
+                </a:solidFill>
+              </a:rPr>
+              <a:t>worker.addEventListener</a:t>
+            </a:r>
+            <a:r>
+              <a:rPr lang="en-US" sz="2800" dirty="0">
+                <a:solidFill>
+                  <a:srgbClr val="000000"/>
+                </a:solidFill>
+              </a:rPr>
+              <a:t>('message', function(e) {</a:t>
+            </a:r>
+          </a:p>
+          <a:p>
+            <a:r>
+              <a:rPr lang="en-US" sz="2800" dirty="0">
+                <a:solidFill>
+                  <a:srgbClr val="000000"/>
+                </a:solidFill>
+              </a:rPr>
+              <a:t>  </a:t>
+            </a:r>
+            <a:r>
+              <a:rPr lang="en-US" sz="2800" dirty="0" err="1">
+                <a:solidFill>
+                  <a:srgbClr val="000000"/>
+                </a:solidFill>
+              </a:rPr>
+              <a:t>console.log</a:t>
+            </a:r>
+            <a:r>
+              <a:rPr lang="en-US" sz="2800" dirty="0">
+                <a:solidFill>
+                  <a:srgbClr val="000000"/>
+                </a:solidFill>
+              </a:rPr>
+              <a:t>('Worker said: ', </a:t>
+            </a:r>
+            <a:r>
+              <a:rPr lang="en-US" sz="2800" dirty="0" err="1">
+                <a:solidFill>
+                  <a:srgbClr val="000000"/>
+                </a:solidFill>
+              </a:rPr>
+              <a:t>e.data</a:t>
+            </a:r>
+            <a:r>
+              <a:rPr lang="en-US" sz="2800" dirty="0">
+                <a:solidFill>
+                  <a:srgbClr val="000000"/>
+                </a:solidFill>
+              </a:rPr>
+              <a:t>);</a:t>
+            </a:r>
+          </a:p>
+          <a:p>
+            <a:r>
+              <a:rPr lang="en-US" sz="2800" dirty="0">
+                <a:solidFill>
+                  <a:srgbClr val="000000"/>
+                </a:solidFill>
+              </a:rPr>
+              <a:t>}, false);</a:t>
+            </a:r>
+          </a:p>
+          <a:p>
+            <a:endParaRPr lang="en-US" sz="2800" dirty="0">
+              <a:solidFill>
+                <a:srgbClr val="000000"/>
+              </a:solidFill>
+            </a:endParaRPr>
+          </a:p>
+          <a:p>
+            <a:r>
+              <a:rPr lang="en-US" sz="2800" dirty="0" err="1">
+                <a:solidFill>
+                  <a:srgbClr val="000000"/>
+                </a:solidFill>
+              </a:rPr>
+              <a:t>worker.postMessage</a:t>
+            </a:r>
+            <a:r>
+              <a:rPr lang="en-US" sz="2800" dirty="0">
+                <a:solidFill>
+                  <a:srgbClr val="000000"/>
+                </a:solidFill>
+              </a:rPr>
+              <a:t>('Hello World')</a:t>
+            </a:r>
+            <a:r>
+              <a:rPr lang="en-US" sz="2800" dirty="0" smtClean="0">
+                <a:solidFill>
+                  <a:srgbClr val="000000"/>
+                </a:solidFill>
+              </a:rPr>
+              <a:t>;</a:t>
+            </a:r>
+            <a:endParaRPr lang="en-US" sz="2800" dirty="0">
+              <a:solidFill>
+                <a:srgbClr val="000000"/>
+              </a:solidFill>
+            </a:endParaRPr>
+          </a:p>
+        </p:txBody>
+      </p:sp>
+    </p:spTree>
+    <p:extLst>
+      <p:ext uri="{BB962C8B-B14F-4D97-AF65-F5344CB8AC3E}">
+        <p14:creationId xmlns:p14="http://schemas.microsoft.com/office/powerpoint/2010/main" val="3986461250"/>
+      </p:ext>
+    </p:extLst>
+  </p:cSld>
+  <p:clrMapOvr>
+    <a:masterClrMapping/>
+  </p:clrMapOvr>
+  <p:transition xmlns:p14="http://schemas.microsoft.com/office/powerpoint/2010/main">
+    <p:fade/>
+  </p:transition>
+  <p:timing>
+    <p:tnLst>
+      <p:par>
+        <p:cTn xmlns:p14="http://schemas.microsoft.com/office/powerpoint/2010/main" id="1" dur="indefinite" restart="never" nodeType="tmRoot"/>
+      </p:par>
+    </p:tnLst>
+  </p:timing>
+</p:sld>
+</file>
+
+<file path=ppt/slides/slide14.xml><?xml version="1.0" encoding="utf-8"?>
+<p:sld xmlns:a="http://schemas.openxmlformats.org/drawingml/2006/main" xmlns:r="http://schemas.openxmlformats.org/officeDocument/2006/relationships" xmlns:p="http://schemas.openxmlformats.org/presentationml/2006/main">
+  <p:cSld>
+    <p:spTree>
+      <p:nvGrpSpPr>
+        <p:cNvPr id="1" name=""/>
+        <p:cNvGrpSpPr/>
+        <p:nvPr/>
+      </p:nvGrpSpPr>
+      <p:grpSpPr>
+        <a:xfrm>
+          <a:off x="0" y="0"/>
+          <a:ext cx="0" cy="0"/>
+          <a:chOff x="0" y="0"/>
+          <a:chExt cx="0" cy="0"/>
+        </a:xfrm>
+      </p:grpSpPr>
+      <p:sp>
+        <p:nvSpPr>
+          <p:cNvPr id="5" name="Title 4"/>
           <p:cNvSpPr>
             <a:spLocks noGrp="1"/>
           </p:cNvSpPr>
           <p:nvPr>
-            <p:ph type="body" sz="quarter" idx="10"/>
+            <p:ph type="title"/>
           </p:nvPr>
         </p:nvSpPr>
         <p:spPr/>
@@ -13943,7 +14396,140 @@
           <a:bodyPr/>
           <a:lstStyle/>
           <a:p>
-            <a:endParaRPr lang="en-US"/>
+            <a:r>
+              <a:rPr lang="en-US" dirty="0" smtClean="0"/>
+              <a:t>Web Workers</a:t>
+            </a:r>
+            <a:endParaRPr lang="en-US" dirty="0"/>
+          </a:p>
+        </p:txBody>
+      </p:sp>
+      <p:sp>
+        <p:nvSpPr>
+          <p:cNvPr id="6" name="Rectangle 5"/>
+          <p:cNvSpPr/>
+          <p:nvPr/>
+        </p:nvSpPr>
+        <p:spPr>
+          <a:xfrm>
+            <a:off x="748941" y="2797980"/>
+            <a:ext cx="8167119" cy="1384995"/>
+          </a:xfrm>
+          <a:prstGeom prst="rect">
+            <a:avLst/>
+          </a:prstGeom>
+        </p:spPr>
+        <p:txBody>
+          <a:bodyPr wrap="square">
+            <a:spAutoFit/>
+          </a:bodyPr>
+          <a:lstStyle/>
+          <a:p>
+            <a:r>
+              <a:rPr lang="en-US" sz="2800" dirty="0" err="1">
+                <a:solidFill>
+                  <a:srgbClr val="000000"/>
+                </a:solidFill>
+              </a:rPr>
+              <a:t>self.addEventListener</a:t>
+            </a:r>
+            <a:r>
+              <a:rPr lang="en-US" sz="2800" dirty="0">
+                <a:solidFill>
+                  <a:srgbClr val="000000"/>
+                </a:solidFill>
+              </a:rPr>
+              <a:t>('message', function(e) {</a:t>
+            </a:r>
+          </a:p>
+          <a:p>
+            <a:r>
+              <a:rPr lang="en-US" sz="2800" dirty="0">
+                <a:solidFill>
+                  <a:srgbClr val="000000"/>
+                </a:solidFill>
+              </a:rPr>
+              <a:t>  </a:t>
+            </a:r>
+            <a:r>
+              <a:rPr lang="en-US" sz="2800" dirty="0" err="1">
+                <a:solidFill>
+                  <a:srgbClr val="000000"/>
+                </a:solidFill>
+              </a:rPr>
+              <a:t>self.postMessage</a:t>
+            </a:r>
+            <a:r>
+              <a:rPr lang="en-US" sz="2800" dirty="0">
+                <a:solidFill>
+                  <a:srgbClr val="000000"/>
+                </a:solidFill>
+              </a:rPr>
+              <a:t>(</a:t>
+            </a:r>
+            <a:r>
+              <a:rPr lang="en-US" sz="2800" dirty="0" err="1">
+                <a:solidFill>
+                  <a:srgbClr val="000000"/>
+                </a:solidFill>
+              </a:rPr>
+              <a:t>e.data</a:t>
+            </a:r>
+            <a:r>
+              <a:rPr lang="en-US" sz="2800" dirty="0">
+                <a:solidFill>
+                  <a:srgbClr val="000000"/>
+                </a:solidFill>
+              </a:rPr>
+              <a:t>);</a:t>
+            </a:r>
+          </a:p>
+          <a:p>
+            <a:r>
+              <a:rPr lang="en-US" sz="2800" dirty="0">
+                <a:solidFill>
+                  <a:srgbClr val="000000"/>
+                </a:solidFill>
+              </a:rPr>
+              <a:t>}, false);</a:t>
+            </a:r>
+          </a:p>
+        </p:txBody>
+      </p:sp>
+      <p:sp>
+        <p:nvSpPr>
+          <p:cNvPr id="7" name="Rectangle 6"/>
+          <p:cNvSpPr/>
+          <p:nvPr/>
+        </p:nvSpPr>
+        <p:spPr>
+          <a:xfrm>
+            <a:off x="510590" y="1818803"/>
+            <a:ext cx="7114940" cy="523220"/>
+          </a:xfrm>
+          <a:prstGeom prst="rect">
+            <a:avLst/>
+          </a:prstGeom>
+        </p:spPr>
+        <p:txBody>
+          <a:bodyPr wrap="square">
+            <a:spAutoFit/>
+          </a:bodyPr>
+          <a:lstStyle/>
+          <a:p>
+            <a:r>
+              <a:rPr lang="en-US" sz="2800" dirty="0" err="1" smtClean="0">
+                <a:solidFill>
+                  <a:srgbClr val="000000"/>
+                </a:solidFill>
+              </a:rPr>
+              <a:t>doAwesome.js</a:t>
+            </a:r>
+            <a:endParaRPr lang="en-US" sz="2800" dirty="0" smtClean="0">
+              <a:solidFill>
+                <a:srgbClr val="000000"/>
+              </a:solidFill>
+            </a:endParaRPr>
           </a:p>
         </p:txBody>
       </p:sp>
@@ -13957,20 +14543,20 @@
   <p:clrMapOvr>
     <a:masterClrMapping/>
   </p:clrMapOvr>
-  <p:transition>
+  <p:transition xmlns:p14="http://schemas.microsoft.com/office/powerpoint/2010/main">
     <p:fade/>
   </p:transition>
   <p:timing>
     <p:tnLst>
       <p:par>
-        <p:cTn id="1" dur="indefinite" restart="never" nodeType="tmRoot"/>
+        <p:cTn xmlns:p14="http://schemas.microsoft.com/office/powerpoint/2010/main" id="1" dur="indefinite" restart="never" nodeType="tmRoot"/>
       </p:par>
     </p:tnLst>
   </p:timing>
 </p:sld>
 </file>
 
-<file path=ppt/slides/slide14.xml><?xml version="1.0" encoding="utf-8"?>
+<file path=ppt/slides/slide15.xml><?xml version="1.0" encoding="utf-8"?>
 <p:sld xmlns:a="http://schemas.openxmlformats.org/drawingml/2006/main" xmlns:r="http://schemas.openxmlformats.org/officeDocument/2006/relationships" xmlns:p="http://schemas.openxmlformats.org/presentationml/2006/main">
   <p:cSld>
     <p:spTree>
@@ -14671,20 +15257,20 @@
   <p:clrMapOvr>
     <a:masterClrMapping/>
   </p:clrMapOvr>
-  <p:transition>
+  <p:transition xmlns:p14="http://schemas.microsoft.com/office/powerpoint/2010/main">
     <p:fade/>
   </p:transition>
   <p:timing>
     <p:tnLst>
       <p:par>
-        <p:cTn id="1" dur="indefinite" restart="never" nodeType="tmRoot"/>
+        <p:cTn xmlns:p14="http://schemas.microsoft.com/office/powerpoint/2010/main" id="1" dur="indefinite" restart="never" nodeType="tmRoot"/>
       </p:par>
     </p:tnLst>
   </p:timing>
 </p:sld>
 </file>
 
-<file path=ppt/slides/slide15.xml><?xml version="1.0" encoding="utf-8"?>
+<file path=ppt/slides/slide16.xml><?xml version="1.0" encoding="utf-8"?>
 <p:sld xmlns:a="http://schemas.openxmlformats.org/drawingml/2006/main" xmlns:r="http://schemas.openxmlformats.org/officeDocument/2006/relationships" xmlns:p="http://schemas.openxmlformats.org/presentationml/2006/main">
   <p:cSld>
     <p:spTree>
@@ -14749,8 +15335,8 @@
         </p:nvSpPr>
         <p:spPr>
           <a:xfrm>
-            <a:off x="389437" y="1148981"/>
-            <a:ext cx="8363937" cy="2671501"/>
+            <a:off x="389437" y="1409461"/>
+            <a:ext cx="8363937" cy="2103140"/>
           </a:xfrm>
         </p:spPr>
         <p:txBody>
@@ -14764,7 +15350,7 @@
               <a:buNone/>
             </a:pPr>
             <a:r>
-              <a:rPr lang="en-US" sz="2400" spc="-50" dirty="0" err="1" smtClean="0">
+              <a:rPr lang="en-US" sz="2000" spc="-50" dirty="0" err="1" smtClean="0">
                 <a:solidFill>
                   <a:srgbClr val="3F3F3F"/>
                 </a:solidFill>
@@ -14774,7 +15360,7 @@
               <a:t>var</a:t>
             </a:r>
             <a:r>
-              <a:rPr lang="en-US" sz="2400" spc="-50" dirty="0" smtClean="0">
+              <a:rPr lang="en-US" sz="2000" spc="-50" dirty="0" smtClean="0">
                 <a:solidFill>
                   <a:srgbClr val="3F3F3F"/>
                 </a:solidFill>
@@ -14784,7 +15370,7 @@
               <a:t> socket = new </a:t>
             </a:r>
             <a:r>
-              <a:rPr lang="en-US" sz="2400" b="1" spc="-50" dirty="0" err="1" smtClean="0">
+              <a:rPr lang="en-US" sz="2000" b="1" spc="-50" dirty="0" err="1" smtClean="0">
                 <a:solidFill>
                   <a:schemeClr val="accent2">
                     <a:lumMod val="50000"/>
@@ -14803,7 +15389,7 @@
               <a:t>WebSocket</a:t>
             </a:r>
             <a:r>
-              <a:rPr lang="en-US" sz="2400" spc="-50" dirty="0" smtClean="0">
+              <a:rPr lang="en-US" sz="2000" spc="-50" dirty="0" smtClean="0">
                 <a:solidFill>
                   <a:srgbClr val="3F3F3F"/>
                 </a:solidFill>
@@ -14813,7 +15399,7 @@
               <a:t>('</a:t>
             </a:r>
             <a:r>
-              <a:rPr lang="en-US" sz="2400" spc="-50" dirty="0" err="1" smtClean="0">
+              <a:rPr lang="en-US" sz="2000" spc="-50" dirty="0" err="1" smtClean="0">
                 <a:solidFill>
                   <a:srgbClr val="3F3F3F"/>
                 </a:solidFill>
@@ -14823,7 +15409,7 @@
               <a:t>ws</a:t>
             </a:r>
             <a:r>
-              <a:rPr lang="en-US" sz="2400" spc="-50" dirty="0" smtClean="0">
+              <a:rPr lang="en-US" sz="2000" spc="-50" dirty="0" smtClean="0">
                 <a:solidFill>
                   <a:srgbClr val="3F3F3F"/>
                 </a:solidFill>
@@ -14833,7 +15419,7 @@
               <a:t>://my.websocket.org/echo');</a:t>
             </a:r>
             <a:br>
-              <a:rPr lang="en-US" sz="2400" spc="-50" dirty="0" smtClean="0">
+              <a:rPr lang="en-US" sz="2000" spc="-50" dirty="0" smtClean="0">
                 <a:solidFill>
                   <a:srgbClr val="3F3F3F"/>
                 </a:solidFill>
@@ -14841,8 +15427,23 @@
                 <a:cs typeface="Consolas" pitchFamily="49" charset="0"/>
               </a:rPr>
             </a:br>
-            <a:r>
-              <a:rPr lang="en-US" sz="2400" spc="-50" dirty="0" err="1" smtClean="0">
+            <a:endParaRPr lang="en-US" sz="2000" spc="-50" dirty="0" smtClean="0">
+              <a:solidFill>
+                <a:srgbClr val="3F3F3F"/>
+              </a:solidFill>
+              <a:latin typeface="Consolas" pitchFamily="49" charset="0"/>
+              <a:cs typeface="Consolas" pitchFamily="49" charset="0"/>
+            </a:endParaRPr>
+          </a:p>
+          <a:p>
+            <a:pPr marL="0" indent="0">
+              <a:lnSpc>
+                <a:spcPct val="80000"/>
+              </a:lnSpc>
+              <a:buNone/>
+            </a:pPr>
+            <a:r>
+              <a:rPr lang="en-US" sz="2000" spc="-50" dirty="0" err="1" smtClean="0">
                 <a:solidFill>
                   <a:srgbClr val="3F3F3F"/>
                 </a:solidFill>
@@ -14852,7 +15453,7 @@
               <a:t>socket.</a:t>
             </a:r>
             <a:r>
-              <a:rPr lang="en-US" sz="2400" b="1" spc="-50" dirty="0" err="1" smtClean="0">
+              <a:rPr lang="en-US" sz="2000" b="1" spc="-50" dirty="0" err="1" smtClean="0">
                 <a:solidFill>
                   <a:schemeClr val="accent2">
                     <a:lumMod val="50000"/>
@@ -14871,46 +15472,56 @@
               <a:t>onopen</a:t>
             </a:r>
             <a:r>
-              <a:rPr lang="en-US" sz="2400" spc="-50" dirty="0" smtClean="0">
+              <a:rPr lang="en-US" sz="2000" spc="-50" dirty="0" smtClean="0">
                 <a:solidFill>
                   <a:srgbClr val="3F3F3F"/>
                 </a:solidFill>
                 <a:latin typeface="Consolas" pitchFamily="49" charset="0"/>
                 <a:cs typeface="Consolas" pitchFamily="49" charset="0"/>
               </a:rPr>
-              <a:t> = function(event) {</a:t>
-            </a:r>
-            <a:br>
-              <a:rPr lang="en-US" sz="2400" spc="-50" dirty="0" smtClean="0">
+              <a:t> </a:t>
+            </a:r>
+            <a:r>
+              <a:rPr lang="en-US" sz="2000" spc="-50" dirty="0" smtClean="0">
                 <a:solidFill>
                   <a:srgbClr val="3F3F3F"/>
                 </a:solidFill>
                 <a:latin typeface="Consolas" pitchFamily="49" charset="0"/>
                 <a:cs typeface="Consolas" pitchFamily="49" charset="0"/>
               </a:rPr>
-            </a:br>
-            <a:r>
-              <a:rPr lang="en-US" sz="2400" spc="-50" dirty="0" smtClean="0">
+              <a:t>= function(event) {</a:t>
+            </a:r>
+            <a:br>
+              <a:rPr lang="en-US" sz="2000" spc="-50" dirty="0" smtClean="0">
                 <a:solidFill>
                   <a:srgbClr val="3F3F3F"/>
                 </a:solidFill>
                 <a:latin typeface="Consolas" pitchFamily="49" charset="0"/>
                 <a:cs typeface="Consolas" pitchFamily="49" charset="0"/>
               </a:rPr>
-              <a:t>  </a:t>
-            </a:r>
-            <a:r>
-              <a:rPr lang="en-US" sz="2400" spc="-50" dirty="0" err="1" smtClean="0">
+            </a:br>
+            <a:r>
+              <a:rPr lang="en-US" sz="2000" spc="-50" dirty="0" smtClean="0">
                 <a:solidFill>
                   <a:srgbClr val="3F3F3F"/>
                 </a:solidFill>
                 <a:latin typeface="Consolas" pitchFamily="49" charset="0"/>
                 <a:cs typeface="Consolas" pitchFamily="49" charset="0"/>
               </a:rPr>
+              <a:t>  </a:t>
+            </a:r>
+            <a:r>
+              <a:rPr lang="en-US" sz="2000" spc="-50" dirty="0" err="1" smtClean="0">
+                <a:solidFill>
+                  <a:srgbClr val="3F3F3F"/>
+                </a:solidFill>
+                <a:latin typeface="Consolas" pitchFamily="49" charset="0"/>
+                <a:cs typeface="Consolas" pitchFamily="49" charset="0"/>
+              </a:rPr>
               <a:t>socket.</a:t>
             </a:r>
             <a:r>
-              <a:rPr lang="en-US" sz="2400" b="1" spc="-50" dirty="0" err="1" smtClean="0">
+              <a:rPr lang="en-US" sz="2000" b="1" spc="-50" dirty="0" err="1" smtClean="0">
                 <a:solidFill>
                   <a:schemeClr val="accent2">
                     <a:lumMod val="50000"/>
@@ -14929,7 +15540,7 @@
               <a:t>send</a:t>
             </a:r>
             <a:r>
-              <a:rPr lang="en-US" sz="2400" spc="-50" dirty="0" smtClean="0">
+              <a:rPr lang="en-US" sz="2000" spc="-50" dirty="0" smtClean="0">
                 <a:solidFill>
                   <a:srgbClr val="3F3F3F"/>
                 </a:solidFill>
@@ -14939,7 +15550,7 @@
               <a:t>('Hello, </a:t>
             </a:r>
             <a:r>
-              <a:rPr lang="en-US" sz="2400" spc="-50" dirty="0" err="1" smtClean="0">
+              <a:rPr lang="en-US" sz="2000" spc="-50" dirty="0" err="1" smtClean="0">
                 <a:solidFill>
                   <a:srgbClr val="3F3F3F"/>
                 </a:solidFill>
@@ -14949,7 +15560,7 @@
               <a:t>WebSocket</a:t>
             </a:r>
             <a:r>
-              <a:rPr lang="en-US" sz="2400" spc="-50" dirty="0" smtClean="0">
+              <a:rPr lang="en-US" sz="2000" spc="-50" dirty="0" smtClean="0">
                 <a:solidFill>
                   <a:srgbClr val="3F3F3F"/>
                 </a:solidFill>
@@ -14959,7 +15570,7 @@
               <a:t>');</a:t>
             </a:r>
             <a:br>
-              <a:rPr lang="en-US" sz="2400" spc="-50" dirty="0" smtClean="0">
+              <a:rPr lang="en-US" sz="2000" spc="-50" dirty="0" smtClean="0">
                 <a:solidFill>
                   <a:srgbClr val="3F3F3F"/>
                 </a:solidFill>
@@ -14968,7 +15579,7 @@
               </a:rPr>
             </a:br>
             <a:r>
-              <a:rPr lang="en-US" sz="2400" spc="-50" dirty="0" smtClean="0">
+              <a:rPr lang="en-US" sz="2000" spc="-50" dirty="0" smtClean="0">
                 <a:solidFill>
                   <a:srgbClr val="3F3F3F"/>
                 </a:solidFill>
@@ -14978,7 +15589,7 @@
               <a:t>};</a:t>
             </a:r>
             <a:br>
-              <a:rPr lang="en-US" sz="2400" spc="-50" dirty="0" smtClean="0">
+              <a:rPr lang="en-US" sz="2000" spc="-50" dirty="0" smtClean="0">
                 <a:solidFill>
                   <a:srgbClr val="3F3F3F"/>
                 </a:solidFill>
@@ -14986,8 +15597,23 @@
                 <a:cs typeface="Consolas" pitchFamily="49" charset="0"/>
               </a:rPr>
             </a:br>
-            <a:r>
-              <a:rPr lang="en-US" sz="2400" spc="-50" dirty="0" err="1" smtClean="0">
+            <a:endParaRPr lang="en-US" sz="2000" spc="-50" dirty="0" smtClean="0">
+              <a:solidFill>
+                <a:srgbClr val="3F3F3F"/>
+              </a:solidFill>
+              <a:latin typeface="Consolas" pitchFamily="49" charset="0"/>
+              <a:cs typeface="Consolas" pitchFamily="49" charset="0"/>
+            </a:endParaRPr>
+          </a:p>
+          <a:p>
+            <a:pPr marL="0" indent="0">
+              <a:lnSpc>
+                <a:spcPct val="80000"/>
+              </a:lnSpc>
+              <a:buNone/>
+            </a:pPr>
+            <a:r>
+              <a:rPr lang="en-US" sz="2000" spc="-50" dirty="0" err="1" smtClean="0">
                 <a:solidFill>
                   <a:srgbClr val="3F3F3F"/>
                 </a:solidFill>
@@ -14997,7 +15623,7 @@
               <a:t>socket.</a:t>
             </a:r>
             <a:r>
-              <a:rPr lang="en-US" sz="2400" b="1" spc="-50" dirty="0" err="1" smtClean="0">
+              <a:rPr lang="en-US" sz="2000" b="1" spc="-50" dirty="0" err="1" smtClean="0">
                 <a:solidFill>
                   <a:schemeClr val="accent2">
                     <a:lumMod val="50000"/>
@@ -15016,56 +15642,66 @@
               <a:t>onmessage</a:t>
             </a:r>
             <a:r>
-              <a:rPr lang="en-US" sz="2400" spc="-50" dirty="0" smtClean="0">
+              <a:rPr lang="en-US" sz="2000" spc="-50" dirty="0" smtClean="0">
                 <a:solidFill>
                   <a:srgbClr val="3F3F3F"/>
                 </a:solidFill>
                 <a:latin typeface="Consolas" pitchFamily="49" charset="0"/>
                 <a:cs typeface="Consolas" pitchFamily="49" charset="0"/>
               </a:rPr>
-              <a:t> = function(event) { alert(</a:t>
-            </a:r>
-            <a:r>
-              <a:rPr lang="en-US" sz="2400" spc="-50" dirty="0" err="1" smtClean="0">
+              <a:t> </a:t>
+            </a:r>
+            <a:r>
+              <a:rPr lang="en-US" sz="2000" spc="-50" dirty="0" smtClean="0">
                 <a:solidFill>
                   <a:srgbClr val="3F3F3F"/>
                 </a:solidFill>
                 <a:latin typeface="Consolas" pitchFamily="49" charset="0"/>
                 <a:cs typeface="Consolas" pitchFamily="49" charset="0"/>
               </a:rPr>
-              <a:t>event.data</a:t>
-            </a:r>
-            <a:r>
-              <a:rPr lang="en-US" sz="2400" spc="-50" dirty="0" smtClean="0">
+              <a:t>= function(event) { alert(</a:t>
+            </a:r>
+            <a:r>
+              <a:rPr lang="en-US" sz="2000" spc="-50" dirty="0" err="1" smtClean="0">
                 <a:solidFill>
                   <a:srgbClr val="3F3F3F"/>
                 </a:solidFill>
                 <a:latin typeface="Consolas" pitchFamily="49" charset="0"/>
                 <a:cs typeface="Consolas" pitchFamily="49" charset="0"/>
               </a:rPr>
-              <a:t>); }</a:t>
-            </a:r>
-            <a:br>
-              <a:rPr lang="en-US" sz="2400" spc="-50" dirty="0" smtClean="0">
+              <a:t>event.data</a:t>
+            </a:r>
+            <a:r>
+              <a:rPr lang="en-US" sz="2000" spc="-50" dirty="0" smtClean="0">
                 <a:solidFill>
                   <a:srgbClr val="3F3F3F"/>
                 </a:solidFill>
                 <a:latin typeface="Consolas" pitchFamily="49" charset="0"/>
                 <a:cs typeface="Consolas" pitchFamily="49" charset="0"/>
               </a:rPr>
-            </a:br>
-            <a:r>
-              <a:rPr lang="en-US" sz="2400" spc="-50" dirty="0" err="1" smtClean="0">
+              <a:t>); }</a:t>
+            </a:r>
+            <a:br>
+              <a:rPr lang="en-US" sz="2000" spc="-50" dirty="0" smtClean="0">
                 <a:solidFill>
                   <a:srgbClr val="3F3F3F"/>
                 </a:solidFill>
                 <a:latin typeface="Consolas" pitchFamily="49" charset="0"/>
                 <a:cs typeface="Consolas" pitchFamily="49" charset="0"/>
               </a:rPr>
+            </a:br>
+            <a:r>
+              <a:rPr lang="en-US" sz="2000" spc="-50" dirty="0" err="1" smtClean="0">
+                <a:solidFill>
+                  <a:srgbClr val="3F3F3F"/>
+                </a:solidFill>
+                <a:latin typeface="Consolas" pitchFamily="49" charset="0"/>
+                <a:cs typeface="Consolas" pitchFamily="49" charset="0"/>
+              </a:rPr>
               <a:t>socket.</a:t>
             </a:r>
             <a:r>
-              <a:rPr lang="en-US" sz="2400" b="1" spc="-50" dirty="0" err="1" smtClean="0">
+              <a:rPr lang="en-US" sz="2000" b="1" spc="-50" dirty="0" err="1" smtClean="0">
                 <a:solidFill>
                   <a:schemeClr val="accent2">
                     <a:lumMod val="50000"/>
@@ -15084,7 +15720,7 @@
               <a:t>onclose</a:t>
             </a:r>
             <a:r>
-              <a:rPr lang="en-US" sz="2400" b="1" spc="-50" dirty="0" smtClean="0">
+              <a:rPr lang="en-US" sz="2000" b="1" spc="-50" dirty="0" smtClean="0">
                 <a:solidFill>
                   <a:srgbClr val="3F3F3F"/>
                 </a:solidFill>
@@ -15101,7 +15737,7 @@
               <a:t> </a:t>
             </a:r>
             <a:r>
-              <a:rPr lang="en-US" sz="2400" spc="-50" dirty="0" smtClean="0">
+              <a:rPr lang="en-US" sz="2000" spc="-50" dirty="0" smtClean="0">
                 <a:solidFill>
                   <a:srgbClr val="3F3F3F"/>
                 </a:solidFill>
@@ -15110,7 +15746,7 @@
               </a:rPr>
               <a:t>= function(event) { alert('closed'); }</a:t>
             </a:r>
-            <a:endParaRPr lang="en-US" sz="2400" spc="-50" dirty="0">
+            <a:endParaRPr lang="en-US" sz="2000" spc="-50" dirty="0">
               <a:latin typeface="Consolas" pitchFamily="49" charset="0"/>
               <a:cs typeface="Consolas" pitchFamily="49" charset="0"/>
             </a:endParaRPr>
@@ -15125,7 +15761,7 @@
         </p:nvSpPr>
         <p:spPr bwMode="auto">
           <a:xfrm rot="16200000">
-            <a:off x="5052670" y="4723430"/>
+            <a:off x="5052670" y="5065310"/>
             <a:ext cx="1991033" cy="940454"/>
           </a:xfrm>
           <a:prstGeom prst="cube">
@@ -15180,7 +15816,7 @@
         </p:nvSpPr>
         <p:spPr bwMode="auto">
           <a:xfrm>
-            <a:off x="2612759" y="4198140"/>
+            <a:off x="2612759" y="4540020"/>
             <a:ext cx="951519" cy="1681316"/>
           </a:xfrm>
           <a:prstGeom prst="flowChartDocument">
@@ -15235,7 +15871,7 @@
         </p:nvCxnSpPr>
         <p:spPr>
           <a:xfrm flipV="1">
-            <a:off x="3564277" y="4478364"/>
+            <a:off x="3564277" y="4820244"/>
             <a:ext cx="2013682" cy="14749"/>
           </a:xfrm>
           <a:prstGeom prst="straightConnector1">
@@ -15269,7 +15905,7 @@
         </p:nvCxnSpPr>
         <p:spPr>
           <a:xfrm flipV="1">
-            <a:off x="3564276" y="5397680"/>
+            <a:off x="3564276" y="5739560"/>
             <a:ext cx="2013682" cy="14749"/>
           </a:xfrm>
           <a:prstGeom prst="straightConnector1">
@@ -15303,7 +15939,7 @@
         </p:nvSpPr>
         <p:spPr bwMode="auto">
           <a:xfrm>
-            <a:off x="4244725" y="5156782"/>
+            <a:off x="4244725" y="5498662"/>
             <a:ext cx="652786" cy="523571"/>
           </a:xfrm>
           <a:prstGeom prst="flowChartDocument">
@@ -15358,7 +15994,7 @@
         </p:nvSpPr>
         <p:spPr bwMode="auto">
           <a:xfrm>
-            <a:off x="4161742" y="4124404"/>
+            <a:off x="4161742" y="4466284"/>
             <a:ext cx="818749" cy="722667"/>
           </a:xfrm>
           <a:prstGeom prst="flowChartMultidocument">
@@ -15415,20 +16051,20 @@
   <p:clrMapOvr>
     <a:masterClrMapping/>
   </p:clrMapOvr>
-  <p:transition>
+  <p:transition xmlns:p14="http://schemas.microsoft.com/office/powerpoint/2010/main">
     <p:fade/>
   </p:transition>
   <p:timing>
     <p:tnLst>
       <p:par>
-        <p:cTn id="1" dur="indefinite" restart="never" nodeType="tmRoot"/>
+        <p:cTn xmlns:p14="http://schemas.microsoft.com/office/powerpoint/2010/main" id="1" dur="indefinite" restart="never" nodeType="tmRoot"/>
       </p:par>
     </p:tnLst>
   </p:timing>
 </p:sld>
 </file>
 
-<file path=ppt/slides/slide16.xml><?xml version="1.0" encoding="utf-8"?>
+<file path=ppt/slides/slide17.xml><?xml version="1.0" encoding="utf-8"?>
 <p:sld xmlns:a="http://schemas.openxmlformats.org/drawingml/2006/main" xmlns:r="http://schemas.openxmlformats.org/officeDocument/2006/relationships" xmlns:p="http://schemas.openxmlformats.org/presentationml/2006/main">
   <p:cSld>
     <p:spTree>
@@ -15503,7 +16139,7 @@
             <p:ph idx="1"/>
             <p:extLst>
               <p:ext uri="{D42A27DB-BD31-4B8C-83A1-F6EECF244321}">
-                <p14:modId xmlns:p14="http://schemas.microsoft.com/office/powerpoint/2010/main" val="2943914751"/>
+                <p14:modId xmlns:p14="http://schemas.microsoft.com/office/powerpoint/2010/main" val="3836358315"/>
               </p:ext>
             </p:extLst>
           </p:nvPr>
@@ -15819,7 +16455,30 @@
                             <a:srgbClr val="000000"/>
                           </a:solidFill>
                         </a:rPr>
-                        <a:t>?</a:t>
+                        <a:t>11p</a:t>
+                      </a:r>
+                      <a:endParaRPr lang="en-US" sz="3200" b="1" dirty="0">
+                        <a:solidFill>
+                          <a:srgbClr val="000000"/>
+                        </a:solidFill>
+                      </a:endParaRPr>
+                    </a:p>
+                  </a:txBody>
+                  <a:tcPr/>
+                </a:tc>
+                <a:tc>
+                  <a:txBody>
+                    <a:bodyPr/>
+                    <a:lstStyle/>
+                    <a:p>
+                      <a:pPr algn="ctr"/>
+                      <a:r>
+                        <a:rPr lang="en-US" sz="3200" b="1" dirty="0" smtClean="0">
+                          <a:solidFill>
+                            <a:srgbClr val="000000"/>
+                          </a:solidFill>
+                        </a:rPr>
+                        <a:t>5</a:t>
                       </a:r>
                       <a:endParaRPr lang="en-US" sz="3200" b="1" dirty="0">
                         <a:solidFill>
@@ -15865,7 +16524,7 @@
                             <a:srgbClr val="000000"/>
                           </a:solidFill>
                         </a:rPr>
-                        <a:t>?</a:t>
+                        <a:t>X</a:t>
                       </a:r>
                       <a:endParaRPr lang="en-US" sz="3200" b="1" dirty="0">
                         <a:solidFill>
@@ -15888,30 +16547,7 @@
                             <a:srgbClr val="000000"/>
                           </a:solidFill>
                         </a:rPr>
-                        <a:t>?</a:t>
-                      </a:r>
-                      <a:endParaRPr lang="en-US" sz="3200" b="1" dirty="0">
-                        <a:solidFill>
-                          <a:srgbClr val="000000"/>
-                        </a:solidFill>
-                      </a:endParaRPr>
-                    </a:p>
-                  </a:txBody>
-                  <a:tcPr/>
-                </a:tc>
-                <a:tc>
-                  <a:txBody>
-                    <a:bodyPr/>
-                    <a:lstStyle/>
-                    <a:p>
-                      <a:pPr algn="ctr"/>
-                      <a:r>
-                        <a:rPr lang="en-US" sz="3200" b="1" dirty="0" smtClean="0">
-                          <a:solidFill>
-                            <a:srgbClr val="000000"/>
-                          </a:solidFill>
-                        </a:rPr>
-                        <a:t>?</a:t>
+                        <a:t>4.2</a:t>
                       </a:r>
                       <a:endParaRPr lang="en-US" sz="3200" b="1" dirty="0">
                         <a:solidFill>
@@ -16129,20 +16765,20 @@
   <p:clrMapOvr>
     <a:masterClrMapping/>
   </p:clrMapOvr>
-  <p:transition>
+  <p:transition xmlns:p14="http://schemas.microsoft.com/office/powerpoint/2010/main">
     <p:fade/>
   </p:transition>
   <p:timing>
     <p:tnLst>
       <p:par>
-        <p:cTn id="1" dur="indefinite" restart="never" nodeType="tmRoot"/>
+        <p:cTn xmlns:p14="http://schemas.microsoft.com/office/powerpoint/2010/main" id="1" dur="indefinite" restart="never" nodeType="tmRoot"/>
       </p:par>
     </p:tnLst>
   </p:timing>
 </p:sld>
 </file>
 
-<file path=ppt/slides/slide17.xml><?xml version="1.0" encoding="utf-8"?>
+<file path=ppt/slides/slide18.xml><?xml version="1.0" encoding="utf-8"?>
 <p:sld xmlns:a="http://schemas.openxmlformats.org/drawingml/2006/main" xmlns:r="http://schemas.openxmlformats.org/officeDocument/2006/relationships" xmlns:p="http://schemas.openxmlformats.org/presentationml/2006/main">
   <p:cSld>
     <p:spTree>
@@ -16234,20 +16870,20 @@
   <p:clrMapOvr>
     <a:masterClrMapping/>
   </p:clrMapOvr>
-  <p:transition>
+  <p:transition xmlns:p14="http://schemas.microsoft.com/office/powerpoint/2010/main">
     <p:fade/>
   </p:transition>
   <p:timing>
     <p:tnLst>
       <p:par>
-        <p:cTn id="1" dur="indefinite" restart="never" nodeType="tmRoot"/>
+        <p:cTn xmlns:p14="http://schemas.microsoft.com/office/powerpoint/2010/main" id="1" dur="indefinite" restart="never" nodeType="tmRoot"/>
       </p:par>
     </p:tnLst>
   </p:timing>
 </p:sld>
 </file>
 
-<file path=ppt/slides/slide18.xml><?xml version="1.0" encoding="utf-8"?>
+<file path=ppt/slides/slide19.xml><?xml version="1.0" encoding="utf-8"?>
 <p:sld xmlns:a="http://schemas.openxmlformats.org/drawingml/2006/main" xmlns:r="http://schemas.openxmlformats.org/officeDocument/2006/relationships" xmlns:p="http://schemas.openxmlformats.org/presentationml/2006/main">
   <p:cSld>
     <p:spTree>
@@ -16337,447 +16973,13 @@
   <p:clrMapOvr>
     <a:masterClrMapping/>
   </p:clrMapOvr>
-  <p:transition>
+  <p:transition xmlns:p14="http://schemas.microsoft.com/office/powerpoint/2010/main">
     <p:fade/>
   </p:transition>
   <p:timing>
     <p:tnLst>
       <p:par>
-        <p:cTn id="1" dur="indefinite" restart="never" nodeType="tmRoot"/>
-      </p:par>
-    </p:tnLst>
-  </p:timing>
-</p:sld>
-</file>
-
-<file path=ppt/slides/slide19.xml><?xml version="1.0" encoding="utf-8"?>
-<p:sld xmlns:a="http://schemas.openxmlformats.org/drawingml/2006/main" xmlns:r="http://schemas.openxmlformats.org/officeDocument/2006/relationships" xmlns:p="http://schemas.openxmlformats.org/presentationml/2006/main">
-  <p:cSld>
-    <p:spTree>
-      <p:nvGrpSpPr>
-        <p:cNvPr id="1" name=""/>
-        <p:cNvGrpSpPr/>
-        <p:nvPr/>
-      </p:nvGrpSpPr>
-      <p:grpSpPr>
-        <a:xfrm>
-          <a:off x="0" y="0"/>
-          <a:ext cx="0" cy="0"/>
-          <a:chOff x="0" y="0"/>
-          <a:chExt cx="0" cy="0"/>
-        </a:xfrm>
-      </p:grpSpPr>
-      <p:sp>
-        <p:nvSpPr>
-          <p:cNvPr id="5" name="Title 4"/>
-          <p:cNvSpPr>
-            <a:spLocks noGrp="1"/>
-          </p:cNvSpPr>
-          <p:nvPr>
-            <p:ph type="title"/>
-          </p:nvPr>
-        </p:nvSpPr>
-        <p:spPr/>
-        <p:txBody>
-          <a:bodyPr/>
-          <a:lstStyle/>
-          <a:p>
-            <a:r>
-              <a:rPr lang="en-US" dirty="0" smtClean="0"/>
-              <a:t>Working with </a:t>
-            </a:r>
-            <a:r>
-              <a:rPr lang="en-US" dirty="0" err="1" smtClean="0"/>
-              <a:t>localStorage</a:t>
-            </a:r>
-            <a:r>
-              <a:rPr lang="en-US" dirty="0" smtClean="0"/>
-              <a:t> </a:t>
-            </a:r>
-            <a:endParaRPr lang="en-US" dirty="0"/>
-          </a:p>
-        </p:txBody>
-      </p:sp>
-      <p:sp>
-        <p:nvSpPr>
-          <p:cNvPr id="6" name="Text Placeholder 5"/>
-          <p:cNvSpPr>
-            <a:spLocks noGrp="1"/>
-          </p:cNvSpPr>
-          <p:nvPr>
-            <p:ph type="body" sz="quarter" idx="10"/>
-          </p:nvPr>
-        </p:nvSpPr>
-        <p:spPr>
-          <a:xfrm>
-            <a:off x="389436" y="1447973"/>
-            <a:ext cx="8571939" cy="2702278"/>
-          </a:xfrm>
-        </p:spPr>
-        <p:txBody>
-          <a:bodyPr/>
-          <a:lstStyle/>
-          <a:p>
-            <a:pPr marL="0" indent="0">
-              <a:buNone/>
-            </a:pPr>
-            <a:r>
-              <a:rPr lang="en-US" sz="2400" dirty="0" smtClean="0">
-                <a:solidFill>
-                  <a:schemeClr val="bg1"/>
-                </a:solidFill>
-              </a:rPr>
-              <a:t>$('#save').click(function () {</a:t>
-            </a:r>
-          </a:p>
-          <a:p>
-            <a:pPr marL="0" indent="0">
-              <a:buNone/>
-            </a:pPr>
-            <a:r>
-              <a:rPr lang="en-US" sz="2400" spc="-100" dirty="0" smtClean="0">
-                <a:solidFill>
-                  <a:schemeClr val="bg1"/>
-                </a:solidFill>
-              </a:rPr>
-              <a:t>              </a:t>
-            </a:r>
-            <a:r>
-              <a:rPr lang="en-US" sz="2400" b="1" spc="-100" dirty="0" err="1" smtClean="0">
-                <a:solidFill>
-                  <a:schemeClr val="accent2">
-                    <a:lumMod val="50000"/>
-                  </a:schemeClr>
-                </a:solidFill>
-                <a:effectLst>
-                  <a:outerShdw blurRad="38100" dist="38100" dir="2700000" algn="tl">
-                    <a:srgbClr val="000000">
-                      <a:alpha val="43137"/>
-                    </a:srgbClr>
-                  </a:outerShdw>
-                </a:effectLst>
-              </a:rPr>
-              <a:t>window.localStorage.setItem</a:t>
-            </a:r>
-            <a:r>
-              <a:rPr lang="en-US" sz="2400" spc="-100" dirty="0" smtClean="0">
-                <a:solidFill>
-                  <a:schemeClr val="bg1"/>
-                </a:solidFill>
-              </a:rPr>
-              <a:t>('name',$('#name').</a:t>
-            </a:r>
-            <a:r>
-              <a:rPr lang="en-US" sz="2400" spc="-100" dirty="0" err="1" smtClean="0">
-                <a:solidFill>
-                  <a:schemeClr val="bg1"/>
-                </a:solidFill>
-              </a:rPr>
-              <a:t>val</a:t>
-            </a:r>
-            <a:r>
-              <a:rPr lang="en-US" sz="2400" spc="-100" dirty="0" smtClean="0">
-                <a:solidFill>
-                  <a:schemeClr val="bg1"/>
-                </a:solidFill>
-              </a:rPr>
-              <a:t>());</a:t>
-            </a:r>
-          </a:p>
-          <a:p>
-            <a:pPr marL="0" indent="0">
-              <a:buNone/>
-            </a:pPr>
-            <a:r>
-              <a:rPr lang="en-US" sz="2400" b="1" spc="-100" dirty="0" smtClean="0">
-                <a:solidFill>
-                  <a:schemeClr val="bg1"/>
-                </a:solidFill>
-                <a:effectLst>
-                  <a:outerShdw blurRad="38100" dist="38100" dir="2700000" algn="tl">
-                    <a:srgbClr val="000000">
-                      <a:alpha val="43137"/>
-                    </a:srgbClr>
-                  </a:outerShdw>
-                </a:effectLst>
-              </a:rPr>
-              <a:t>              </a:t>
-            </a:r>
-            <a:r>
-              <a:rPr lang="en-US" sz="2400" b="1" spc="-100" dirty="0" err="1" smtClean="0">
-                <a:solidFill>
-                  <a:schemeClr val="accent2">
-                    <a:lumMod val="50000"/>
-                  </a:schemeClr>
-                </a:solidFill>
-                <a:effectLst>
-                  <a:outerShdw blurRad="38100" dist="38100" dir="2700000" algn="tl">
-                    <a:srgbClr val="000000">
-                      <a:alpha val="43137"/>
-                    </a:srgbClr>
-                  </a:outerShdw>
-                </a:effectLst>
-              </a:rPr>
-              <a:t>window.localStorage</a:t>
-            </a:r>
-            <a:r>
-              <a:rPr lang="en-US" sz="2400" spc="-100" dirty="0" err="1" smtClean="0">
-                <a:solidFill>
-                  <a:schemeClr val="accent2">
-                    <a:lumMod val="50000"/>
-                  </a:schemeClr>
-                </a:solidFill>
-              </a:rPr>
-              <a:t>.</a:t>
-            </a:r>
-            <a:r>
-              <a:rPr lang="en-US" sz="2400" spc="-100" dirty="0" err="1" smtClean="0">
-                <a:solidFill>
-                  <a:schemeClr val="bg1"/>
-                </a:solidFill>
-              </a:rPr>
-              <a:t>email</a:t>
-            </a:r>
-            <a:r>
-              <a:rPr lang="en-US" sz="2400" spc="-100" dirty="0" smtClean="0">
-                <a:solidFill>
-                  <a:schemeClr val="bg1"/>
-                </a:solidFill>
-              </a:rPr>
-              <a:t> = $('#email').</a:t>
-            </a:r>
-            <a:r>
-              <a:rPr lang="en-US" sz="2400" spc="-100" dirty="0" err="1" smtClean="0">
-                <a:solidFill>
-                  <a:schemeClr val="bg1"/>
-                </a:solidFill>
-              </a:rPr>
-              <a:t>val</a:t>
-            </a:r>
-            <a:r>
-              <a:rPr lang="en-US" sz="2400" spc="-100" dirty="0" smtClean="0">
-                <a:solidFill>
-                  <a:schemeClr val="bg1"/>
-                </a:solidFill>
-              </a:rPr>
-              <a:t>(); </a:t>
-            </a:r>
-          </a:p>
-          <a:p>
-            <a:pPr marL="0" indent="0">
-              <a:buNone/>
-            </a:pPr>
-            <a:r>
-              <a:rPr lang="en-US" sz="2400" dirty="0" smtClean="0">
-                <a:solidFill>
-                  <a:schemeClr val="bg1"/>
-                </a:solidFill>
-              </a:rPr>
-              <a:t>});</a:t>
-            </a:r>
-            <a:br>
-              <a:rPr lang="en-US" sz="2400" dirty="0" smtClean="0">
-                <a:solidFill>
-                  <a:schemeClr val="bg1"/>
-                </a:solidFill>
-              </a:rPr>
-            </a:br>
-            <a:endParaRPr lang="en-US" sz="2400" dirty="0" smtClean="0">
-              <a:solidFill>
-                <a:schemeClr val="bg1"/>
-              </a:solidFill>
-            </a:endParaRPr>
-          </a:p>
-          <a:p>
-            <a:pPr marL="0" indent="0">
-              <a:buNone/>
-            </a:pPr>
-            <a:r>
-              <a:rPr lang="en-US" sz="2400" dirty="0" smtClean="0">
-                <a:solidFill>
-                  <a:schemeClr val="bg1"/>
-                </a:solidFill>
-              </a:rPr>
-              <a:t>$('#name').</a:t>
-            </a:r>
-            <a:r>
-              <a:rPr lang="en-US" sz="2400" dirty="0" err="1" smtClean="0">
-                <a:solidFill>
-                  <a:schemeClr val="bg1"/>
-                </a:solidFill>
-              </a:rPr>
-              <a:t>val</a:t>
-            </a:r>
-            <a:r>
-              <a:rPr lang="en-US" sz="2400" dirty="0" smtClean="0">
-                <a:solidFill>
-                  <a:schemeClr val="bg1"/>
-                </a:solidFill>
-              </a:rPr>
-              <a:t>(</a:t>
-            </a:r>
-            <a:r>
-              <a:rPr lang="en-US" sz="2400" b="1" dirty="0" err="1" smtClean="0">
-                <a:solidFill>
-                  <a:schemeClr val="accent2">
-                    <a:lumMod val="50000"/>
-                  </a:schemeClr>
-                </a:solidFill>
-                <a:effectLst>
-                  <a:outerShdw blurRad="38100" dist="38100" dir="2700000" algn="tl">
-                    <a:srgbClr val="000000">
-                      <a:alpha val="43137"/>
-                    </a:srgbClr>
-                  </a:outerShdw>
-                </a:effectLst>
-              </a:rPr>
-              <a:t>window.localStorage.getItem</a:t>
-            </a:r>
-            <a:r>
-              <a:rPr lang="en-US" sz="2400" dirty="0" smtClean="0">
-                <a:solidFill>
-                  <a:schemeClr val="bg1"/>
-                </a:solidFill>
-              </a:rPr>
-              <a:t>('name'));</a:t>
-            </a:r>
-          </a:p>
-          <a:p>
-            <a:pPr marL="0" indent="0">
-              <a:buNone/>
-            </a:pPr>
-            <a:r>
-              <a:rPr lang="en-US" sz="2400" dirty="0" smtClean="0">
-                <a:solidFill>
-                  <a:schemeClr val="bg1"/>
-                </a:solidFill>
-              </a:rPr>
-              <a:t>$('#email').</a:t>
-            </a:r>
-            <a:r>
-              <a:rPr lang="en-US" sz="2400" dirty="0" err="1" smtClean="0">
-                <a:solidFill>
-                  <a:schemeClr val="bg1"/>
-                </a:solidFill>
-              </a:rPr>
-              <a:t>val</a:t>
-            </a:r>
-            <a:r>
-              <a:rPr lang="en-US" sz="2400" dirty="0" smtClean="0">
-                <a:solidFill>
-                  <a:schemeClr val="bg1"/>
-                </a:solidFill>
-              </a:rPr>
-              <a:t>(</a:t>
-            </a:r>
-            <a:r>
-              <a:rPr lang="en-US" sz="2400" b="1" dirty="0" err="1" smtClean="0">
-                <a:solidFill>
-                  <a:schemeClr val="accent2">
-                    <a:lumMod val="50000"/>
-                  </a:schemeClr>
-                </a:solidFill>
-                <a:effectLst>
-                  <a:outerShdw blurRad="38100" dist="38100" dir="2700000" algn="tl">
-                    <a:srgbClr val="000000">
-                      <a:alpha val="43137"/>
-                    </a:srgbClr>
-                  </a:outerShdw>
-                </a:effectLst>
-              </a:rPr>
-              <a:t>window.localStorage</a:t>
-            </a:r>
-            <a:r>
-              <a:rPr lang="en-US" sz="2400" dirty="0" err="1" smtClean="0">
-                <a:solidFill>
-                  <a:schemeClr val="accent2">
-                    <a:lumMod val="50000"/>
-                  </a:schemeClr>
-                </a:solidFill>
-              </a:rPr>
-              <a:t>.</a:t>
-            </a:r>
-            <a:r>
-              <a:rPr lang="en-US" sz="2400" dirty="0" err="1" smtClean="0">
-                <a:solidFill>
-                  <a:schemeClr val="bg1"/>
-                </a:solidFill>
-              </a:rPr>
-              <a:t>email</a:t>
-            </a:r>
-            <a:r>
-              <a:rPr lang="en-US" sz="2400" dirty="0" smtClean="0">
-                <a:solidFill>
-                  <a:schemeClr val="bg1"/>
-                </a:solidFill>
-              </a:rPr>
-              <a:t>);</a:t>
-            </a:r>
-            <a:endParaRPr lang="en-US" sz="2400" dirty="0">
-              <a:solidFill>
-                <a:schemeClr val="bg1"/>
-              </a:solidFill>
-            </a:endParaRPr>
-          </a:p>
-        </p:txBody>
-      </p:sp>
-      <p:pic>
-        <p:nvPicPr>
-          <p:cNvPr id="3078" name="Picture 6" descr="C:\Users\brsatrom\AppData\Local\Temp\SNAGHTML4ab39dc.PNG"/>
-          <p:cNvPicPr>
-            <a:picLocks noChangeAspect="1" noChangeArrowheads="1"/>
-          </p:cNvPicPr>
-          <p:nvPr/>
-        </p:nvPicPr>
-        <p:blipFill rotWithShape="1">
-          <a:blip r:embed="rId3">
-            <a:extLst>
-              <a:ext uri="{28A0092B-C50C-407E-A947-70E740481C1C}">
-                <a14:useLocalDpi xmlns:a14="http://schemas.microsoft.com/office/drawing/2010/main" val="0"/>
-              </a:ext>
-            </a:extLst>
-          </a:blip>
-          <a:srcRect l="-1" r="-7741" b="-6130"/>
-          <a:stretch/>
-        </p:blipFill>
-        <p:spPr bwMode="auto">
-          <a:xfrm>
-            <a:off x="6413754" y="4150251"/>
-            <a:ext cx="2483051" cy="2295317"/>
-          </a:xfrm>
-          <a:prstGeom prst="rect">
-            <a:avLst/>
-          </a:prstGeom>
-          <a:noFill/>
-          <a:effectLst/>
-          <a:extLst>
-            <a:ext uri="{909E8E84-426E-40DD-AFC4-6F175D3DCCD1}">
-              <a14:hiddenFill xmlns:a14="http://schemas.microsoft.com/office/drawing/2010/main">
-                <a:solidFill>
-                  <a:srgbClr val="FFFFFF"/>
-                </a:solidFill>
-              </a14:hiddenFill>
-            </a:ext>
-          </a:extLst>
-        </p:spPr>
-      </p:pic>
-    </p:spTree>
-    <p:extLst>
-      <p:ext uri="{BB962C8B-B14F-4D97-AF65-F5344CB8AC3E}">
-        <p14:creationId xmlns:p14="http://schemas.microsoft.com/office/powerpoint/2010/main" val="4130975556"/>
-      </p:ext>
-    </p:extLst>
-  </p:cSld>
-  <p:clrMapOvr>
-    <a:masterClrMapping/>
-  </p:clrMapOvr>
-  <p:transition>
-    <p:fade/>
-  </p:transition>
-  <p:timing>
-    <p:tnLst>
-      <p:par>
-        <p:cTn id="1" dur="indefinite" restart="never" nodeType="tmRoot"/>
+        <p:cTn xmlns:p14="http://schemas.microsoft.com/office/powerpoint/2010/main" id="1" dur="indefinite" restart="never" nodeType="tmRoot"/>
       </p:par>
     </p:tnLst>
   </p:timing>
@@ -16886,7 +17088,7 @@
         <p:spPr>
           <a:xfrm>
             <a:off x="389436" y="1447802"/>
-            <a:ext cx="8363938" cy="451406"/>
+            <a:ext cx="8363938" cy="1977977"/>
           </a:xfrm>
         </p:spPr>
         <p:txBody>
@@ -16898,8 +17100,36 @@
             </a:pPr>
             <a:r>
               <a:rPr lang="en-US" dirty="0" smtClean="0"/>
-              <a:t>Description</a:t>
-            </a:r>
+              <a:t>Drag and Drop, Canvas, </a:t>
+            </a:r>
+            <a:r>
+              <a:rPr lang="en-US" dirty="0" err="1" smtClean="0"/>
+              <a:t>WebSockets</a:t>
+            </a:r>
+            <a:r>
+              <a:rPr lang="en-US" dirty="0" smtClean="0"/>
+              <a:t> would just be useless without JavaScript. </a:t>
+            </a:r>
+          </a:p>
+          <a:p>
+            <a:pPr marL="0" indent="0">
+              <a:buNone/>
+            </a:pPr>
+            <a:endParaRPr lang="en-US" dirty="0" smtClean="0"/>
+          </a:p>
+          <a:p>
+            <a:pPr marL="0" indent="0">
+              <a:buNone/>
+            </a:pPr>
+            <a:r>
+              <a:rPr lang="en-US" dirty="0" smtClean="0"/>
+              <a:t>It turns out there is a spec for just that.</a:t>
+            </a:r>
+            <a:r>
+              <a:rPr lang="en-US" dirty="0" smtClean="0"/>
+              <a:t> </a:t>
+            </a:r>
+            <a:endParaRPr lang="en-US" dirty="0" smtClean="0"/>
           </a:p>
         </p:txBody>
       </p:sp>
@@ -16943,13 +17173,13 @@
   <p:clrMapOvr>
     <a:masterClrMapping/>
   </p:clrMapOvr>
-  <p:transition>
+  <p:transition xmlns:p14="http://schemas.microsoft.com/office/powerpoint/2010/main">
     <p:fade/>
   </p:transition>
   <p:timing>
     <p:tnLst>
       <p:par>
-        <p:cTn id="1" dur="indefinite" restart="never" nodeType="tmRoot"/>
+        <p:cTn xmlns:p14="http://schemas.microsoft.com/office/powerpoint/2010/main" id="1" dur="indefinite" restart="never" nodeType="tmRoot"/>
       </p:par>
     </p:tnLst>
   </p:timing>
@@ -16957,6 +17187,440 @@
 </file>
 
 <file path=ppt/slides/slide20.xml><?xml version="1.0" encoding="utf-8"?>
+<p:sld xmlns:a="http://schemas.openxmlformats.org/drawingml/2006/main" xmlns:r="http://schemas.openxmlformats.org/officeDocument/2006/relationships" xmlns:p="http://schemas.openxmlformats.org/presentationml/2006/main">
+  <p:cSld>
+    <p:spTree>
+      <p:nvGrpSpPr>
+        <p:cNvPr id="1" name=""/>
+        <p:cNvGrpSpPr/>
+        <p:nvPr/>
+      </p:nvGrpSpPr>
+      <p:grpSpPr>
+        <a:xfrm>
+          <a:off x="0" y="0"/>
+          <a:ext cx="0" cy="0"/>
+          <a:chOff x="0" y="0"/>
+          <a:chExt cx="0" cy="0"/>
+        </a:xfrm>
+      </p:grpSpPr>
+      <p:sp>
+        <p:nvSpPr>
+          <p:cNvPr id="5" name="Title 4"/>
+          <p:cNvSpPr>
+            <a:spLocks noGrp="1"/>
+          </p:cNvSpPr>
+          <p:nvPr>
+            <p:ph type="title"/>
+          </p:nvPr>
+        </p:nvSpPr>
+        <p:spPr/>
+        <p:txBody>
+          <a:bodyPr/>
+          <a:lstStyle/>
+          <a:p>
+            <a:r>
+              <a:rPr lang="en-US" dirty="0" smtClean="0"/>
+              <a:t>Working with </a:t>
+            </a:r>
+            <a:r>
+              <a:rPr lang="en-US" dirty="0" err="1" smtClean="0"/>
+              <a:t>localStorage</a:t>
+            </a:r>
+            <a:r>
+              <a:rPr lang="en-US" dirty="0" smtClean="0"/>
+              <a:t> </a:t>
+            </a:r>
+            <a:endParaRPr lang="en-US" dirty="0"/>
+          </a:p>
+        </p:txBody>
+      </p:sp>
+      <p:sp>
+        <p:nvSpPr>
+          <p:cNvPr id="6" name="Text Placeholder 5"/>
+          <p:cNvSpPr>
+            <a:spLocks noGrp="1"/>
+          </p:cNvSpPr>
+          <p:nvPr>
+            <p:ph type="body" sz="quarter" idx="10"/>
+          </p:nvPr>
+        </p:nvSpPr>
+        <p:spPr>
+          <a:xfrm>
+            <a:off x="389436" y="1447973"/>
+            <a:ext cx="8571939" cy="2702278"/>
+          </a:xfrm>
+        </p:spPr>
+        <p:txBody>
+          <a:bodyPr/>
+          <a:lstStyle/>
+          <a:p>
+            <a:pPr marL="0" indent="0">
+              <a:buNone/>
+            </a:pPr>
+            <a:r>
+              <a:rPr lang="en-US" sz="2400" dirty="0" smtClean="0">
+                <a:solidFill>
+                  <a:schemeClr val="bg1"/>
+                </a:solidFill>
+              </a:rPr>
+              <a:t>$('#save').click(function () {</a:t>
+            </a:r>
+          </a:p>
+          <a:p>
+            <a:pPr marL="0" indent="0">
+              <a:buNone/>
+            </a:pPr>
+            <a:r>
+              <a:rPr lang="en-US" sz="2400" spc="-100" dirty="0" smtClean="0">
+                <a:solidFill>
+                  <a:schemeClr val="bg1"/>
+                </a:solidFill>
+              </a:rPr>
+              <a:t>              </a:t>
+            </a:r>
+            <a:r>
+              <a:rPr lang="en-US" sz="2400" b="1" spc="-100" dirty="0" err="1" smtClean="0">
+                <a:solidFill>
+                  <a:schemeClr val="accent2">
+                    <a:lumMod val="50000"/>
+                  </a:schemeClr>
+                </a:solidFill>
+                <a:effectLst>
+                  <a:outerShdw blurRad="38100" dist="38100" dir="2700000" algn="tl">
+                    <a:srgbClr val="000000">
+                      <a:alpha val="43137"/>
+                    </a:srgbClr>
+                  </a:outerShdw>
+                </a:effectLst>
+              </a:rPr>
+              <a:t>window.localStorage.setItem</a:t>
+            </a:r>
+            <a:r>
+              <a:rPr lang="en-US" sz="2400" spc="-100" dirty="0" smtClean="0">
+                <a:solidFill>
+                  <a:schemeClr val="bg1"/>
+                </a:solidFill>
+              </a:rPr>
+              <a:t>('name',$('#name').</a:t>
+            </a:r>
+            <a:r>
+              <a:rPr lang="en-US" sz="2400" spc="-100" dirty="0" err="1" smtClean="0">
+                <a:solidFill>
+                  <a:schemeClr val="bg1"/>
+                </a:solidFill>
+              </a:rPr>
+              <a:t>val</a:t>
+            </a:r>
+            <a:r>
+              <a:rPr lang="en-US" sz="2400" spc="-100" dirty="0" smtClean="0">
+                <a:solidFill>
+                  <a:schemeClr val="bg1"/>
+                </a:solidFill>
+              </a:rPr>
+              <a:t>());</a:t>
+            </a:r>
+          </a:p>
+          <a:p>
+            <a:pPr marL="0" indent="0">
+              <a:buNone/>
+            </a:pPr>
+            <a:r>
+              <a:rPr lang="en-US" sz="2400" b="1" spc="-100" dirty="0" smtClean="0">
+                <a:solidFill>
+                  <a:schemeClr val="bg1"/>
+                </a:solidFill>
+                <a:effectLst>
+                  <a:outerShdw blurRad="38100" dist="38100" dir="2700000" algn="tl">
+                    <a:srgbClr val="000000">
+                      <a:alpha val="43137"/>
+                    </a:srgbClr>
+                  </a:outerShdw>
+                </a:effectLst>
+              </a:rPr>
+              <a:t>              </a:t>
+            </a:r>
+            <a:r>
+              <a:rPr lang="en-US" sz="2400" b="1" spc="-100" dirty="0" err="1" smtClean="0">
+                <a:solidFill>
+                  <a:schemeClr val="accent2">
+                    <a:lumMod val="50000"/>
+                  </a:schemeClr>
+                </a:solidFill>
+                <a:effectLst>
+                  <a:outerShdw blurRad="38100" dist="38100" dir="2700000" algn="tl">
+                    <a:srgbClr val="000000">
+                      <a:alpha val="43137"/>
+                    </a:srgbClr>
+                  </a:outerShdw>
+                </a:effectLst>
+              </a:rPr>
+              <a:t>window.localStorage</a:t>
+            </a:r>
+            <a:r>
+              <a:rPr lang="en-US" sz="2400" spc="-100" dirty="0" err="1" smtClean="0">
+                <a:solidFill>
+                  <a:schemeClr val="accent2">
+                    <a:lumMod val="50000"/>
+                  </a:schemeClr>
+                </a:solidFill>
+              </a:rPr>
+              <a:t>.</a:t>
+            </a:r>
+            <a:r>
+              <a:rPr lang="en-US" sz="2400" spc="-100" dirty="0" err="1" smtClean="0">
+                <a:solidFill>
+                  <a:schemeClr val="bg1"/>
+                </a:solidFill>
+              </a:rPr>
+              <a:t>email</a:t>
+            </a:r>
+            <a:r>
+              <a:rPr lang="en-US" sz="2400" spc="-100" dirty="0" smtClean="0">
+                <a:solidFill>
+                  <a:schemeClr val="bg1"/>
+                </a:solidFill>
+              </a:rPr>
+              <a:t> = $('#email').</a:t>
+            </a:r>
+            <a:r>
+              <a:rPr lang="en-US" sz="2400" spc="-100" dirty="0" err="1" smtClean="0">
+                <a:solidFill>
+                  <a:schemeClr val="bg1"/>
+                </a:solidFill>
+              </a:rPr>
+              <a:t>val</a:t>
+            </a:r>
+            <a:r>
+              <a:rPr lang="en-US" sz="2400" spc="-100" dirty="0" smtClean="0">
+                <a:solidFill>
+                  <a:schemeClr val="bg1"/>
+                </a:solidFill>
+              </a:rPr>
+              <a:t>(); </a:t>
+            </a:r>
+          </a:p>
+          <a:p>
+            <a:pPr marL="0" indent="0">
+              <a:buNone/>
+            </a:pPr>
+            <a:r>
+              <a:rPr lang="en-US" sz="2400" dirty="0" smtClean="0">
+                <a:solidFill>
+                  <a:schemeClr val="bg1"/>
+                </a:solidFill>
+              </a:rPr>
+              <a:t>});</a:t>
+            </a:r>
+            <a:br>
+              <a:rPr lang="en-US" sz="2400" dirty="0" smtClean="0">
+                <a:solidFill>
+                  <a:schemeClr val="bg1"/>
+                </a:solidFill>
+              </a:rPr>
+            </a:br>
+            <a:endParaRPr lang="en-US" sz="2400" dirty="0" smtClean="0">
+              <a:solidFill>
+                <a:schemeClr val="bg1"/>
+              </a:solidFill>
+            </a:endParaRPr>
+          </a:p>
+          <a:p>
+            <a:pPr marL="0" indent="0">
+              <a:buNone/>
+            </a:pPr>
+            <a:r>
+              <a:rPr lang="en-US" sz="2400" dirty="0" smtClean="0">
+                <a:solidFill>
+                  <a:schemeClr val="bg1"/>
+                </a:solidFill>
+              </a:rPr>
+              <a:t>$('#name').</a:t>
+            </a:r>
+            <a:r>
+              <a:rPr lang="en-US" sz="2400" dirty="0" err="1" smtClean="0">
+                <a:solidFill>
+                  <a:schemeClr val="bg1"/>
+                </a:solidFill>
+              </a:rPr>
+              <a:t>val</a:t>
+            </a:r>
+            <a:r>
+              <a:rPr lang="en-US" sz="2400" dirty="0" smtClean="0">
+                <a:solidFill>
+                  <a:schemeClr val="bg1"/>
+                </a:solidFill>
+              </a:rPr>
+              <a:t>(</a:t>
+            </a:r>
+            <a:r>
+              <a:rPr lang="en-US" sz="2400" b="1" dirty="0" err="1" smtClean="0">
+                <a:solidFill>
+                  <a:schemeClr val="accent2">
+                    <a:lumMod val="50000"/>
+                  </a:schemeClr>
+                </a:solidFill>
+                <a:effectLst>
+                  <a:outerShdw blurRad="38100" dist="38100" dir="2700000" algn="tl">
+                    <a:srgbClr val="000000">
+                      <a:alpha val="43137"/>
+                    </a:srgbClr>
+                  </a:outerShdw>
+                </a:effectLst>
+              </a:rPr>
+              <a:t>window.localStorage.getItem</a:t>
+            </a:r>
+            <a:r>
+              <a:rPr lang="en-US" sz="2400" dirty="0" smtClean="0">
+                <a:solidFill>
+                  <a:schemeClr val="bg1"/>
+                </a:solidFill>
+              </a:rPr>
+              <a:t>('name'));</a:t>
+            </a:r>
+          </a:p>
+          <a:p>
+            <a:pPr marL="0" indent="0">
+              <a:buNone/>
+            </a:pPr>
+            <a:r>
+              <a:rPr lang="en-US" sz="2400" dirty="0" smtClean="0">
+                <a:solidFill>
+                  <a:schemeClr val="bg1"/>
+                </a:solidFill>
+              </a:rPr>
+              <a:t>$('#email').</a:t>
+            </a:r>
+            <a:r>
+              <a:rPr lang="en-US" sz="2400" dirty="0" err="1" smtClean="0">
+                <a:solidFill>
+                  <a:schemeClr val="bg1"/>
+                </a:solidFill>
+              </a:rPr>
+              <a:t>val</a:t>
+            </a:r>
+            <a:r>
+              <a:rPr lang="en-US" sz="2400" dirty="0" smtClean="0">
+                <a:solidFill>
+                  <a:schemeClr val="bg1"/>
+                </a:solidFill>
+              </a:rPr>
+              <a:t>(</a:t>
+            </a:r>
+            <a:r>
+              <a:rPr lang="en-US" sz="2400" b="1" dirty="0" err="1" smtClean="0">
+                <a:solidFill>
+                  <a:schemeClr val="accent2">
+                    <a:lumMod val="50000"/>
+                  </a:schemeClr>
+                </a:solidFill>
+                <a:effectLst>
+                  <a:outerShdw blurRad="38100" dist="38100" dir="2700000" algn="tl">
+                    <a:srgbClr val="000000">
+                      <a:alpha val="43137"/>
+                    </a:srgbClr>
+                  </a:outerShdw>
+                </a:effectLst>
+              </a:rPr>
+              <a:t>window.localStorage</a:t>
+            </a:r>
+            <a:r>
+              <a:rPr lang="en-US" sz="2400" dirty="0" err="1" smtClean="0">
+                <a:solidFill>
+                  <a:schemeClr val="accent2">
+                    <a:lumMod val="50000"/>
+                  </a:schemeClr>
+                </a:solidFill>
+              </a:rPr>
+              <a:t>.</a:t>
+            </a:r>
+            <a:r>
+              <a:rPr lang="en-US" sz="2400" dirty="0" err="1" smtClean="0">
+                <a:solidFill>
+                  <a:schemeClr val="bg1"/>
+                </a:solidFill>
+              </a:rPr>
+              <a:t>email</a:t>
+            </a:r>
+            <a:r>
+              <a:rPr lang="en-US" sz="2400" dirty="0" smtClean="0">
+                <a:solidFill>
+                  <a:schemeClr val="bg1"/>
+                </a:solidFill>
+              </a:rPr>
+              <a:t>);</a:t>
+            </a:r>
+            <a:endParaRPr lang="en-US" sz="2400" dirty="0">
+              <a:solidFill>
+                <a:schemeClr val="bg1"/>
+              </a:solidFill>
+            </a:endParaRPr>
+          </a:p>
+        </p:txBody>
+      </p:sp>
+      <p:pic>
+        <p:nvPicPr>
+          <p:cNvPr id="3078" name="Picture 6" descr="C:\Users\brsatrom\AppData\Local\Temp\SNAGHTML4ab39dc.PNG"/>
+          <p:cNvPicPr>
+            <a:picLocks noChangeAspect="1" noChangeArrowheads="1"/>
+          </p:cNvPicPr>
+          <p:nvPr/>
+        </p:nvPicPr>
+        <p:blipFill rotWithShape="1">
+          <a:blip r:embed="rId3">
+            <a:extLst>
+              <a:ext uri="{28A0092B-C50C-407E-A947-70E740481C1C}">
+                <a14:useLocalDpi xmlns:a14="http://schemas.microsoft.com/office/drawing/2010/main" val="0"/>
+              </a:ext>
+            </a:extLst>
+          </a:blip>
+          <a:srcRect l="-1" r="-7741" b="-6130"/>
+          <a:stretch/>
+        </p:blipFill>
+        <p:spPr bwMode="auto">
+          <a:xfrm>
+            <a:off x="6413754" y="4150251"/>
+            <a:ext cx="2483051" cy="2295317"/>
+          </a:xfrm>
+          <a:prstGeom prst="rect">
+            <a:avLst/>
+          </a:prstGeom>
+          <a:noFill/>
+          <a:effectLst/>
+          <a:extLst>
+            <a:ext uri="{909E8E84-426E-40dd-AFC4-6F175D3DCCD1}">
+              <a14:hiddenFill xmlns:a14="http://schemas.microsoft.com/office/drawing/2010/main">
+                <a:solidFill>
+                  <a:srgbClr val="FFFFFF"/>
+                </a:solidFill>
+              </a14:hiddenFill>
+            </a:ext>
+          </a:extLst>
+        </p:spPr>
+      </p:pic>
+    </p:spTree>
+    <p:extLst>
+      <p:ext uri="{BB962C8B-B14F-4D97-AF65-F5344CB8AC3E}">
+        <p14:creationId xmlns:p14="http://schemas.microsoft.com/office/powerpoint/2010/main" val="4130975556"/>
+      </p:ext>
+    </p:extLst>
+  </p:cSld>
+  <p:clrMapOvr>
+    <a:masterClrMapping/>
+  </p:clrMapOvr>
+  <p:transition xmlns:p14="http://schemas.microsoft.com/office/powerpoint/2010/main">
+    <p:fade/>
+  </p:transition>
+  <p:timing>
+    <p:tnLst>
+      <p:par>
+        <p:cTn xmlns:p14="http://schemas.microsoft.com/office/powerpoint/2010/main" id="1" dur="indefinite" restart="never" nodeType="tmRoot"/>
+      </p:par>
+    </p:tnLst>
+  </p:timing>
+</p:sld>
+</file>
+
+<file path=ppt/slides/slide21.xml><?xml version="1.0" encoding="utf-8"?>
 <p:sld xmlns:a="http://schemas.openxmlformats.org/drawingml/2006/main" xmlns:r="http://schemas.openxmlformats.org/officeDocument/2006/relationships" xmlns:p="http://schemas.openxmlformats.org/presentationml/2006/main">
   <p:cSld>
     <p:spTree>
@@ -17657,20 +18321,20 @@
   <p:clrMapOvr>
     <a:masterClrMapping/>
   </p:clrMapOvr>
-  <p:transition>
+  <p:transition xmlns:p14="http://schemas.microsoft.com/office/powerpoint/2010/main">
     <p:fade/>
   </p:transition>
   <p:timing>
     <p:tnLst>
       <p:par>
-        <p:cTn id="1" dur="indefinite" restart="never" nodeType="tmRoot"/>
+        <p:cTn xmlns:p14="http://schemas.microsoft.com/office/powerpoint/2010/main" id="1" dur="indefinite" restart="never" nodeType="tmRoot"/>
       </p:par>
     </p:tnLst>
   </p:timing>
 </p:sld>
 </file>
 
-<file path=ppt/slides/slide21.xml><?xml version="1.0" encoding="utf-8"?>
+<file path=ppt/slides/slide22.xml><?xml version="1.0" encoding="utf-8"?>
 <p:sld xmlns:a="http://schemas.openxmlformats.org/drawingml/2006/main" xmlns:r="http://schemas.openxmlformats.org/officeDocument/2006/relationships" xmlns:p="http://schemas.openxmlformats.org/presentationml/2006/main">
   <p:cSld>
     <p:spTree>
@@ -18180,20 +18844,20 @@
   <p:clrMapOvr>
     <a:masterClrMapping/>
   </p:clrMapOvr>
-  <p:transition>
+  <p:transition xmlns:p14="http://schemas.microsoft.com/office/powerpoint/2010/main">
     <p:fade/>
   </p:transition>
   <p:timing>
     <p:tnLst>
       <p:par>
-        <p:cTn id="1" dur="indefinite" restart="never" nodeType="tmRoot"/>
+        <p:cTn xmlns:p14="http://schemas.microsoft.com/office/powerpoint/2010/main" id="1" dur="indefinite" restart="never" nodeType="tmRoot"/>
       </p:par>
     </p:tnLst>
   </p:timing>
 </p:sld>
 </file>
 
-<file path=ppt/slides/slide22.xml><?xml version="1.0" encoding="utf-8"?>
+<file path=ppt/slides/slide23.xml><?xml version="1.0" encoding="utf-8"?>
 <p:sld xmlns:a="http://schemas.openxmlformats.org/drawingml/2006/main" xmlns:r="http://schemas.openxmlformats.org/officeDocument/2006/relationships" xmlns:p="http://schemas.openxmlformats.org/presentationml/2006/main">
   <p:cSld>
     <p:spTree>
@@ -18292,7 +18956,7 @@
             <p:ph idx="1"/>
             <p:extLst>
               <p:ext uri="{D42A27DB-BD31-4B8C-83A1-F6EECF244321}">
-                <p14:modId xmlns:p14="http://schemas.microsoft.com/office/powerpoint/2010/main" val="1858546084"/>
+                <p14:modId xmlns:p14="http://schemas.microsoft.com/office/powerpoint/2010/main" val="3854347406"/>
               </p:ext>
             </p:extLst>
           </p:nvPr>
@@ -18608,7 +19272,7 @@
                             <a:schemeClr val="bg1"/>
                           </a:solidFill>
                         </a:rPr>
-                        <a:t>?</a:t>
+                        <a:t>X</a:t>
                       </a:r>
                       <a:endParaRPr lang="en-US" sz="3200" b="1" dirty="0">
                         <a:solidFill>
@@ -18631,7 +19295,7 @@
                             <a:schemeClr val="bg1"/>
                           </a:solidFill>
                         </a:rPr>
-                        <a:t>?</a:t>
+                        <a:t>X</a:t>
                       </a:r>
                       <a:endParaRPr lang="en-US" sz="3200" b="1" dirty="0">
                         <a:solidFill>
@@ -18654,7 +19318,7 @@
                             <a:schemeClr val="bg1"/>
                           </a:solidFill>
                         </a:rPr>
-                        <a:t>?</a:t>
+                        <a:t>X</a:t>
                       </a:r>
                       <a:endParaRPr lang="en-US" sz="2800" b="1" dirty="0">
                         <a:solidFill>
@@ -18677,7 +19341,7 @@
                             <a:schemeClr val="bg1"/>
                           </a:solidFill>
                         </a:rPr>
-                        <a:t>?</a:t>
+                        <a:t>X</a:t>
                       </a:r>
                       <a:endParaRPr lang="en-US" sz="2800" b="1" dirty="0">
                         <a:solidFill>
@@ -18700,7 +19364,7 @@
                             <a:schemeClr val="bg1"/>
                           </a:solidFill>
                         </a:rPr>
-                        <a:t>?</a:t>
+                        <a:t>X</a:t>
                       </a:r>
                       <a:endParaRPr lang="en-US" sz="2800" b="1" dirty="0">
                         <a:solidFill>
@@ -18918,20 +19582,20 @@
   <p:clrMapOvr>
     <a:masterClrMapping/>
   </p:clrMapOvr>
-  <p:transition>
+  <p:transition xmlns:p14="http://schemas.microsoft.com/office/powerpoint/2010/main">
     <p:fade/>
   </p:transition>
   <p:timing>
     <p:tnLst>
       <p:par>
-        <p:cTn id="1" dur="indefinite" restart="never" nodeType="tmRoot"/>
+        <p:cTn xmlns:p14="http://schemas.microsoft.com/office/powerpoint/2010/main" id="1" dur="indefinite" restart="never" nodeType="tmRoot"/>
       </p:par>
     </p:tnLst>
   </p:timing>
 </p:sld>
 </file>
 
-<file path=ppt/slides/slide23.xml><?xml version="1.0" encoding="utf-8"?>
+<file path=ppt/slides/slide24.xml><?xml version="1.0" encoding="utf-8"?>
 <p:sld xmlns:a="http://schemas.openxmlformats.org/drawingml/2006/main" xmlns:r="http://schemas.openxmlformats.org/officeDocument/2006/relationships" xmlns:p="http://schemas.openxmlformats.org/presentationml/2006/main">
   <p:cSld>
     <p:spTree>
@@ -19023,20 +19687,20 @@
   <p:clrMapOvr>
     <a:masterClrMapping/>
   </p:clrMapOvr>
-  <p:transition>
+  <p:transition xmlns:p14="http://schemas.microsoft.com/office/powerpoint/2010/main">
     <p:fade/>
   </p:transition>
   <p:timing>
     <p:tnLst>
       <p:par>
-        <p:cTn id="1" dur="indefinite" restart="never" nodeType="tmRoot"/>
+        <p:cTn xmlns:p14="http://schemas.microsoft.com/office/powerpoint/2010/main" id="1" dur="indefinite" restart="never" nodeType="tmRoot"/>
       </p:par>
     </p:tnLst>
   </p:timing>
 </p:sld>
 </file>
 
-<file path=ppt/slides/slide24.xml><?xml version="1.0" encoding="utf-8"?>
+<file path=ppt/slides/slide25.xml><?xml version="1.0" encoding="utf-8"?>
 <p:sld xmlns:a="http://schemas.openxmlformats.org/drawingml/2006/main" xmlns:r="http://schemas.openxmlformats.org/officeDocument/2006/relationships" xmlns:p="http://schemas.openxmlformats.org/presentationml/2006/main">
   <p:cSld>
     <p:spTree>
@@ -19117,20 +19781,20 @@
   <p:clrMapOvr>
     <a:masterClrMapping/>
   </p:clrMapOvr>
-  <p:transition>
+  <p:transition xmlns:p14="http://schemas.microsoft.com/office/powerpoint/2010/main">
     <p:fade/>
   </p:transition>
   <p:timing>
     <p:tnLst>
       <p:par>
-        <p:cTn id="1" dur="indefinite" restart="never" nodeType="tmRoot"/>
+        <p:cTn xmlns:p14="http://schemas.microsoft.com/office/powerpoint/2010/main" id="1" dur="indefinite" restart="never" nodeType="tmRoot"/>
       </p:par>
     </p:tnLst>
   </p:timing>
 </p:sld>
 </file>
 
-<file path=ppt/slides/slide25.xml><?xml version="1.0" encoding="utf-8"?>
+<file path=ppt/slides/slide26.xml><?xml version="1.0" encoding="utf-8"?>
 <p:sld xmlns:a="http://schemas.openxmlformats.org/drawingml/2006/main" xmlns:r="http://schemas.openxmlformats.org/officeDocument/2006/relationships" xmlns:p="http://schemas.openxmlformats.org/presentationml/2006/main">
   <p:cSld>
     <p:spTree>
@@ -19253,13 +19917,13 @@
   <p:clrMapOvr>
     <a:masterClrMapping/>
   </p:clrMapOvr>
-  <p:transition>
+  <p:transition xmlns:p14="http://schemas.microsoft.com/office/powerpoint/2010/main">
     <p:fade/>
   </p:transition>
   <p:timing>
     <p:tnLst>
       <p:par>
-        <p:cTn id="1" dur="indefinite" restart="never" nodeType="tmRoot">
+        <p:cTn xmlns:p14="http://schemas.microsoft.com/office/powerpoint/2010/main" id="1" dur="indefinite" restart="never" nodeType="tmRoot">
           <p:childTnLst>
             <p:seq concurrent="1" nextAc="seek">
               <p:cTn id="2" dur="indefinite" nodeType="mainSeq">
@@ -19405,7 +20069,7 @@
 </p:sld>
 </file>
 
-<file path=ppt/slides/slide26.xml><?xml version="1.0" encoding="utf-8"?>
+<file path=ppt/slides/slide27.xml><?xml version="1.0" encoding="utf-8"?>
 <p:sld xmlns:a="http://schemas.openxmlformats.org/drawingml/2006/main" xmlns:r="http://schemas.openxmlformats.org/officeDocument/2006/relationships" xmlns:p="http://schemas.openxmlformats.org/presentationml/2006/main">
   <p:cSld>
     <p:spTree>
@@ -19704,13 +20368,13 @@
   <p:clrMapOvr>
     <a:masterClrMapping/>
   </p:clrMapOvr>
-  <p:transition>
+  <p:transition xmlns:p14="http://schemas.microsoft.com/office/powerpoint/2010/main">
     <p:fade/>
   </p:transition>
   <p:timing>
     <p:tnLst>
       <p:par>
-        <p:cTn id="1" dur="indefinite" restart="never" nodeType="tmRoot">
+        <p:cTn xmlns:p14="http://schemas.microsoft.com/office/powerpoint/2010/main" id="1" dur="indefinite" restart="never" nodeType="tmRoot">
           <p:childTnLst>
             <p:seq concurrent="1" nextAc="seek">
               <p:cTn id="2" dur="indefinite" nodeType="mainSeq">
@@ -20061,7 +20725,7 @@
 </p:sld>
 </file>
 
-<file path=ppt/slides/slide27.xml><?xml version="1.0" encoding="utf-8"?>
+<file path=ppt/slides/slide28.xml><?xml version="1.0" encoding="utf-8"?>
 <p:sld xmlns:a="http://schemas.openxmlformats.org/drawingml/2006/main" xmlns:r="http://schemas.openxmlformats.org/officeDocument/2006/relationships" xmlns:p="http://schemas.openxmlformats.org/presentationml/2006/main">
   <p:cSld>
     <p:spTree>
@@ -20187,13 +20851,6 @@
               </a:rPr>
               <a:t> Element</a:t>
             </a:r>
-            <a:endParaRPr lang="en-US" sz="2200" dirty="0" smtClean="0">
-              <a:solidFill>
-                <a:schemeClr val="tx1">
-                  <a:alpha val="99000"/>
-                </a:schemeClr>
-              </a:solidFill>
-            </a:endParaRPr>
           </a:p>
         </p:txBody>
       </p:sp>
@@ -20278,13 +20935,6 @@
               </a:rPr>
               <a:t> Element</a:t>
             </a:r>
-            <a:endParaRPr lang="en-US" sz="2200" dirty="0" smtClean="0">
-              <a:solidFill>
-                <a:schemeClr val="tx1">
-                  <a:alpha val="99000"/>
-                </a:schemeClr>
-              </a:solidFill>
-            </a:endParaRPr>
           </a:p>
         </p:txBody>
       </p:sp>
@@ -20375,20 +21025,20 @@
   <p:clrMapOvr>
     <a:masterClrMapping/>
   </p:clrMapOvr>
-  <p:transition>
+  <p:transition xmlns:p14="http://schemas.microsoft.com/office/powerpoint/2010/main">
     <p:fade/>
   </p:transition>
   <p:timing>
     <p:tnLst>
       <p:par>
-        <p:cTn id="1" dur="indefinite" restart="never" nodeType="tmRoot"/>
+        <p:cTn xmlns:p14="http://schemas.microsoft.com/office/powerpoint/2010/main" id="1" dur="indefinite" restart="never" nodeType="tmRoot"/>
       </p:par>
     </p:tnLst>
   </p:timing>
 </p:sld>
 </file>
 
-<file path=ppt/slides/slide28.xml><?xml version="1.0" encoding="utf-8"?>
+<file path=ppt/slides/slide29.xml><?xml version="1.0" encoding="utf-8"?>
 <p:sld xmlns:a="http://schemas.openxmlformats.org/drawingml/2006/main" xmlns:r="http://schemas.openxmlformats.org/officeDocument/2006/relationships" xmlns:p="http://schemas.openxmlformats.org/presentationml/2006/main">
   <p:cSld>
     <p:spTree>
@@ -20463,7 +21113,7 @@
             <p:ph idx="1"/>
             <p:extLst>
               <p:ext uri="{D42A27DB-BD31-4B8C-83A1-F6EECF244321}">
-                <p14:modId xmlns:p14="http://schemas.microsoft.com/office/powerpoint/2010/main" val="3801215555"/>
+                <p14:modId xmlns:p14="http://schemas.microsoft.com/office/powerpoint/2010/main" val="3515733698"/>
               </p:ext>
             </p:extLst>
           </p:nvPr>
@@ -20779,7 +21429,7 @@
                             <a:schemeClr val="bg1"/>
                           </a:solidFill>
                         </a:rPr>
-                        <a:t>?</a:t>
+                        <a:t>x</a:t>
                       </a:r>
                       <a:endParaRPr lang="en-US" sz="3200" b="1" dirty="0">
                         <a:solidFill>
@@ -20825,7 +21475,7 @@
                             <a:schemeClr val="bg1"/>
                           </a:solidFill>
                         </a:rPr>
-                        <a:t>?</a:t>
+                        <a:t>x</a:t>
                       </a:r>
                       <a:endParaRPr lang="en-US" sz="2800" b="1" dirty="0">
                         <a:solidFill>
@@ -20848,7 +21498,7 @@
                             <a:schemeClr val="bg1"/>
                           </a:solidFill>
                         </a:rPr>
-                        <a:t>?</a:t>
+                        <a:t>x</a:t>
                       </a:r>
                       <a:endParaRPr lang="en-US" sz="2800" b="1" dirty="0">
                         <a:solidFill>
@@ -20871,7 +21521,7 @@
                             <a:schemeClr val="bg1"/>
                           </a:solidFill>
                         </a:rPr>
-                        <a:t>?</a:t>
+                        <a:t>x</a:t>
                       </a:r>
                       <a:endParaRPr lang="en-US" sz="2800" b="1" dirty="0">
                         <a:solidFill>
@@ -21089,99 +21739,13 @@
   <p:clrMapOvr>
     <a:masterClrMapping/>
   </p:clrMapOvr>
-  <p:transition>
+  <p:transition xmlns:p14="http://schemas.microsoft.com/office/powerpoint/2010/main">
     <p:fade/>
   </p:transition>
   <p:timing>
     <p:tnLst>
       <p:par>
-        <p:cTn id="1" dur="indefinite" restart="never" nodeType="tmRoot"/>
-      </p:par>
-    </p:tnLst>
-  </p:timing>
-</p:sld>
-</file>
-
-<file path=ppt/slides/slide29.xml><?xml version="1.0" encoding="utf-8"?>
-<p:sld xmlns:a="http://schemas.openxmlformats.org/drawingml/2006/main" xmlns:r="http://schemas.openxmlformats.org/officeDocument/2006/relationships" xmlns:p="http://schemas.openxmlformats.org/presentationml/2006/main">
-  <p:cSld>
-    <p:spTree>
-      <p:nvGrpSpPr>
-        <p:cNvPr id="1" name=""/>
-        <p:cNvGrpSpPr/>
-        <p:nvPr/>
-      </p:nvGrpSpPr>
-      <p:grpSpPr>
-        <a:xfrm>
-          <a:off x="0" y="0"/>
-          <a:ext cx="0" cy="0"/>
-          <a:chOff x="0" y="0"/>
-          <a:chExt cx="0" cy="0"/>
-        </a:xfrm>
-      </p:grpSpPr>
-      <p:sp>
-        <p:nvSpPr>
-          <p:cNvPr id="2" name="Text Placeholder 1"/>
-          <p:cNvSpPr>
-            <a:spLocks noGrp="1"/>
-          </p:cNvSpPr>
-          <p:nvPr>
-            <p:ph type="body" sz="quarter" idx="10"/>
-          </p:nvPr>
-        </p:nvSpPr>
-        <p:spPr/>
-        <p:txBody>
-          <a:bodyPr/>
-          <a:lstStyle/>
-          <a:p>
-            <a:r>
-              <a:rPr lang="en-US" dirty="0" smtClean="0"/>
-              <a:t>demo</a:t>
-            </a:r>
-            <a:endParaRPr lang="en-US" dirty="0"/>
-          </a:p>
-        </p:txBody>
-      </p:sp>
-      <p:sp>
-        <p:nvSpPr>
-          <p:cNvPr id="3" name="Title 2"/>
-          <p:cNvSpPr>
-            <a:spLocks noGrp="1"/>
-          </p:cNvSpPr>
-          <p:nvPr>
-            <p:ph type="ctrTitle"/>
-          </p:nvPr>
-        </p:nvSpPr>
-        <p:spPr/>
-        <p:txBody>
-          <a:bodyPr/>
-          <a:lstStyle/>
-          <a:p>
-            <a:r>
-              <a:rPr lang="en-US" sz="6600" dirty="0" smtClean="0"/>
-              <a:t>Drag and Drop</a:t>
-            </a:r>
-            <a:endParaRPr lang="en-US" sz="6600" dirty="0"/>
-          </a:p>
-        </p:txBody>
-      </p:sp>
-    </p:spTree>
-    <p:extLst>
-      <p:ext uri="{BB962C8B-B14F-4D97-AF65-F5344CB8AC3E}">
-        <p14:creationId xmlns:p14="http://schemas.microsoft.com/office/powerpoint/2010/main" val="2515072600"/>
-      </p:ext>
-    </p:extLst>
-  </p:cSld>
-  <p:clrMapOvr>
-    <a:masterClrMapping/>
-  </p:clrMapOvr>
-  <p:transition>
-    <p:fade/>
-  </p:transition>
-  <p:timing>
-    <p:tnLst>
-      <p:par>
-        <p:cTn id="1" dur="indefinite" restart="never" nodeType="tmRoot"/>
+        <p:cTn xmlns:p14="http://schemas.microsoft.com/office/powerpoint/2010/main" id="1" dur="indefinite" restart="never" nodeType="tmRoot"/>
       </p:par>
     </p:tnLst>
   </p:timing>
@@ -21323,13 +21887,13 @@
   <p:clrMapOvr>
     <a:masterClrMapping/>
   </p:clrMapOvr>
-  <p:transition>
+  <p:transition xmlns:p14="http://schemas.microsoft.com/office/powerpoint/2010/main">
     <p:fade/>
   </p:transition>
   <p:timing>
     <p:tnLst>
       <p:par>
-        <p:cTn id="1" dur="indefinite" restart="never" nodeType="tmRoot"/>
+        <p:cTn xmlns:p14="http://schemas.microsoft.com/office/powerpoint/2010/main" id="1" dur="indefinite" restart="never" nodeType="tmRoot"/>
       </p:par>
     </p:tnLst>
   </p:timing>
@@ -21337,6 +21901,92 @@
 </file>
 
 <file path=ppt/slides/slide30.xml><?xml version="1.0" encoding="utf-8"?>
+<p:sld xmlns:a="http://schemas.openxmlformats.org/drawingml/2006/main" xmlns:r="http://schemas.openxmlformats.org/officeDocument/2006/relationships" xmlns:p="http://schemas.openxmlformats.org/presentationml/2006/main">
+  <p:cSld>
+    <p:spTree>
+      <p:nvGrpSpPr>
+        <p:cNvPr id="1" name=""/>
+        <p:cNvGrpSpPr/>
+        <p:nvPr/>
+      </p:nvGrpSpPr>
+      <p:grpSpPr>
+        <a:xfrm>
+          <a:off x="0" y="0"/>
+          <a:ext cx="0" cy="0"/>
+          <a:chOff x="0" y="0"/>
+          <a:chExt cx="0" cy="0"/>
+        </a:xfrm>
+      </p:grpSpPr>
+      <p:sp>
+        <p:nvSpPr>
+          <p:cNvPr id="2" name="Text Placeholder 1"/>
+          <p:cNvSpPr>
+            <a:spLocks noGrp="1"/>
+          </p:cNvSpPr>
+          <p:nvPr>
+            <p:ph type="body" sz="quarter" idx="10"/>
+          </p:nvPr>
+        </p:nvSpPr>
+        <p:spPr/>
+        <p:txBody>
+          <a:bodyPr/>
+          <a:lstStyle/>
+          <a:p>
+            <a:r>
+              <a:rPr lang="en-US" dirty="0" smtClean="0"/>
+              <a:t>demo</a:t>
+            </a:r>
+            <a:endParaRPr lang="en-US" dirty="0"/>
+          </a:p>
+        </p:txBody>
+      </p:sp>
+      <p:sp>
+        <p:nvSpPr>
+          <p:cNvPr id="3" name="Title 2"/>
+          <p:cNvSpPr>
+            <a:spLocks noGrp="1"/>
+          </p:cNvSpPr>
+          <p:nvPr>
+            <p:ph type="ctrTitle"/>
+          </p:nvPr>
+        </p:nvSpPr>
+        <p:spPr/>
+        <p:txBody>
+          <a:bodyPr/>
+          <a:lstStyle/>
+          <a:p>
+            <a:r>
+              <a:rPr lang="en-US" sz="6600" dirty="0" smtClean="0"/>
+              <a:t>Drag and Drop</a:t>
+            </a:r>
+            <a:endParaRPr lang="en-US" sz="6600" dirty="0"/>
+          </a:p>
+        </p:txBody>
+      </p:sp>
+    </p:spTree>
+    <p:extLst>
+      <p:ext uri="{BB962C8B-B14F-4D97-AF65-F5344CB8AC3E}">
+        <p14:creationId xmlns:p14="http://schemas.microsoft.com/office/powerpoint/2010/main" val="2515072600"/>
+      </p:ext>
+    </p:extLst>
+  </p:cSld>
+  <p:clrMapOvr>
+    <a:masterClrMapping/>
+  </p:clrMapOvr>
+  <p:transition xmlns:p14="http://schemas.microsoft.com/office/powerpoint/2010/main">
+    <p:fade/>
+  </p:transition>
+  <p:timing>
+    <p:tnLst>
+      <p:par>
+        <p:cTn xmlns:p14="http://schemas.microsoft.com/office/powerpoint/2010/main" id="1" dur="indefinite" restart="never" nodeType="tmRoot"/>
+      </p:par>
+    </p:tnLst>
+  </p:timing>
+</p:sld>
+</file>
+
+<file path=ppt/slides/slide31.xml><?xml version="1.0" encoding="utf-8"?>
 <p:sld xmlns:a="http://schemas.openxmlformats.org/drawingml/2006/main" xmlns:r="http://schemas.openxmlformats.org/officeDocument/2006/relationships" xmlns:p="http://schemas.openxmlformats.org/presentationml/2006/main">
   <p:cSld>
     <p:spTree>
@@ -21419,20 +22069,20 @@
   <p:clrMapOvr>
     <a:masterClrMapping/>
   </p:clrMapOvr>
-  <p:transition>
+  <p:transition xmlns:p14="http://schemas.microsoft.com/office/powerpoint/2010/main">
     <p:fade/>
   </p:transition>
   <p:timing>
     <p:tnLst>
       <p:par>
-        <p:cTn id="1" dur="indefinite" restart="never" nodeType="tmRoot"/>
+        <p:cTn xmlns:p14="http://schemas.microsoft.com/office/powerpoint/2010/main" id="1" dur="indefinite" restart="never" nodeType="tmRoot"/>
       </p:par>
     </p:tnLst>
   </p:timing>
 </p:sld>
 </file>
 
-<file path=ppt/slides/slide31.xml><?xml version="1.0" encoding="utf-8"?>
+<file path=ppt/slides/slide32.xml><?xml version="1.0" encoding="utf-8"?>
 <p:sld xmlns:a="http://schemas.openxmlformats.org/drawingml/2006/main" xmlns:r="http://schemas.openxmlformats.org/officeDocument/2006/relationships" xmlns:p="http://schemas.openxmlformats.org/presentationml/2006/main">
   <p:cSld>
     <p:spTree>
@@ -21736,20 +22386,20 @@
   <p:clrMapOvr>
     <a:masterClrMapping/>
   </p:clrMapOvr>
-  <p:transition>
+  <p:transition xmlns:p14="http://schemas.microsoft.com/office/powerpoint/2010/main">
     <p:fade/>
   </p:transition>
   <p:timing>
     <p:tnLst>
       <p:par>
-        <p:cTn id="1" dur="indefinite" restart="never" nodeType="tmRoot"/>
+        <p:cTn xmlns:p14="http://schemas.microsoft.com/office/powerpoint/2010/main" id="1" dur="indefinite" restart="never" nodeType="tmRoot"/>
       </p:par>
     </p:tnLst>
   </p:timing>
 </p:sld>
 </file>
 
-<file path=ppt/slides/slide32.xml><?xml version="1.0" encoding="utf-8"?>
+<file path=ppt/slides/slide33.xml><?xml version="1.0" encoding="utf-8"?>
 <p:sld xmlns:a="http://schemas.openxmlformats.org/drawingml/2006/main" xmlns:r="http://schemas.openxmlformats.org/officeDocument/2006/relationships" xmlns:p="http://schemas.openxmlformats.org/presentationml/2006/main">
   <p:cSld>
     <p:spTree>
@@ -22450,20 +23100,20 @@
   <p:clrMapOvr>
     <a:masterClrMapping/>
   </p:clrMapOvr>
-  <p:transition>
+  <p:transition xmlns:p14="http://schemas.microsoft.com/office/powerpoint/2010/main">
     <p:fade/>
   </p:transition>
   <p:timing>
     <p:tnLst>
       <p:par>
-        <p:cTn id="1" dur="indefinite" restart="never" nodeType="tmRoot"/>
+        <p:cTn xmlns:p14="http://schemas.microsoft.com/office/powerpoint/2010/main" id="1" dur="indefinite" restart="never" nodeType="tmRoot"/>
       </p:par>
     </p:tnLst>
   </p:timing>
 </p:sld>
 </file>
 
-<file path=ppt/slides/slide33.xml><?xml version="1.0" encoding="utf-8"?>
+<file path=ppt/slides/slide34.xml><?xml version="1.0" encoding="utf-8"?>
 <p:sld xmlns:a="http://schemas.openxmlformats.org/drawingml/2006/main" xmlns:r="http://schemas.openxmlformats.org/officeDocument/2006/relationships" xmlns:p="http://schemas.openxmlformats.org/presentationml/2006/main">
   <p:cSld>
     <p:spTree>
@@ -22513,20 +23163,20 @@
   <p:clrMapOvr>
     <a:masterClrMapping/>
   </p:clrMapOvr>
-  <p:transition>
+  <p:transition xmlns:p14="http://schemas.microsoft.com/office/powerpoint/2010/main">
     <p:fade/>
   </p:transition>
   <p:timing>
     <p:tnLst>
       <p:par>
-        <p:cTn id="1" dur="indefinite" restart="never" nodeType="tmRoot"/>
+        <p:cTn xmlns:p14="http://schemas.microsoft.com/office/powerpoint/2010/main" id="1" dur="indefinite" restart="never" nodeType="tmRoot"/>
       </p:par>
     </p:tnLst>
   </p:timing>
 </p:sld>
 </file>
 
-<file path=ppt/slides/slide34.xml><?xml version="1.0" encoding="utf-8"?>
+<file path=ppt/slides/slide35.xml><?xml version="1.0" encoding="utf-8"?>
 <p:sld xmlns:a="http://schemas.openxmlformats.org/drawingml/2006/main" xmlns:r="http://schemas.openxmlformats.org/officeDocument/2006/relationships" xmlns:p="http://schemas.openxmlformats.org/presentationml/2006/main">
   <p:cSld>
     <p:spTree>
@@ -22746,13 +23396,13 @@
   <p:clrMapOvr>
     <a:masterClrMapping/>
   </p:clrMapOvr>
-  <p:transition>
+  <p:transition xmlns:p14="http://schemas.microsoft.com/office/powerpoint/2010/main">
     <p:fade/>
   </p:transition>
   <p:timing>
     <p:tnLst>
       <p:par>
-        <p:cTn id="1" dur="indefinite" restart="never" nodeType="tmRoot"/>
+        <p:cTn xmlns:p14="http://schemas.microsoft.com/office/powerpoint/2010/main" id="1" dur="indefinite" restart="never" nodeType="tmRoot"/>
       </p:par>
     </p:tnLst>
   </p:timing>
@@ -22857,13 +23507,13 @@
   <p:clrMapOvr>
     <a:masterClrMapping/>
   </p:clrMapOvr>
-  <p:transition>
+  <p:transition xmlns:p14="http://schemas.microsoft.com/office/powerpoint/2010/main">
     <p:fade/>
   </p:transition>
   <p:timing>
     <p:tnLst>
       <p:par>
-        <p:cTn id="1" dur="indefinite" restart="never" nodeType="tmRoot"/>
+        <p:cTn xmlns:p14="http://schemas.microsoft.com/office/powerpoint/2010/main" id="1" dur="indefinite" restart="never" nodeType="tmRoot"/>
       </p:par>
     </p:tnLst>
   </p:timing>
@@ -23387,14 +24037,14 @@
           </a:ln>
           <a:effectLst/>
           <a:extLst>
-            <a:ext uri="{909E8E84-426E-40DD-AFC4-6F175D3DCCD1}">
+            <a:ext uri="{909E8E84-426E-40dd-AFC4-6F175D3DCCD1}">
               <a14:hiddenFill xmlns:a14="http://schemas.microsoft.com/office/drawing/2010/main">
                 <a:solidFill>
                   <a:schemeClr val="accent1"/>
                 </a:solidFill>
               </a14:hiddenFill>
             </a:ext>
-            <a:ext uri="{91240B29-F687-4F45-9708-019B960494DF}">
+            <a:ext uri="{91240B29-F687-4f45-9708-019B960494DF}">
               <a14:hiddenLine xmlns:a14="http://schemas.microsoft.com/office/drawing/2010/main" w="9525">
                 <a:solidFill>
                   <a:schemeClr val="tx1"/>
@@ -23404,7 +24054,7 @@
                 <a:tailEnd/>
               </a14:hiddenLine>
             </a:ext>
-            <a:ext uri="{AF507438-7753-43E0-B8FC-AC1667EBCBE1}">
+            <a:ext uri="{AF507438-7753-43e0-B8FC-AC1667EBCBE1}">
               <a14:hiddenEffects xmlns:a14="http://schemas.microsoft.com/office/drawing/2010/main">
                 <a:effectLst>
                   <a:outerShdw dist="35921" dir="2700000" algn="ctr" rotWithShape="0">
@@ -23454,7 +24104,7 @@
           </a:prstGeom>
           <a:noFill/>
           <a:extLst>
-            <a:ext uri="{909E8E84-426E-40DD-AFC4-6F175D3DCCD1}">
+            <a:ext uri="{909E8E84-426E-40dd-AFC4-6F175D3DCCD1}">
               <a14:hiddenFill xmlns:a14="http://schemas.microsoft.com/office/drawing/2010/main">
                 <a:solidFill>
                   <a:srgbClr val="FFFFFF"/>
@@ -23474,13 +24124,13 @@
   <p:clrMapOvr>
     <a:masterClrMapping/>
   </p:clrMapOvr>
-  <p:transition>
+  <p:transition xmlns:p14="http://schemas.microsoft.com/office/powerpoint/2010/main">
     <p:fade/>
   </p:transition>
   <p:timing>
     <p:tnLst>
       <p:par>
-        <p:cTn id="1" dur="indefinite" restart="never" nodeType="tmRoot"/>
+        <p:cTn xmlns:p14="http://schemas.microsoft.com/office/powerpoint/2010/main" id="1" dur="indefinite" restart="never" nodeType="tmRoot"/>
       </p:par>
     </p:tnLst>
   </p:timing>
@@ -24188,13 +24838,13 @@
   <p:clrMapOvr>
     <a:masterClrMapping/>
   </p:clrMapOvr>
-  <p:transition>
+  <p:transition xmlns:p14="http://schemas.microsoft.com/office/powerpoint/2010/main">
     <p:fade/>
   </p:transition>
   <p:timing>
     <p:tnLst>
       <p:par>
-        <p:cTn id="1" dur="indefinite" restart="never" nodeType="tmRoot"/>
+        <p:cTn xmlns:p14="http://schemas.microsoft.com/office/powerpoint/2010/main" id="1" dur="indefinite" restart="never" nodeType="tmRoot"/>
       </p:par>
     </p:tnLst>
   </p:timing>
@@ -24293,13 +24943,13 @@
   <p:clrMapOvr>
     <a:masterClrMapping/>
   </p:clrMapOvr>
-  <p:transition>
+  <p:transition xmlns:p14="http://schemas.microsoft.com/office/powerpoint/2010/main">
     <p:fade/>
   </p:transition>
   <p:timing>
     <p:tnLst>
       <p:par>
-        <p:cTn id="1" dur="indefinite" restart="never" nodeType="tmRoot"/>
+        <p:cTn xmlns:p14="http://schemas.microsoft.com/office/powerpoint/2010/main" id="1" dur="indefinite" restart="never" nodeType="tmRoot"/>
       </p:par>
     </p:tnLst>
   </p:timing>
@@ -24389,13 +25039,13 @@
   <p:clrMapOvr>
     <a:masterClrMapping/>
   </p:clrMapOvr>
-  <p:transition>
+  <p:transition xmlns:p14="http://schemas.microsoft.com/office/powerpoint/2010/main">
     <p:fade/>
   </p:transition>
   <p:timing>
     <p:tnLst>
       <p:par>
-        <p:cTn id="1" dur="indefinite" restart="never" nodeType="tmRoot"/>
+        <p:cTn xmlns:p14="http://schemas.microsoft.com/office/powerpoint/2010/main" id="1" dur="indefinite" restart="never" nodeType="tmRoot"/>
       </p:par>
     </p:tnLst>
   </p:timing>
@@ -25547,13 +26197,13 @@
   <p:clrMapOvr>
     <a:masterClrMapping/>
   </p:clrMapOvr>
-  <p:transition>
+  <p:transition xmlns:p14="http://schemas.microsoft.com/office/powerpoint/2010/main">
     <p:fade/>
   </p:transition>
   <p:timing>
     <p:tnLst>
       <p:par>
-        <p:cTn id="1" dur="indefinite" restart="never" nodeType="tmRoot"/>
+        <p:cTn xmlns:p14="http://schemas.microsoft.com/office/powerpoint/2010/main" id="1" dur="indefinite" restart="never" nodeType="tmRoot"/>
       </p:par>
     </p:tnLst>
   </p:timing>
